--- a/최종 발표 자료.pptx
+++ b/최종 발표 자료.pptx
@@ -5,18 +5,17 @@
     <p:sldMasterId id="2147483648" r:id="rId1"/>
   </p:sldMasterIdLst>
   <p:notesMasterIdLst>
-    <p:notesMasterId r:id="rId11"/>
+    <p:notesMasterId r:id="rId10"/>
   </p:notesMasterIdLst>
   <p:sldIdLst>
     <p:sldId id="256" r:id="rId2"/>
     <p:sldId id="265" r:id="rId3"/>
     <p:sldId id="266" r:id="rId4"/>
     <p:sldId id="260" r:id="rId5"/>
-    <p:sldId id="269" r:id="rId6"/>
+    <p:sldId id="272" r:id="rId6"/>
     <p:sldId id="270" r:id="rId7"/>
     <p:sldId id="271" r:id="rId8"/>
-    <p:sldId id="263" r:id="rId9"/>
-    <p:sldId id="264" r:id="rId10"/>
+    <p:sldId id="264" r:id="rId9"/>
   </p:sldIdLst>
   <p:sldSz cx="12192000" cy="6858000"/>
   <p:notesSz cx="6858000" cy="9144000"/>
@@ -216,7 +215,7 @@
           <a:p>
             <a:fld id="{6656B1F4-4473-4E42-931C-FB415B8F676D}" type="datetimeFigureOut">
               <a:rPr lang="ko-KR" altLang="en-US" smtClean="0"/>
-              <a:t>2019-12-05</a:t>
+              <a:t>2019-12-06</a:t>
             </a:fld>
             <a:endParaRPr lang="ko-KR" altLang="en-US"/>
           </a:p>
@@ -4329,7 +4328,7 @@
           <a:p>
             <a:fld id="{996802E8-470E-48C1-B126-8CFFC69D7ECC}" type="datetimeFigureOut">
               <a:rPr lang="ko-KR" altLang="en-US" smtClean="0"/>
-              <a:t>2019-12-05</a:t>
+              <a:t>2019-12-06</a:t>
             </a:fld>
             <a:endParaRPr lang="ko-KR" altLang="en-US"/>
           </a:p>
@@ -4857,7 +4856,7 @@
           <a:lstStyle/>
           <a:p>
             <a:r>
-              <a:rPr lang="en-US" altLang="ko-KR" dirty="0" smtClean="0"/>
+              <a:rPr lang="en-US" altLang="ko-KR" dirty="0"/>
               <a:t>Survival Game</a:t>
             </a:r>
             <a:endParaRPr lang="ko-KR" altLang="en-US" dirty="0"/>
@@ -5059,43 +5058,31 @@
               <a:t>01   </a:t>
             </a:r>
             <a:r>
-              <a:rPr lang="ko-KR" altLang="en-US" sz="2300" dirty="0" smtClean="0"/>
+              <a:rPr lang="ko-KR" altLang="en-US" sz="2300" dirty="0"/>
               <a:t>개발 계획</a:t>
             </a:r>
-            <a:endParaRPr lang="en-US" altLang="ko-KR" sz="2300" dirty="0" smtClean="0"/>
-          </a:p>
-          <a:p>
-            <a:r>
-              <a:rPr lang="en-US" altLang="ko-KR" sz="2300" dirty="0" smtClean="0"/>
+            <a:endParaRPr lang="en-US" altLang="ko-KR" sz="2300" dirty="0"/>
+          </a:p>
+          <a:p>
+            <a:r>
+              <a:rPr lang="en-US" altLang="ko-KR" sz="2300" dirty="0"/>
               <a:t>02   </a:t>
             </a:r>
             <a:r>
-              <a:rPr lang="ko-KR" altLang="en-US" sz="2300" dirty="0" smtClean="0"/>
+              <a:rPr lang="ko-KR" altLang="en-US" sz="2300" dirty="0"/>
               <a:t>구현 방법</a:t>
             </a:r>
-            <a:endParaRPr lang="en-US" altLang="ko-KR" sz="2300" dirty="0" smtClean="0"/>
-          </a:p>
-          <a:p>
-            <a:r>
-              <a:rPr lang="en-US" altLang="ko-KR" sz="2300" dirty="0" smtClean="0"/>
+            <a:endParaRPr lang="en-US" altLang="ko-KR" sz="2300" dirty="0"/>
+          </a:p>
+          <a:p>
+            <a:r>
+              <a:rPr lang="en-US" altLang="ko-KR" sz="2300" dirty="0"/>
               <a:t>03   </a:t>
             </a:r>
             <a:r>
-              <a:rPr lang="ko-KR" altLang="en-US" sz="2300" dirty="0" smtClean="0"/>
-              <a:t>플레이 영상</a:t>
-            </a:r>
-            <a:endParaRPr lang="en-US" altLang="ko-KR" sz="2300" dirty="0" smtClean="0"/>
-          </a:p>
-          <a:p>
-            <a:r>
-              <a:rPr lang="en-US" altLang="ko-KR" sz="2300" dirty="0" smtClean="0"/>
-              <a:t>04   </a:t>
-            </a:r>
-            <a:r>
-              <a:rPr lang="ko-KR" altLang="en-US" sz="2300" dirty="0" smtClean="0"/>
+              <a:rPr lang="ko-KR" altLang="en-US" sz="2300" dirty="0"/>
               <a:t>느낀 점</a:t>
             </a:r>
-            <a:endParaRPr lang="ko-KR" altLang="en-US" sz="2300" dirty="0"/>
           </a:p>
         </p:txBody>
       </p:sp>
@@ -5502,7 +5489,7 @@
               <a:buNone/>
             </a:pPr>
             <a:r>
-              <a:rPr lang="en-US" altLang="ko-KR" sz="2300" b="1" dirty="0" smtClean="0">
+              <a:rPr lang="en-US" altLang="ko-KR" sz="2300" b="1" dirty="0">
                 <a:solidFill>
                   <a:schemeClr val="bg1"/>
                 </a:solidFill>
@@ -5510,14 +5497,14 @@
               <a:t>9</a:t>
             </a:r>
             <a:r>
-              <a:rPr lang="ko-KR" altLang="en-US" sz="2300" b="1" dirty="0" smtClean="0">
+              <a:rPr lang="ko-KR" altLang="en-US" sz="2300" b="1" dirty="0">
                 <a:solidFill>
                   <a:schemeClr val="bg1"/>
                 </a:solidFill>
               </a:rPr>
               <a:t>조</a:t>
             </a:r>
-            <a:endParaRPr lang="en-US" altLang="ko-KR" sz="2300" b="1" dirty="0" smtClean="0">
+            <a:endParaRPr lang="en-US" altLang="ko-KR" sz="2300" b="1" dirty="0">
               <a:solidFill>
                 <a:schemeClr val="bg1"/>
               </a:solidFill>
@@ -5528,7 +5515,7 @@
               <a:buNone/>
             </a:pPr>
             <a:r>
-              <a:rPr lang="ko-KR" altLang="en-US" sz="2300" b="1" dirty="0" err="1" smtClean="0">
+              <a:rPr lang="ko-KR" altLang="en-US" sz="2300" b="1" dirty="0" err="1">
                 <a:solidFill>
                   <a:schemeClr val="bg1"/>
                 </a:solidFill>
@@ -5536,7 +5523,7 @@
               <a:t>오준엽</a:t>
             </a:r>
             <a:r>
-              <a:rPr lang="ko-KR" altLang="en-US" sz="2300" b="1" dirty="0" smtClean="0">
+              <a:rPr lang="ko-KR" altLang="en-US" sz="2300" b="1" dirty="0">
                 <a:solidFill>
                   <a:schemeClr val="bg1"/>
                 </a:solidFill>
@@ -5544,7 +5531,7 @@
               <a:t> </a:t>
             </a:r>
             <a:r>
-              <a:rPr lang="ko-KR" altLang="en-US" sz="2300" b="1" dirty="0" err="1" smtClean="0">
+              <a:rPr lang="ko-KR" altLang="en-US" sz="2300" b="1" dirty="0" err="1">
                 <a:solidFill>
                   <a:schemeClr val="bg1"/>
                 </a:solidFill>
@@ -5552,7 +5539,7 @@
               <a:t>최환규</a:t>
             </a:r>
             <a:r>
-              <a:rPr lang="ko-KR" altLang="en-US" sz="2300" b="1" dirty="0" smtClean="0">
+              <a:rPr lang="ko-KR" altLang="en-US" sz="2300" b="1" dirty="0">
                 <a:solidFill>
                   <a:schemeClr val="bg1"/>
                 </a:solidFill>
@@ -5560,7 +5547,7 @@
               <a:t> </a:t>
             </a:r>
             <a:r>
-              <a:rPr lang="ko-KR" altLang="en-US" sz="2300" b="1" dirty="0" err="1" smtClean="0">
+              <a:rPr lang="ko-KR" altLang="en-US" sz="2300" b="1" dirty="0" err="1">
                 <a:solidFill>
                   <a:schemeClr val="bg1"/>
                 </a:solidFill>
@@ -5661,10 +5648,9 @@
           <a:lstStyle/>
           <a:p>
             <a:r>
-              <a:rPr lang="ko-KR" altLang="en-US" dirty="0" smtClean="0"/>
+              <a:rPr lang="ko-KR" altLang="en-US" dirty="0"/>
               <a:t>개발 목표</a:t>
             </a:r>
-            <a:endParaRPr lang="ko-KR" altLang="en-US" dirty="0"/>
           </a:p>
         </p:txBody>
       </p:sp>
@@ -5717,18 +5703,13 @@
           </a:lstStyle>
           <a:p>
             <a:r>
-              <a:rPr lang="ko-KR" altLang="en-US" sz="1500" dirty="0" smtClean="0">
+              <a:rPr lang="ko-KR" altLang="en-US" sz="1500" dirty="0">
                 <a:solidFill>
                   <a:schemeClr val="tx1"/>
                 </a:solidFill>
               </a:rPr>
               <a:t>개발 계획</a:t>
             </a:r>
-            <a:endParaRPr lang="ko-KR" altLang="en-US" sz="1500" dirty="0">
-              <a:solidFill>
-                <a:schemeClr val="tx1"/>
-              </a:solidFill>
-            </a:endParaRPr>
           </a:p>
         </p:txBody>
       </p:sp>
@@ -5740,7 +5721,7 @@
         </p:nvSpPr>
         <p:spPr>
           <a:xfrm>
-            <a:off x="1363134" y="1397000"/>
+            <a:off x="1176866" y="1274398"/>
             <a:ext cx="9922934" cy="4758267"/>
           </a:xfrm>
           <a:prstGeom prst="roundRect">
@@ -5774,7 +5755,7 @@
           <a:lstStyle/>
           <a:p>
             <a:r>
-              <a:rPr lang="ko-KR" altLang="en-US" sz="3500" dirty="0" smtClean="0">
+              <a:rPr lang="ko-KR" altLang="en-US" sz="3500" dirty="0">
                 <a:solidFill>
                   <a:schemeClr val="tx1"/>
                 </a:solidFill>
@@ -5782,7 +5763,7 @@
               <a:t>던전 </a:t>
             </a:r>
             <a:r>
-              <a:rPr lang="ko-KR" altLang="en-US" sz="3500" dirty="0" err="1" smtClean="0">
+              <a:rPr lang="ko-KR" altLang="en-US" sz="3500" dirty="0" err="1">
                 <a:solidFill>
                   <a:schemeClr val="tx1"/>
                 </a:solidFill>
@@ -5790,7 +5771,7 @@
               <a:t>탐색형</a:t>
             </a:r>
             <a:r>
-              <a:rPr lang="ko-KR" altLang="en-US" sz="3500" dirty="0" smtClean="0">
+              <a:rPr lang="ko-KR" altLang="en-US" sz="3500" dirty="0">
                 <a:solidFill>
                   <a:schemeClr val="tx1"/>
                 </a:solidFill>
@@ -5798,7 +5779,7 @@
               <a:t> </a:t>
             </a:r>
             <a:r>
-              <a:rPr lang="en-US" altLang="ko-KR" sz="3500" dirty="0" smtClean="0">
+              <a:rPr lang="en-US" altLang="ko-KR" sz="3500" dirty="0">
                 <a:solidFill>
                   <a:schemeClr val="tx1"/>
                 </a:solidFill>
@@ -5806,7 +5787,7 @@
               <a:t>RPG </a:t>
             </a:r>
             <a:r>
-              <a:rPr lang="ko-KR" altLang="en-US" sz="3500" dirty="0" smtClean="0">
+              <a:rPr lang="ko-KR" altLang="en-US" sz="3500" dirty="0">
                 <a:solidFill>
                   <a:schemeClr val="tx1"/>
                 </a:solidFill>
@@ -5814,7 +5795,7 @@
               <a:t>인 </a:t>
             </a:r>
             <a:r>
-              <a:rPr lang="ko-KR" altLang="en-US" sz="3500" dirty="0" err="1" smtClean="0">
+              <a:rPr lang="ko-KR" altLang="en-US" sz="3500" dirty="0" err="1">
                 <a:solidFill>
                   <a:schemeClr val="tx1"/>
                 </a:solidFill>
@@ -5822,7 +5803,7 @@
               <a:t>로그라이크</a:t>
             </a:r>
             <a:r>
-              <a:rPr lang="ko-KR" altLang="en-US" sz="3500" dirty="0" smtClean="0">
+              <a:rPr lang="ko-KR" altLang="en-US" sz="3500" dirty="0">
                 <a:solidFill>
                   <a:schemeClr val="tx1"/>
                 </a:solidFill>
@@ -5830,7 +5811,7 @@
               <a:t> 게임을 </a:t>
             </a:r>
             <a:r>
-              <a:rPr lang="en-US" altLang="ko-KR" sz="3500" dirty="0" smtClean="0">
+              <a:rPr lang="en-US" altLang="ko-KR" sz="3500" dirty="0">
                 <a:solidFill>
                   <a:schemeClr val="tx1"/>
                 </a:solidFill>
@@ -5838,7 +5819,7 @@
               <a:t>C</a:t>
             </a:r>
             <a:r>
-              <a:rPr lang="ko-KR" altLang="en-US" sz="3500" dirty="0" smtClean="0">
+              <a:rPr lang="ko-KR" altLang="en-US" sz="3500" dirty="0">
                 <a:solidFill>
                   <a:schemeClr val="tx1"/>
                 </a:solidFill>
@@ -5846,7 +5827,7 @@
               <a:t>언어로 한번 구현해보자</a:t>
             </a:r>
             <a:r>
-              <a:rPr lang="en-US" altLang="ko-KR" sz="3500" dirty="0" smtClean="0">
+              <a:rPr lang="en-US" altLang="ko-KR" sz="3500" dirty="0">
                 <a:solidFill>
                   <a:schemeClr val="tx1"/>
                 </a:solidFill>
@@ -5981,10 +5962,9 @@
           <a:lstStyle/>
           <a:p>
             <a:r>
-              <a:rPr lang="ko-KR" altLang="en-US" dirty="0" smtClean="0"/>
+              <a:rPr lang="ko-KR" altLang="en-US" dirty="0"/>
               <a:t>개발 내용</a:t>
             </a:r>
-            <a:endParaRPr lang="ko-KR" altLang="en-US" dirty="0"/>
           </a:p>
         </p:txBody>
       </p:sp>
@@ -6037,18 +6017,13 @@
           </a:lstStyle>
           <a:p>
             <a:r>
-              <a:rPr lang="ko-KR" altLang="en-US" sz="1500" dirty="0" smtClean="0">
+              <a:rPr lang="ko-KR" altLang="en-US" sz="1500" dirty="0">
                 <a:solidFill>
                   <a:schemeClr val="tx1"/>
                 </a:solidFill>
               </a:rPr>
               <a:t>개발 계획</a:t>
             </a:r>
-            <a:endParaRPr lang="ko-KR" altLang="en-US" sz="1500" dirty="0">
-              <a:solidFill>
-                <a:schemeClr val="tx1"/>
-              </a:solidFill>
-            </a:endParaRPr>
           </a:p>
         </p:txBody>
       </p:sp>
@@ -6101,10 +6076,10 @@
           </a:lstStyle>
           <a:p>
             <a:r>
-              <a:rPr lang="ko-KR" altLang="en-US" dirty="0" smtClean="0"/>
+              <a:rPr lang="ko-KR" altLang="en-US" dirty="0"/>
               <a:t>개발 환경</a:t>
             </a:r>
-            <a:endParaRPr lang="en-US" altLang="ko-KR" dirty="0" smtClean="0"/>
+            <a:endParaRPr lang="en-US" altLang="ko-KR" dirty="0"/>
           </a:p>
         </p:txBody>
       </p:sp>
@@ -6184,7 +6159,7 @@
           <a:lstStyle/>
           <a:p>
             <a:r>
-              <a:rPr lang="en-US" altLang="ko-KR" sz="2500" dirty="0" err="1" smtClean="0">
+              <a:rPr lang="en-US" altLang="ko-KR" sz="2500" dirty="0" err="1">
                 <a:solidFill>
                   <a:schemeClr val="tx1"/>
                 </a:solidFill>
@@ -6192,7 +6167,7 @@
               <a:t>MicroSoft</a:t>
             </a:r>
             <a:r>
-              <a:rPr lang="ko-KR" altLang="en-US" sz="2500" dirty="0" smtClean="0">
+              <a:rPr lang="ko-KR" altLang="en-US" sz="2500" dirty="0">
                 <a:solidFill>
                   <a:schemeClr val="tx1"/>
                 </a:solidFill>
@@ -6200,7 +6175,7 @@
               <a:t>사의 </a:t>
             </a:r>
             <a:r>
-              <a:rPr lang="en-US" altLang="ko-KR" sz="2500" dirty="0" smtClean="0">
+              <a:rPr lang="en-US" altLang="ko-KR" sz="2500" dirty="0">
                 <a:solidFill>
                   <a:schemeClr val="tx1"/>
                 </a:solidFill>
@@ -6208,7 +6183,7 @@
               <a:t>Visual Studio2019 </a:t>
             </a:r>
             <a:r>
-              <a:rPr lang="ko-KR" altLang="en-US" sz="2500" dirty="0" smtClean="0">
+              <a:rPr lang="ko-KR" altLang="en-US" sz="2500" dirty="0">
                 <a:solidFill>
                   <a:schemeClr val="tx1"/>
                 </a:solidFill>
@@ -6216,7 +6191,7 @@
               <a:t>에서 작업을 진행했다</a:t>
             </a:r>
             <a:r>
-              <a:rPr lang="en-US" altLang="ko-KR" sz="2500" dirty="0" smtClean="0">
+              <a:rPr lang="en-US" altLang="ko-KR" sz="2500" dirty="0">
                 <a:solidFill>
                   <a:schemeClr val="tx1"/>
                 </a:solidFill>
@@ -6273,7 +6248,7 @@
           <a:lstStyle/>
           <a:p>
             <a:r>
-              <a:rPr lang="en-US" altLang="ko-KR" sz="2500" dirty="0" err="1" smtClean="0">
+              <a:rPr lang="en-US" altLang="ko-KR" sz="2500" dirty="0" err="1">
                 <a:solidFill>
                   <a:schemeClr val="tx1"/>
                 </a:solidFill>
@@ -6281,7 +6256,7 @@
               <a:t>MicroSoft</a:t>
             </a:r>
             <a:r>
-              <a:rPr lang="ko-KR" altLang="en-US" sz="2500" dirty="0" smtClean="0">
+              <a:rPr lang="ko-KR" altLang="en-US" sz="2500" dirty="0">
                 <a:solidFill>
                   <a:schemeClr val="tx1"/>
                 </a:solidFill>
@@ -6289,7 +6264,7 @@
               <a:t>사의 </a:t>
             </a:r>
             <a:r>
-              <a:rPr lang="en-US" altLang="ko-KR" sz="2500" dirty="0" smtClean="0">
+              <a:rPr lang="en-US" altLang="ko-KR" sz="2500" dirty="0">
                 <a:solidFill>
                   <a:schemeClr val="tx1"/>
                 </a:solidFill>
@@ -6297,7 +6272,7 @@
               <a:t>Visual Studio2019 </a:t>
             </a:r>
             <a:r>
-              <a:rPr lang="ko-KR" altLang="en-US" sz="2500" dirty="0" smtClean="0">
+              <a:rPr lang="ko-KR" altLang="en-US" sz="2500" dirty="0">
                 <a:solidFill>
                   <a:schemeClr val="tx1"/>
                 </a:solidFill>
@@ -6305,7 +6280,7 @@
               <a:t>에서 작업을 진행했다</a:t>
             </a:r>
             <a:r>
-              <a:rPr lang="en-US" altLang="ko-KR" sz="2500" dirty="0" smtClean="0">
+              <a:rPr lang="en-US" altLang="ko-KR" sz="2500" dirty="0">
                 <a:solidFill>
                   <a:schemeClr val="tx1"/>
                 </a:solidFill>
@@ -6372,7 +6347,7 @@
           <a:lstStyle/>
           <a:p>
             <a:r>
-              <a:rPr lang="en-US" altLang="ko-KR" dirty="0" smtClean="0"/>
+              <a:rPr lang="en-US" altLang="ko-KR" dirty="0"/>
               <a:t>01</a:t>
             </a:r>
             <a:endParaRPr lang="ko-KR" altLang="en-US" dirty="0"/>
@@ -6395,10 +6370,9 @@
           <a:lstStyle/>
           <a:p>
             <a:r>
-              <a:rPr lang="ko-KR" altLang="en-US" dirty="0" smtClean="0"/>
+              <a:rPr lang="ko-KR" altLang="en-US" dirty="0"/>
               <a:t>과제 수행 범위</a:t>
             </a:r>
-            <a:endParaRPr lang="ko-KR" altLang="en-US" dirty="0"/>
           </a:p>
         </p:txBody>
       </p:sp>
@@ -6445,10 +6419,96 @@
           <a:bodyPr rtlCol="0" anchor="ctr"/>
           <a:lstStyle/>
           <a:p>
-            <a:endParaRPr lang="ko-KR" altLang="en-US" sz="3500" dirty="0">
+            <a:r>
+              <a:rPr lang="ko-KR" altLang="en-US" sz="2000" b="1" dirty="0">
+                <a:solidFill>
+                  <a:srgbClr val="FFFFFF"/>
+                </a:solidFill>
+                <a:latin typeface="돋움" panose="020B0600000101010101" pitchFamily="50" charset="-127"/>
+                <a:ea typeface="돋움" panose="020B0600000101010101" pitchFamily="50" charset="-127"/>
+              </a:rPr>
+              <a:t>아이템 제작 </a:t>
+            </a:r>
+            <a:endParaRPr lang="en-US" altLang="ko-KR" sz="2000" b="1" dirty="0">
               <a:solidFill>
                 <a:srgbClr val="FFFFFF"/>
               </a:solidFill>
+              <a:latin typeface="돋움" panose="020B0600000101010101" pitchFamily="50" charset="-127"/>
+              <a:ea typeface="돋움" panose="020B0600000101010101" pitchFamily="50" charset="-127"/>
+            </a:endParaRPr>
+          </a:p>
+          <a:p>
+            <a:endParaRPr lang="en-US" altLang="ko-KR" sz="2000" b="1" dirty="0">
+              <a:solidFill>
+                <a:srgbClr val="FFFFFF"/>
+              </a:solidFill>
+              <a:latin typeface="돋움" panose="020B0600000101010101" pitchFamily="50" charset="-127"/>
+              <a:ea typeface="돋움" panose="020B0600000101010101" pitchFamily="50" charset="-127"/>
+            </a:endParaRPr>
+          </a:p>
+          <a:p>
+            <a:r>
+              <a:rPr lang="ko-KR" altLang="en-US" sz="2000" b="1" dirty="0">
+                <a:solidFill>
+                  <a:srgbClr val="FFFFFF"/>
+                </a:solidFill>
+                <a:latin typeface="돋움" panose="020B0600000101010101" pitchFamily="50" charset="-127"/>
+                <a:ea typeface="돋움" panose="020B0600000101010101" pitchFamily="50" charset="-127"/>
+              </a:rPr>
+              <a:t>몬스터 처치</a:t>
+            </a:r>
+            <a:endParaRPr lang="en-US" altLang="ko-KR" sz="2000" b="1" dirty="0">
+              <a:solidFill>
+                <a:srgbClr val="FFFFFF"/>
+              </a:solidFill>
+              <a:latin typeface="돋움" panose="020B0600000101010101" pitchFamily="50" charset="-127"/>
+              <a:ea typeface="돋움" panose="020B0600000101010101" pitchFamily="50" charset="-127"/>
+            </a:endParaRPr>
+          </a:p>
+          <a:p>
+            <a:endParaRPr lang="en-US" altLang="ko-KR" sz="2000" b="1" dirty="0">
+              <a:solidFill>
+                <a:srgbClr val="FFFFFF"/>
+              </a:solidFill>
+              <a:latin typeface="돋움" panose="020B0600000101010101" pitchFamily="50" charset="-127"/>
+              <a:ea typeface="돋움" panose="020B0600000101010101" pitchFamily="50" charset="-127"/>
+            </a:endParaRPr>
+          </a:p>
+          <a:p>
+            <a:r>
+              <a:rPr lang="ko-KR" altLang="en-US" sz="2000" b="1" dirty="0">
+                <a:solidFill>
+                  <a:srgbClr val="FFFFFF"/>
+                </a:solidFill>
+                <a:latin typeface="돋움" panose="020B0600000101010101" pitchFamily="50" charset="-127"/>
+                <a:ea typeface="돋움" panose="020B0600000101010101" pitchFamily="50" charset="-127"/>
+              </a:rPr>
+              <a:t>연애기능 </a:t>
+            </a:r>
+            <a:endParaRPr lang="en-US" altLang="ko-KR" sz="2000" b="1" dirty="0">
+              <a:solidFill>
+                <a:srgbClr val="FFFFFF"/>
+              </a:solidFill>
+              <a:latin typeface="돋움" panose="020B0600000101010101" pitchFamily="50" charset="-127"/>
+              <a:ea typeface="돋움" panose="020B0600000101010101" pitchFamily="50" charset="-127"/>
+            </a:endParaRPr>
+          </a:p>
+          <a:p>
+            <a:endParaRPr lang="en-US" altLang="ko-KR" sz="2000" b="1" dirty="0">
+              <a:solidFill>
+                <a:srgbClr val="FFFFFF"/>
+              </a:solidFill>
+              <a:latin typeface="돋움" panose="020B0600000101010101" pitchFamily="50" charset="-127"/>
+              <a:ea typeface="돋움" panose="020B0600000101010101" pitchFamily="50" charset="-127"/>
+            </a:endParaRPr>
+          </a:p>
+          <a:p>
+            <a:endParaRPr lang="ko-KR" altLang="en-US" sz="2000" b="1" dirty="0">
+              <a:solidFill>
+                <a:srgbClr val="FFFFFF"/>
+              </a:solidFill>
+              <a:latin typeface="돋움" panose="020B0600000101010101" pitchFamily="50" charset="-127"/>
+              <a:ea typeface="돋움" panose="020B0600000101010101" pitchFamily="50" charset="-127"/>
             </a:endParaRPr>
           </a:p>
         </p:txBody>
@@ -6496,10 +6556,248 @@
           <a:bodyPr rtlCol="0" anchor="ctr"/>
           <a:lstStyle/>
           <a:p>
-            <a:endParaRPr lang="ko-KR" altLang="en-US" sz="3500" dirty="0">
+            <a:endParaRPr lang="en-US" altLang="ko-KR" sz="2200" b="1" dirty="0">
               <a:solidFill>
-                <a:schemeClr val="tx1"/>
+                <a:srgbClr val="FFFFFF"/>
               </a:solidFill>
+              <a:latin typeface="돋움" panose="020B0600000101010101" pitchFamily="50" charset="-127"/>
+              <a:ea typeface="돋움" panose="020B0600000101010101" pitchFamily="50" charset="-127"/>
+            </a:endParaRPr>
+          </a:p>
+          <a:p>
+            <a:endParaRPr lang="en-US" altLang="ko-KR" sz="2200" b="1" dirty="0">
+              <a:solidFill>
+                <a:srgbClr val="FFFFFF"/>
+              </a:solidFill>
+              <a:latin typeface="돋움" panose="020B0600000101010101" pitchFamily="50" charset="-127"/>
+              <a:ea typeface="돋움" panose="020B0600000101010101" pitchFamily="50" charset="-127"/>
+            </a:endParaRPr>
+          </a:p>
+          <a:p>
+            <a:endParaRPr lang="en-US" altLang="ko-KR" sz="2200" b="1" dirty="0">
+              <a:solidFill>
+                <a:srgbClr val="FFFFFF"/>
+              </a:solidFill>
+              <a:latin typeface="돋움" panose="020B0600000101010101" pitchFamily="50" charset="-127"/>
+              <a:ea typeface="돋움" panose="020B0600000101010101" pitchFamily="50" charset="-127"/>
+            </a:endParaRPr>
+          </a:p>
+          <a:p>
+            <a:r>
+              <a:rPr lang="en-US" altLang="ko-KR" sz="2200" b="1" dirty="0">
+                <a:solidFill>
+                  <a:srgbClr val="FFFFFF"/>
+                </a:solidFill>
+                <a:latin typeface="돋움" panose="020B0600000101010101" pitchFamily="50" charset="-127"/>
+                <a:ea typeface="돋움" panose="020B0600000101010101" pitchFamily="50" charset="-127"/>
+              </a:rPr>
+              <a:t>&lt;</a:t>
+            </a:r>
+            <a:r>
+              <a:rPr lang="ko-KR" altLang="en-US" sz="2200" b="1" dirty="0">
+                <a:solidFill>
+                  <a:srgbClr val="FFFFFF"/>
+                </a:solidFill>
+                <a:latin typeface="돋움" panose="020B0600000101010101" pitchFamily="50" charset="-127"/>
+                <a:ea typeface="돋움" panose="020B0600000101010101" pitchFamily="50" charset="-127"/>
+              </a:rPr>
+              <a:t>아이템 제작</a:t>
+            </a:r>
+            <a:r>
+              <a:rPr lang="en-US" altLang="ko-KR" sz="2200" b="1" dirty="0">
+                <a:solidFill>
+                  <a:srgbClr val="FFFFFF"/>
+                </a:solidFill>
+                <a:latin typeface="돋움" panose="020B0600000101010101" pitchFamily="50" charset="-127"/>
+                <a:ea typeface="돋움" panose="020B0600000101010101" pitchFamily="50" charset="-127"/>
+              </a:rPr>
+              <a:t>&gt;</a:t>
+            </a:r>
+            <a:endParaRPr lang="en-US" altLang="ko-KR" sz="2000" b="1" dirty="0">
+              <a:solidFill>
+                <a:srgbClr val="FFFFFF"/>
+              </a:solidFill>
+              <a:latin typeface="돋움" panose="020B0600000101010101" pitchFamily="50" charset="-127"/>
+              <a:ea typeface="돋움" panose="020B0600000101010101" pitchFamily="50" charset="-127"/>
+            </a:endParaRPr>
+          </a:p>
+          <a:p>
+            <a:r>
+              <a:rPr lang="ko-KR" altLang="en-US" sz="2000" b="1" dirty="0">
+                <a:solidFill>
+                  <a:srgbClr val="FFFFFF"/>
+                </a:solidFill>
+                <a:latin typeface="돋움" panose="020B0600000101010101" pitchFamily="50" charset="-127"/>
+                <a:ea typeface="돋움" panose="020B0600000101010101" pitchFamily="50" charset="-127"/>
+              </a:rPr>
+              <a:t>오브젝트 위치 랜덤 구현 작업이 </a:t>
+            </a:r>
+            <a:endParaRPr lang="en-US" altLang="ko-KR" sz="2000" b="1" dirty="0">
+              <a:solidFill>
+                <a:srgbClr val="FFFFFF"/>
+              </a:solidFill>
+              <a:latin typeface="돋움" panose="020B0600000101010101" pitchFamily="50" charset="-127"/>
+              <a:ea typeface="돋움" panose="020B0600000101010101" pitchFamily="50" charset="-127"/>
+            </a:endParaRPr>
+          </a:p>
+          <a:p>
+            <a:r>
+              <a:rPr lang="ko-KR" altLang="en-US" sz="2000" b="1" dirty="0" err="1">
+                <a:solidFill>
+                  <a:srgbClr val="FFFFFF"/>
+                </a:solidFill>
+                <a:latin typeface="돋움" panose="020B0600000101010101" pitchFamily="50" charset="-127"/>
+                <a:ea typeface="돋움" panose="020B0600000101010101" pitchFamily="50" charset="-127"/>
+              </a:rPr>
+              <a:t>오래걸림</a:t>
+            </a:r>
+            <a:endParaRPr lang="en-US" altLang="ko-KR" sz="2000" b="1" dirty="0">
+              <a:solidFill>
+                <a:srgbClr val="FFFFFF"/>
+              </a:solidFill>
+              <a:latin typeface="돋움" panose="020B0600000101010101" pitchFamily="50" charset="-127"/>
+              <a:ea typeface="돋움" panose="020B0600000101010101" pitchFamily="50" charset="-127"/>
+            </a:endParaRPr>
+          </a:p>
+          <a:p>
+            <a:endParaRPr lang="en-US" altLang="ko-KR" sz="2000" b="1" dirty="0">
+              <a:solidFill>
+                <a:srgbClr val="FFFFFF"/>
+              </a:solidFill>
+              <a:latin typeface="돋움" panose="020B0600000101010101" pitchFamily="50" charset="-127"/>
+              <a:ea typeface="돋움" panose="020B0600000101010101" pitchFamily="50" charset="-127"/>
+            </a:endParaRPr>
+          </a:p>
+          <a:p>
+            <a:r>
+              <a:rPr lang="en-US" altLang="ko-KR" sz="2000" b="1" dirty="0">
+                <a:solidFill>
+                  <a:srgbClr val="FFFFFF"/>
+                </a:solidFill>
+                <a:latin typeface="돋움" panose="020B0600000101010101" pitchFamily="50" charset="-127"/>
+                <a:ea typeface="돋움" panose="020B0600000101010101" pitchFamily="50" charset="-127"/>
+              </a:rPr>
+              <a:t>&lt;</a:t>
+            </a:r>
+            <a:r>
+              <a:rPr lang="ko-KR" altLang="en-US" sz="2000" b="1" dirty="0">
+                <a:solidFill>
+                  <a:srgbClr val="FFFFFF"/>
+                </a:solidFill>
+                <a:latin typeface="돋움" panose="020B0600000101010101" pitchFamily="50" charset="-127"/>
+                <a:ea typeface="돋움" panose="020B0600000101010101" pitchFamily="50" charset="-127"/>
+              </a:rPr>
+              <a:t>몬스터 처치</a:t>
+            </a:r>
+            <a:r>
+              <a:rPr lang="en-US" altLang="ko-KR" sz="2000" b="1" dirty="0">
+                <a:solidFill>
+                  <a:srgbClr val="FFFFFF"/>
+                </a:solidFill>
+                <a:latin typeface="돋움" panose="020B0600000101010101" pitchFamily="50" charset="-127"/>
+                <a:ea typeface="돋움" panose="020B0600000101010101" pitchFamily="50" charset="-127"/>
+              </a:rPr>
+              <a:t>&gt; </a:t>
+            </a:r>
+          </a:p>
+          <a:p>
+            <a:r>
+              <a:rPr lang="ko-KR" altLang="en-US" sz="2000" b="1" dirty="0">
+                <a:solidFill>
+                  <a:srgbClr val="FFFFFF"/>
+                </a:solidFill>
+                <a:latin typeface="돋움" panose="020B0600000101010101" pitchFamily="50" charset="-127"/>
+                <a:ea typeface="돋움" panose="020B0600000101010101" pitchFamily="50" charset="-127"/>
+              </a:rPr>
+              <a:t>몬스터 구현이 생각보다 어려웠음</a:t>
+            </a:r>
+            <a:endParaRPr lang="en-US" altLang="ko-KR" sz="2000" b="1" dirty="0">
+              <a:solidFill>
+                <a:srgbClr val="FFFFFF"/>
+              </a:solidFill>
+              <a:latin typeface="돋움" panose="020B0600000101010101" pitchFamily="50" charset="-127"/>
+              <a:ea typeface="돋움" panose="020B0600000101010101" pitchFamily="50" charset="-127"/>
+            </a:endParaRPr>
+          </a:p>
+          <a:p>
+            <a:endParaRPr lang="en-US" altLang="ko-KR" sz="2000" b="1" dirty="0">
+              <a:solidFill>
+                <a:srgbClr val="FFFFFF"/>
+              </a:solidFill>
+              <a:latin typeface="돋움" panose="020B0600000101010101" pitchFamily="50" charset="-127"/>
+              <a:ea typeface="돋움" panose="020B0600000101010101" pitchFamily="50" charset="-127"/>
+            </a:endParaRPr>
+          </a:p>
+          <a:p>
+            <a:r>
+              <a:rPr lang="en-US" altLang="ko-KR" sz="2000" b="1" dirty="0">
+                <a:solidFill>
+                  <a:srgbClr val="FFFFFF"/>
+                </a:solidFill>
+                <a:latin typeface="돋움" panose="020B0600000101010101" pitchFamily="50" charset="-127"/>
+                <a:ea typeface="돋움" panose="020B0600000101010101" pitchFamily="50" charset="-127"/>
+              </a:rPr>
+              <a:t>&lt;</a:t>
+            </a:r>
+            <a:r>
+              <a:rPr lang="ko-KR" altLang="en-US" sz="2000" b="1" dirty="0">
+                <a:solidFill>
+                  <a:srgbClr val="FFFFFF"/>
+                </a:solidFill>
+                <a:latin typeface="돋움" panose="020B0600000101010101" pitchFamily="50" charset="-127"/>
+                <a:ea typeface="돋움" panose="020B0600000101010101" pitchFamily="50" charset="-127"/>
+              </a:rPr>
+              <a:t>연애기능</a:t>
+            </a:r>
+            <a:r>
+              <a:rPr lang="en-US" altLang="ko-KR" sz="2000" b="1" dirty="0">
+                <a:solidFill>
+                  <a:srgbClr val="FFFFFF"/>
+                </a:solidFill>
+                <a:latin typeface="돋움" panose="020B0600000101010101" pitchFamily="50" charset="-127"/>
+                <a:ea typeface="돋움" panose="020B0600000101010101" pitchFamily="50" charset="-127"/>
+              </a:rPr>
+              <a:t>&gt;</a:t>
+            </a:r>
+          </a:p>
+          <a:p>
+            <a:r>
+              <a:rPr lang="ko-KR" altLang="en-US" sz="2000" b="1" dirty="0">
+                <a:solidFill>
+                  <a:srgbClr val="FFFFFF"/>
+                </a:solidFill>
+                <a:latin typeface="돋움" panose="020B0600000101010101" pitchFamily="50" charset="-127"/>
+                <a:ea typeface="돋움" panose="020B0600000101010101" pitchFamily="50" charset="-127"/>
+              </a:rPr>
+              <a:t>과반수의 반대로 구현 </a:t>
+            </a:r>
+            <a:r>
+              <a:rPr lang="en-US" altLang="ko-KR" sz="2000" b="1" dirty="0">
+                <a:solidFill>
+                  <a:srgbClr val="FFFFFF"/>
+                </a:solidFill>
+                <a:latin typeface="돋움" panose="020B0600000101010101" pitchFamily="50" charset="-127"/>
+                <a:ea typeface="돋움" panose="020B0600000101010101" pitchFamily="50" charset="-127"/>
+              </a:rPr>
+              <a:t>X</a:t>
+            </a:r>
+          </a:p>
+          <a:p>
+            <a:endParaRPr lang="en-US" altLang="ko-KR" sz="2000" b="1" dirty="0">
+              <a:solidFill>
+                <a:srgbClr val="FFFFFF"/>
+              </a:solidFill>
+              <a:latin typeface="돋움" panose="020B0600000101010101" pitchFamily="50" charset="-127"/>
+              <a:ea typeface="돋움" panose="020B0600000101010101" pitchFamily="50" charset="-127"/>
+            </a:endParaRPr>
+          </a:p>
+          <a:p>
+            <a:endParaRPr lang="ko-KR" altLang="en-US" sz="2000" b="1" dirty="0">
+              <a:solidFill>
+                <a:srgbClr val="FFFFFF"/>
+              </a:solidFill>
+              <a:latin typeface="돋움" panose="020B0600000101010101" pitchFamily="50" charset="-127"/>
+              <a:ea typeface="돋움" panose="020B0600000101010101" pitchFamily="50" charset="-127"/>
             </a:endParaRPr>
           </a:p>
         </p:txBody>
@@ -6547,9 +6845,250 @@
           <a:bodyPr rtlCol="0" anchor="ctr"/>
           <a:lstStyle/>
           <a:p>
-            <a:endParaRPr lang="ko-KR" altLang="en-US" sz="3500" dirty="0">
+            <a:endParaRPr lang="en-US" altLang="ko-KR" sz="2000" b="1" dirty="0">
               <a:solidFill>
-                <a:schemeClr val="tx1"/>
+                <a:srgbClr val="FFFFFF"/>
+              </a:solidFill>
+            </a:endParaRPr>
+          </a:p>
+          <a:p>
+            <a:endParaRPr lang="en-US" altLang="ko-KR" sz="2000" b="1" dirty="0">
+              <a:solidFill>
+                <a:srgbClr val="FFFFFF"/>
+              </a:solidFill>
+            </a:endParaRPr>
+          </a:p>
+          <a:p>
+            <a:endParaRPr lang="en-US" altLang="ko-KR" sz="2000" b="1" dirty="0">
+              <a:solidFill>
+                <a:srgbClr val="FFFFFF"/>
+              </a:solidFill>
+            </a:endParaRPr>
+          </a:p>
+          <a:p>
+            <a:r>
+              <a:rPr lang="ko-KR" altLang="en-US" sz="2000" b="1" dirty="0">
+                <a:solidFill>
+                  <a:srgbClr val="FFFFFF"/>
+                </a:solidFill>
+              </a:rPr>
+              <a:t>캐릭터 구현</a:t>
+            </a:r>
+            <a:endParaRPr lang="en-US" altLang="ko-KR" sz="2000" b="1" dirty="0">
+              <a:solidFill>
+                <a:srgbClr val="FFFFFF"/>
+              </a:solidFill>
+            </a:endParaRPr>
+          </a:p>
+          <a:p>
+            <a:endParaRPr lang="en-US" altLang="ko-KR" sz="2000" b="1" dirty="0">
+              <a:solidFill>
+                <a:srgbClr val="FFFFFF"/>
+              </a:solidFill>
+            </a:endParaRPr>
+          </a:p>
+          <a:p>
+            <a:r>
+              <a:rPr lang="ko-KR" altLang="en-US" sz="2000" b="1" dirty="0">
+                <a:solidFill>
+                  <a:srgbClr val="FFFFFF"/>
+                </a:solidFill>
+              </a:rPr>
+              <a:t>오브젝트</a:t>
+            </a:r>
+            <a:r>
+              <a:rPr lang="en-US" altLang="ko-KR" sz="2000" b="1" dirty="0">
+                <a:solidFill>
+                  <a:srgbClr val="FFFFFF"/>
+                </a:solidFill>
+              </a:rPr>
+              <a:t>(</a:t>
+            </a:r>
+            <a:r>
+              <a:rPr lang="ko-KR" altLang="en-US" sz="2000" b="1" dirty="0">
+                <a:solidFill>
+                  <a:srgbClr val="FFFFFF"/>
+                </a:solidFill>
+              </a:rPr>
+              <a:t>물</a:t>
+            </a:r>
+            <a:r>
+              <a:rPr lang="en-US" altLang="ko-KR" sz="2000" b="1" dirty="0">
+                <a:solidFill>
+                  <a:srgbClr val="FFFFFF"/>
+                </a:solidFill>
+              </a:rPr>
+              <a:t>,</a:t>
+            </a:r>
+            <a:r>
+              <a:rPr lang="ko-KR" altLang="en-US" sz="2000" b="1" dirty="0">
+                <a:solidFill>
+                  <a:srgbClr val="FFFFFF"/>
+                </a:solidFill>
+              </a:rPr>
+              <a:t>음식</a:t>
+            </a:r>
+            <a:r>
+              <a:rPr lang="en-US" altLang="ko-KR" sz="2000" b="1" dirty="0">
+                <a:solidFill>
+                  <a:srgbClr val="FFFFFF"/>
+                </a:solidFill>
+              </a:rPr>
+              <a:t>,</a:t>
+            </a:r>
+            <a:r>
+              <a:rPr lang="ko-KR" altLang="en-US" sz="2000" b="1" dirty="0">
+                <a:solidFill>
+                  <a:srgbClr val="FFFFFF"/>
+                </a:solidFill>
+              </a:rPr>
+              <a:t>몬스터</a:t>
+            </a:r>
+            <a:r>
+              <a:rPr lang="en-US" altLang="ko-KR" sz="2000" b="1" dirty="0">
+                <a:solidFill>
+                  <a:srgbClr val="FFFFFF"/>
+                </a:solidFill>
+              </a:rPr>
+              <a:t>) </a:t>
+            </a:r>
+            <a:r>
+              <a:rPr lang="ko-KR" altLang="en-US" sz="2000" b="1" dirty="0">
+                <a:solidFill>
+                  <a:srgbClr val="FFFFFF"/>
+                </a:solidFill>
+              </a:rPr>
+              <a:t>구현</a:t>
+            </a:r>
+            <a:endParaRPr lang="en-US" altLang="ko-KR" sz="2000" b="1" dirty="0">
+              <a:solidFill>
+                <a:srgbClr val="FFFFFF"/>
+              </a:solidFill>
+            </a:endParaRPr>
+          </a:p>
+          <a:p>
+            <a:endParaRPr lang="en-US" altLang="ko-KR" sz="2000" b="1" dirty="0">
+              <a:solidFill>
+                <a:srgbClr val="FFFFFF"/>
+              </a:solidFill>
+            </a:endParaRPr>
+          </a:p>
+          <a:p>
+            <a:r>
+              <a:rPr lang="ko-KR" altLang="en-US" sz="2000" b="1" dirty="0">
+                <a:solidFill>
+                  <a:srgbClr val="FFFFFF"/>
+                </a:solidFill>
+              </a:rPr>
+              <a:t>랜덤 맵 생성</a:t>
+            </a:r>
+            <a:endParaRPr lang="en-US" altLang="ko-KR" sz="2000" b="1" dirty="0">
+              <a:solidFill>
+                <a:srgbClr val="FFFFFF"/>
+              </a:solidFill>
+            </a:endParaRPr>
+          </a:p>
+          <a:p>
+            <a:endParaRPr lang="en-US" altLang="ko-KR" sz="2000" b="1" dirty="0">
+              <a:solidFill>
+                <a:srgbClr val="FFFFFF"/>
+              </a:solidFill>
+            </a:endParaRPr>
+          </a:p>
+          <a:p>
+            <a:r>
+              <a:rPr lang="ko-KR" altLang="en-US" sz="2000" b="1" dirty="0" err="1">
+                <a:solidFill>
+                  <a:srgbClr val="FFFFFF"/>
+                </a:solidFill>
+              </a:rPr>
+              <a:t>미니맵</a:t>
+            </a:r>
+            <a:r>
+              <a:rPr lang="ko-KR" altLang="en-US" sz="2000" b="1" dirty="0">
+                <a:solidFill>
+                  <a:srgbClr val="FFFFFF"/>
+                </a:solidFill>
+              </a:rPr>
+              <a:t> 생성</a:t>
+            </a:r>
+            <a:endParaRPr lang="en-US" altLang="ko-KR" sz="2000" b="1" dirty="0">
+              <a:solidFill>
+                <a:srgbClr val="FFFFFF"/>
+              </a:solidFill>
+            </a:endParaRPr>
+          </a:p>
+          <a:p>
+            <a:endParaRPr lang="en-US" altLang="ko-KR" sz="2000" b="1" dirty="0">
+              <a:solidFill>
+                <a:srgbClr val="FFFFFF"/>
+              </a:solidFill>
+            </a:endParaRPr>
+          </a:p>
+          <a:p>
+            <a:r>
+              <a:rPr lang="ko-KR" altLang="en-US" sz="2000" b="1" dirty="0">
+                <a:solidFill>
+                  <a:srgbClr val="FFFFFF"/>
+                </a:solidFill>
+              </a:rPr>
+              <a:t>메뉴 생성</a:t>
+            </a:r>
+            <a:endParaRPr lang="en-US" altLang="ko-KR" sz="2000" b="1" dirty="0">
+              <a:solidFill>
+                <a:srgbClr val="FFFFFF"/>
+              </a:solidFill>
+            </a:endParaRPr>
+          </a:p>
+          <a:p>
+            <a:r>
+              <a:rPr lang="ko-KR" altLang="en-US" sz="2000" b="1" dirty="0">
+                <a:solidFill>
+                  <a:srgbClr val="FFFFFF"/>
+                </a:solidFill>
+              </a:rPr>
+              <a:t> </a:t>
+            </a:r>
+            <a:endParaRPr lang="en-US" altLang="ko-KR" sz="2000" b="1" dirty="0">
+              <a:solidFill>
+                <a:srgbClr val="FFFFFF"/>
+              </a:solidFill>
+            </a:endParaRPr>
+          </a:p>
+          <a:p>
+            <a:r>
+              <a:rPr lang="ko-KR" altLang="en-US" sz="2000" b="1" dirty="0">
+                <a:solidFill>
+                  <a:srgbClr val="FFFFFF"/>
+                </a:solidFill>
+              </a:rPr>
+              <a:t>이펙트 추가</a:t>
+            </a:r>
+            <a:endParaRPr lang="en-US" altLang="ko-KR" sz="2000" b="1" dirty="0">
+              <a:solidFill>
+                <a:srgbClr val="FFFFFF"/>
+              </a:solidFill>
+            </a:endParaRPr>
+          </a:p>
+          <a:p>
+            <a:r>
+              <a:rPr lang="ko-KR" altLang="en-US" sz="2000" b="1" dirty="0">
+                <a:solidFill>
+                  <a:srgbClr val="FFFFFF"/>
+                </a:solidFill>
+              </a:rPr>
+              <a:t> </a:t>
+            </a:r>
+            <a:endParaRPr lang="en-US" altLang="ko-KR" sz="2000" b="1" dirty="0">
+              <a:solidFill>
+                <a:srgbClr val="FFFFFF"/>
+              </a:solidFill>
+            </a:endParaRPr>
+          </a:p>
+          <a:p>
+            <a:endParaRPr lang="ko-KR" altLang="en-US" sz="2000" b="1" dirty="0">
+              <a:solidFill>
+                <a:srgbClr val="FFFFFF"/>
               </a:solidFill>
             </a:endParaRPr>
           </a:p>
@@ -6633,7 +7172,30 @@
           <a:lstStyle/>
           <a:p>
             <a:pPr algn="ctr"/>
-            <a:endParaRPr lang="ko-KR" altLang="en-US"/>
+            <a:r>
+              <a:rPr lang="ko-KR" altLang="en-US" b="1" dirty="0">
+                <a:solidFill>
+                  <a:srgbClr val="000000"/>
+                </a:solidFill>
+              </a:rPr>
+              <a:t>초기</a:t>
+            </a:r>
+            <a:endParaRPr lang="en-US" altLang="ko-KR" b="1" dirty="0">
+              <a:solidFill>
+                <a:srgbClr val="000000"/>
+              </a:solidFill>
+            </a:endParaRPr>
+          </a:p>
+          <a:p>
+            <a:pPr algn="ctr"/>
+            <a:r>
+              <a:rPr lang="ko-KR" altLang="en-US" b="1" dirty="0">
+                <a:solidFill>
+                  <a:srgbClr val="000000"/>
+                </a:solidFill>
+              </a:rPr>
+              <a:t> 계획</a:t>
+            </a:r>
           </a:p>
         </p:txBody>
       </p:sp>
@@ -6681,7 +7243,30 @@
           <a:lstStyle/>
           <a:p>
             <a:pPr algn="ctr"/>
-            <a:endParaRPr lang="ko-KR" altLang="en-US"/>
+            <a:r>
+              <a:rPr lang="ko-KR" altLang="en-US" b="1" dirty="0">
+                <a:solidFill>
+                  <a:srgbClr val="000000"/>
+                </a:solidFill>
+              </a:rPr>
+              <a:t>진행 </a:t>
+            </a:r>
+            <a:endParaRPr lang="en-US" altLang="ko-KR" b="1" dirty="0">
+              <a:solidFill>
+                <a:srgbClr val="000000"/>
+              </a:solidFill>
+            </a:endParaRPr>
+          </a:p>
+          <a:p>
+            <a:pPr algn="ctr"/>
+            <a:r>
+              <a:rPr lang="ko-KR" altLang="en-US" b="1" dirty="0">
+                <a:solidFill>
+                  <a:srgbClr val="000000"/>
+                </a:solidFill>
+              </a:rPr>
+              <a:t>과정</a:t>
+            </a:r>
           </a:p>
         </p:txBody>
       </p:sp>
@@ -6729,7 +7314,14 @@
           <a:lstStyle/>
           <a:p>
             <a:pPr algn="ctr"/>
-            <a:endParaRPr lang="ko-KR" altLang="en-US"/>
+            <a:r>
+              <a:rPr lang="ko-KR" altLang="en-US" b="1" dirty="0">
+                <a:solidFill>
+                  <a:srgbClr val="000000"/>
+                </a:solidFill>
+              </a:rPr>
+              <a:t>결과물</a:t>
+            </a:r>
           </a:p>
         </p:txBody>
       </p:sp>
@@ -6819,8 +7411,16 @@
           <a:lstStyle/>
           <a:p>
             <a:r>
-              <a:rPr lang="ko-KR" altLang="en-US" dirty="0" smtClean="0"/>
-              <a:t>순서도</a:t>
+              <a:rPr lang="ko-KR" altLang="en-US" dirty="0"/>
+              <a:t>순서도 </a:t>
+            </a:r>
+            <a:r>
+              <a:rPr lang="en-US" altLang="ko-KR" dirty="0"/>
+              <a:t>- </a:t>
+            </a:r>
+            <a:r>
+              <a:rPr lang="en-US" altLang="ko-KR" dirty="0" err="1"/>
+              <a:t>creatmap</a:t>
             </a:r>
             <a:endParaRPr lang="ko-KR" altLang="en-US" dirty="0"/>
           </a:p>
@@ -6875,18 +7475,13 @@
           </a:lstStyle>
           <a:p>
             <a:r>
-              <a:rPr lang="ko-KR" altLang="en-US" sz="1500" dirty="0" smtClean="0">
+              <a:rPr lang="ko-KR" altLang="en-US" sz="1500" dirty="0">
                 <a:solidFill>
                   <a:schemeClr val="tx1"/>
                 </a:solidFill>
               </a:rPr>
               <a:t>개발 계획</a:t>
             </a:r>
-            <a:endParaRPr lang="ko-KR" altLang="en-US" sz="1500" dirty="0">
-              <a:solidFill>
-                <a:schemeClr val="tx1"/>
-              </a:solidFill>
-            </a:endParaRPr>
           </a:p>
         </p:txBody>
       </p:sp>
@@ -6919,16 +7514,2002 @@
             <a:fld id="{6E85B637-FB07-4D91-A23C-80BDFC83D6E3}" type="slidenum">
               <a:rPr lang="ko-KR" altLang="en-US" smtClean="0"/>
               <a:pPr/>
-              <a:t>8</a:t>
+              <a:t>5</a:t>
             </a:fld>
             <a:endParaRPr lang="ko-KR" altLang="en-US" dirty="0"/>
           </a:p>
         </p:txBody>
       </p:sp>
+      <p:sp>
+        <p:nvSpPr>
+          <p:cNvPr id="2" name="타원 1"/>
+          <p:cNvSpPr/>
+          <p:nvPr/>
+        </p:nvSpPr>
+        <p:spPr>
+          <a:xfrm>
+            <a:off x="2302329" y="1224644"/>
+            <a:ext cx="2171700" cy="457200"/>
+          </a:xfrm>
+          <a:prstGeom prst="ellipse">
+            <a:avLst/>
+          </a:prstGeom>
+          <a:solidFill>
+            <a:srgbClr val="0070C0"/>
+          </a:solidFill>
+          <a:ln>
+            <a:solidFill>
+              <a:srgbClr val="0070C0"/>
+            </a:solidFill>
+          </a:ln>
+        </p:spPr>
+        <p:style>
+          <a:lnRef idx="2">
+            <a:schemeClr val="accent1">
+              <a:shade val="50000"/>
+            </a:schemeClr>
+          </a:lnRef>
+          <a:fillRef idx="1">
+            <a:schemeClr val="accent1"/>
+          </a:fillRef>
+          <a:effectRef idx="0">
+            <a:schemeClr val="accent1"/>
+          </a:effectRef>
+          <a:fontRef idx="minor">
+            <a:schemeClr val="lt1"/>
+          </a:fontRef>
+        </p:style>
+        <p:txBody>
+          <a:bodyPr rtlCol="0" anchor="ctr"/>
+          <a:lstStyle/>
+          <a:p>
+            <a:pPr algn="ctr"/>
+            <a:r>
+              <a:rPr lang="en-US" altLang="ko-KR" sz="1200" dirty="0" err="1"/>
+              <a:t>creatmap</a:t>
+            </a:r>
+            <a:r>
+              <a:rPr lang="en-US" altLang="ko-KR" sz="1200" dirty="0"/>
+              <a:t> </a:t>
+            </a:r>
+            <a:r>
+              <a:rPr lang="ko-KR" altLang="en-US" sz="1200" dirty="0"/>
+              <a:t>호출</a:t>
+            </a:r>
+          </a:p>
+        </p:txBody>
+      </p:sp>
+      <p:sp>
+        <p:nvSpPr>
+          <p:cNvPr id="7" name="직사각형 6"/>
+          <p:cNvSpPr/>
+          <p:nvPr/>
+        </p:nvSpPr>
+        <p:spPr>
+          <a:xfrm>
+            <a:off x="2302329" y="1885965"/>
+            <a:ext cx="2171700" cy="359228"/>
+          </a:xfrm>
+          <a:prstGeom prst="rect">
+            <a:avLst/>
+          </a:prstGeom>
+          <a:solidFill>
+            <a:srgbClr val="0070C0"/>
+          </a:solidFill>
+          <a:ln>
+            <a:solidFill>
+              <a:srgbClr val="0070C0"/>
+            </a:solidFill>
+          </a:ln>
+        </p:spPr>
+        <p:style>
+          <a:lnRef idx="2">
+            <a:schemeClr val="accent1">
+              <a:shade val="50000"/>
+            </a:schemeClr>
+          </a:lnRef>
+          <a:fillRef idx="1">
+            <a:schemeClr val="accent1"/>
+          </a:fillRef>
+          <a:effectRef idx="0">
+            <a:schemeClr val="accent1"/>
+          </a:effectRef>
+          <a:fontRef idx="minor">
+            <a:schemeClr val="lt1"/>
+          </a:fontRef>
+        </p:style>
+        <p:txBody>
+          <a:bodyPr rtlCol="0" anchor="ctr"/>
+          <a:lstStyle/>
+          <a:p>
+            <a:pPr algn="ctr"/>
+            <a:r>
+              <a:rPr lang="en-US" altLang="ko-KR" sz="1200" dirty="0" err="1"/>
+              <a:t>srand</a:t>
+            </a:r>
+            <a:r>
+              <a:rPr lang="en-US" altLang="ko-KR" sz="1200" dirty="0"/>
+              <a:t>()</a:t>
+            </a:r>
+            <a:endParaRPr lang="ko-KR" altLang="en-US" sz="1200" dirty="0"/>
+          </a:p>
+        </p:txBody>
+      </p:sp>
+      <p:sp>
+        <p:nvSpPr>
+          <p:cNvPr id="8" name="직사각형 7"/>
+          <p:cNvSpPr/>
+          <p:nvPr/>
+        </p:nvSpPr>
+        <p:spPr>
+          <a:xfrm>
+            <a:off x="2302329" y="2495565"/>
+            <a:ext cx="2171700" cy="359228"/>
+          </a:xfrm>
+          <a:prstGeom prst="rect">
+            <a:avLst/>
+          </a:prstGeom>
+          <a:solidFill>
+            <a:srgbClr val="0070C0"/>
+          </a:solidFill>
+          <a:ln>
+            <a:solidFill>
+              <a:srgbClr val="0070C0"/>
+            </a:solidFill>
+          </a:ln>
+        </p:spPr>
+        <p:style>
+          <a:lnRef idx="2">
+            <a:schemeClr val="accent1">
+              <a:shade val="50000"/>
+            </a:schemeClr>
+          </a:lnRef>
+          <a:fillRef idx="1">
+            <a:schemeClr val="accent1"/>
+          </a:fillRef>
+          <a:effectRef idx="0">
+            <a:schemeClr val="accent1"/>
+          </a:effectRef>
+          <a:fontRef idx="minor">
+            <a:schemeClr val="lt1"/>
+          </a:fontRef>
+        </p:style>
+        <p:txBody>
+          <a:bodyPr rtlCol="0" anchor="ctr"/>
+          <a:lstStyle/>
+          <a:p>
+            <a:pPr algn="ctr"/>
+            <a:r>
+              <a:rPr lang="en-US" altLang="ko-KR" sz="1200" dirty="0" err="1"/>
+              <a:t>memcpy</a:t>
+            </a:r>
+            <a:r>
+              <a:rPr lang="en-US" altLang="ko-KR" sz="1200" dirty="0"/>
+              <a:t>()</a:t>
+            </a:r>
+            <a:r>
+              <a:rPr lang="ko-KR" altLang="en-US" sz="1200" dirty="0"/>
+              <a:t>로 </a:t>
+            </a:r>
+            <a:r>
+              <a:rPr lang="ko-KR" altLang="en-US" sz="1200" dirty="0" err="1"/>
+              <a:t>맵</a:t>
+            </a:r>
+            <a:r>
+              <a:rPr lang="ko-KR" altLang="en-US" sz="1200" dirty="0"/>
+              <a:t> 복사</a:t>
+            </a:r>
+          </a:p>
+        </p:txBody>
+      </p:sp>
+      <p:sp>
+        <p:nvSpPr>
+          <p:cNvPr id="9" name="직사각형 8"/>
+          <p:cNvSpPr/>
+          <p:nvPr/>
+        </p:nvSpPr>
+        <p:spPr>
+          <a:xfrm>
+            <a:off x="2302329" y="3064358"/>
+            <a:ext cx="2171700" cy="359228"/>
+          </a:xfrm>
+          <a:prstGeom prst="rect">
+            <a:avLst/>
+          </a:prstGeom>
+          <a:solidFill>
+            <a:srgbClr val="0070C0"/>
+          </a:solidFill>
+          <a:ln>
+            <a:solidFill>
+              <a:srgbClr val="0070C0"/>
+            </a:solidFill>
+          </a:ln>
+        </p:spPr>
+        <p:style>
+          <a:lnRef idx="2">
+            <a:schemeClr val="accent1">
+              <a:shade val="50000"/>
+            </a:schemeClr>
+          </a:lnRef>
+          <a:fillRef idx="1">
+            <a:schemeClr val="accent1"/>
+          </a:fillRef>
+          <a:effectRef idx="0">
+            <a:schemeClr val="accent1"/>
+          </a:effectRef>
+          <a:fontRef idx="minor">
+            <a:schemeClr val="lt1"/>
+          </a:fontRef>
+        </p:style>
+        <p:txBody>
+          <a:bodyPr rtlCol="0" anchor="ctr"/>
+          <a:lstStyle/>
+          <a:p>
+            <a:pPr algn="ctr"/>
+            <a:r>
+              <a:rPr lang="ko-KR" altLang="en-US" sz="1200" dirty="0"/>
+              <a:t>처음 </a:t>
+            </a:r>
+            <a:r>
+              <a:rPr lang="ko-KR" altLang="en-US" sz="1200" dirty="0" err="1"/>
+              <a:t>맵</a:t>
+            </a:r>
+            <a:r>
+              <a:rPr lang="en-US" altLang="ko-KR" sz="1200" dirty="0"/>
+              <a:t> </a:t>
+            </a:r>
+            <a:r>
+              <a:rPr lang="ko-KR" altLang="en-US" sz="1200" dirty="0"/>
+              <a:t>플레이어 위치 </a:t>
+            </a:r>
+            <a:r>
+              <a:rPr lang="en-US" altLang="ko-KR" sz="1200" dirty="0" err="1"/>
+              <a:t>pX</a:t>
+            </a:r>
+            <a:r>
+              <a:rPr lang="en-US" altLang="ko-KR" sz="1200" dirty="0"/>
+              <a:t>=20, </a:t>
+            </a:r>
+            <a:r>
+              <a:rPr lang="en-US" altLang="ko-KR" sz="1200" dirty="0" err="1"/>
+              <a:t>pY</a:t>
+            </a:r>
+            <a:r>
+              <a:rPr lang="en-US" altLang="ko-KR" sz="1200" dirty="0"/>
+              <a:t> =20</a:t>
+            </a:r>
+            <a:endParaRPr lang="ko-KR" altLang="en-US" sz="1200" dirty="0"/>
+          </a:p>
+        </p:txBody>
+      </p:sp>
+      <p:sp>
+        <p:nvSpPr>
+          <p:cNvPr id="10" name="다이아몬드 9"/>
+          <p:cNvSpPr/>
+          <p:nvPr/>
+        </p:nvSpPr>
+        <p:spPr>
+          <a:xfrm>
+            <a:off x="1973036" y="4173308"/>
+            <a:ext cx="2830285" cy="661307"/>
+          </a:xfrm>
+          <a:prstGeom prst="diamond">
+            <a:avLst/>
+          </a:prstGeom>
+          <a:solidFill>
+            <a:srgbClr val="0070C0"/>
+          </a:solidFill>
+          <a:ln>
+            <a:solidFill>
+              <a:srgbClr val="0070C0"/>
+            </a:solidFill>
+          </a:ln>
+        </p:spPr>
+        <p:style>
+          <a:lnRef idx="2">
+            <a:schemeClr val="accent1">
+              <a:shade val="50000"/>
+            </a:schemeClr>
+          </a:lnRef>
+          <a:fillRef idx="1">
+            <a:schemeClr val="accent1"/>
+          </a:fillRef>
+          <a:effectRef idx="0">
+            <a:schemeClr val="accent1"/>
+          </a:effectRef>
+          <a:fontRef idx="minor">
+            <a:schemeClr val="lt1"/>
+          </a:fontRef>
+        </p:style>
+        <p:txBody>
+          <a:bodyPr rtlCol="0" anchor="ctr"/>
+          <a:lstStyle/>
+          <a:p>
+            <a:pPr algn="ctr"/>
+            <a:r>
+              <a:rPr lang="en-US" altLang="ko-KR" sz="1200" dirty="0"/>
+              <a:t>Index &lt; MAPSIZE</a:t>
+            </a:r>
+            <a:endParaRPr lang="ko-KR" altLang="en-US" sz="1200" dirty="0"/>
+          </a:p>
+        </p:txBody>
+      </p:sp>
+      <p:sp>
+        <p:nvSpPr>
+          <p:cNvPr id="11" name="직사각형 10"/>
+          <p:cNvSpPr/>
+          <p:nvPr/>
+        </p:nvSpPr>
+        <p:spPr>
+          <a:xfrm>
+            <a:off x="2302329" y="3614087"/>
+            <a:ext cx="2171700" cy="359228"/>
+          </a:xfrm>
+          <a:prstGeom prst="rect">
+            <a:avLst/>
+          </a:prstGeom>
+          <a:solidFill>
+            <a:srgbClr val="0070C0"/>
+          </a:solidFill>
+          <a:ln>
+            <a:solidFill>
+              <a:srgbClr val="0070C0"/>
+            </a:solidFill>
+          </a:ln>
+        </p:spPr>
+        <p:style>
+          <a:lnRef idx="2">
+            <a:schemeClr val="accent1">
+              <a:shade val="50000"/>
+            </a:schemeClr>
+          </a:lnRef>
+          <a:fillRef idx="1">
+            <a:schemeClr val="accent1"/>
+          </a:fillRef>
+          <a:effectRef idx="0">
+            <a:schemeClr val="accent1"/>
+          </a:effectRef>
+          <a:fontRef idx="minor">
+            <a:schemeClr val="lt1"/>
+          </a:fontRef>
+        </p:style>
+        <p:txBody>
+          <a:bodyPr rtlCol="0" anchor="ctr"/>
+          <a:lstStyle/>
+          <a:p>
+            <a:pPr algn="ctr"/>
+            <a:r>
+              <a:rPr lang="en-US" altLang="ko-KR" sz="1200" dirty="0"/>
+              <a:t>Index = 1 (</a:t>
+            </a:r>
+            <a:r>
+              <a:rPr lang="ko-KR" altLang="en-US" sz="1200" dirty="0"/>
+              <a:t>방 번호</a:t>
+            </a:r>
+            <a:r>
+              <a:rPr lang="en-US" altLang="ko-KR" sz="1200" dirty="0"/>
+              <a:t>)</a:t>
+            </a:r>
+            <a:endParaRPr lang="ko-KR" altLang="en-US" sz="1200" dirty="0"/>
+          </a:p>
+        </p:txBody>
+      </p:sp>
+      <p:sp>
+        <p:nvSpPr>
+          <p:cNvPr id="12" name="직사각형 11"/>
+          <p:cNvSpPr/>
+          <p:nvPr/>
+        </p:nvSpPr>
+        <p:spPr>
+          <a:xfrm>
+            <a:off x="6144986" y="1265480"/>
+            <a:ext cx="2171700" cy="359228"/>
+          </a:xfrm>
+          <a:prstGeom prst="rect">
+            <a:avLst/>
+          </a:prstGeom>
+          <a:solidFill>
+            <a:srgbClr val="0070C0"/>
+          </a:solidFill>
+          <a:ln>
+            <a:solidFill>
+              <a:srgbClr val="0070C0"/>
+            </a:solidFill>
+          </a:ln>
+        </p:spPr>
+        <p:style>
+          <a:lnRef idx="2">
+            <a:schemeClr val="accent1">
+              <a:shade val="50000"/>
+            </a:schemeClr>
+          </a:lnRef>
+          <a:fillRef idx="1">
+            <a:schemeClr val="accent1"/>
+          </a:fillRef>
+          <a:effectRef idx="0">
+            <a:schemeClr val="accent1"/>
+          </a:effectRef>
+          <a:fontRef idx="minor">
+            <a:schemeClr val="lt1"/>
+          </a:fontRef>
+        </p:style>
+        <p:txBody>
+          <a:bodyPr rtlCol="0" anchor="ctr"/>
+          <a:lstStyle/>
+          <a:p>
+            <a:pPr algn="ctr"/>
+            <a:r>
+              <a:rPr lang="en-US" altLang="ko-KR" sz="1200" dirty="0" err="1"/>
+              <a:t>memcpy</a:t>
+            </a:r>
+            <a:r>
+              <a:rPr lang="en-US" altLang="ko-KR" sz="1200" dirty="0"/>
+              <a:t>()</a:t>
+            </a:r>
+            <a:r>
+              <a:rPr lang="ko-KR" altLang="en-US" sz="1200" dirty="0"/>
+              <a:t>로 </a:t>
+            </a:r>
+            <a:r>
+              <a:rPr lang="ko-KR" altLang="en-US" sz="1200" dirty="0" err="1"/>
+              <a:t>맵</a:t>
+            </a:r>
+            <a:r>
+              <a:rPr lang="ko-KR" altLang="en-US" sz="1200" dirty="0"/>
+              <a:t> 복사</a:t>
+            </a:r>
+          </a:p>
+        </p:txBody>
+      </p:sp>
+      <p:sp>
+        <p:nvSpPr>
+          <p:cNvPr id="13" name="다이아몬드 12"/>
+          <p:cNvSpPr/>
+          <p:nvPr/>
+        </p:nvSpPr>
+        <p:spPr>
+          <a:xfrm>
+            <a:off x="6144986" y="3064358"/>
+            <a:ext cx="2171700" cy="661307"/>
+          </a:xfrm>
+          <a:prstGeom prst="diamond">
+            <a:avLst/>
+          </a:prstGeom>
+          <a:solidFill>
+            <a:srgbClr val="0070C0"/>
+          </a:solidFill>
+          <a:ln>
+            <a:solidFill>
+              <a:srgbClr val="0070C0"/>
+            </a:solidFill>
+          </a:ln>
+        </p:spPr>
+        <p:style>
+          <a:lnRef idx="2">
+            <a:schemeClr val="accent1">
+              <a:shade val="50000"/>
+            </a:schemeClr>
+          </a:lnRef>
+          <a:fillRef idx="1">
+            <a:schemeClr val="accent1"/>
+          </a:fillRef>
+          <a:effectRef idx="0">
+            <a:schemeClr val="accent1"/>
+          </a:effectRef>
+          <a:fontRef idx="minor">
+            <a:schemeClr val="lt1"/>
+          </a:fontRef>
+        </p:style>
+        <p:txBody>
+          <a:bodyPr rtlCol="0" anchor="ctr"/>
+          <a:lstStyle/>
+          <a:p>
+            <a:pPr algn="ctr"/>
+            <a:r>
+              <a:rPr lang="en-US" altLang="ko-KR" sz="1200" dirty="0"/>
+              <a:t>NEWS</a:t>
+            </a:r>
+            <a:r>
+              <a:rPr lang="ko-KR" altLang="en-US" sz="1200" dirty="0"/>
+              <a:t>에 방이 있는가</a:t>
+            </a:r>
+          </a:p>
+        </p:txBody>
+      </p:sp>
+      <p:sp>
+        <p:nvSpPr>
+          <p:cNvPr id="14" name="직사각형 13"/>
+          <p:cNvSpPr/>
+          <p:nvPr/>
+        </p:nvSpPr>
+        <p:spPr>
+          <a:xfrm>
+            <a:off x="6144986" y="1807036"/>
+            <a:ext cx="2171700" cy="517086"/>
+          </a:xfrm>
+          <a:prstGeom prst="rect">
+            <a:avLst/>
+          </a:prstGeom>
+          <a:solidFill>
+            <a:srgbClr val="0070C0"/>
+          </a:solidFill>
+          <a:ln>
+            <a:solidFill>
+              <a:srgbClr val="0070C0"/>
+            </a:solidFill>
+          </a:ln>
+        </p:spPr>
+        <p:style>
+          <a:lnRef idx="2">
+            <a:schemeClr val="accent1">
+              <a:shade val="50000"/>
+            </a:schemeClr>
+          </a:lnRef>
+          <a:fillRef idx="1">
+            <a:schemeClr val="accent1"/>
+          </a:fillRef>
+          <a:effectRef idx="0">
+            <a:schemeClr val="accent1"/>
+          </a:effectRef>
+          <a:fontRef idx="minor">
+            <a:schemeClr val="lt1"/>
+          </a:fontRef>
+        </p:style>
+        <p:txBody>
+          <a:bodyPr rtlCol="0" anchor="ctr"/>
+          <a:lstStyle/>
+          <a:p>
+            <a:pPr algn="ctr"/>
+            <a:r>
+              <a:rPr lang="en-US" altLang="ko-KR" sz="1200" dirty="0" err="1"/>
+              <a:t>mapNumber</a:t>
+            </a:r>
+            <a:r>
+              <a:rPr lang="en-US" altLang="ko-KR" sz="1200" dirty="0"/>
+              <a:t> = </a:t>
+            </a:r>
+          </a:p>
+          <a:p>
+            <a:pPr algn="ctr"/>
+            <a:r>
+              <a:rPr lang="en-US" altLang="ko-KR" sz="1200" dirty="0"/>
+              <a:t>rand() % index</a:t>
+            </a:r>
+            <a:endParaRPr lang="ko-KR" altLang="en-US" sz="1200" dirty="0"/>
+          </a:p>
+        </p:txBody>
+      </p:sp>
+      <p:sp>
+        <p:nvSpPr>
+          <p:cNvPr id="15" name="직사각형 14"/>
+          <p:cNvSpPr/>
+          <p:nvPr/>
+        </p:nvSpPr>
+        <p:spPr>
+          <a:xfrm>
+            <a:off x="6144986" y="2495565"/>
+            <a:ext cx="2171700" cy="359228"/>
+          </a:xfrm>
+          <a:prstGeom prst="rect">
+            <a:avLst/>
+          </a:prstGeom>
+          <a:solidFill>
+            <a:srgbClr val="0070C0"/>
+          </a:solidFill>
+          <a:ln>
+            <a:solidFill>
+              <a:srgbClr val="0070C0"/>
+            </a:solidFill>
+          </a:ln>
+        </p:spPr>
+        <p:style>
+          <a:lnRef idx="2">
+            <a:schemeClr val="accent1">
+              <a:shade val="50000"/>
+            </a:schemeClr>
+          </a:lnRef>
+          <a:fillRef idx="1">
+            <a:schemeClr val="accent1"/>
+          </a:fillRef>
+          <a:effectRef idx="0">
+            <a:schemeClr val="accent1"/>
+          </a:effectRef>
+          <a:fontRef idx="minor">
+            <a:schemeClr val="lt1"/>
+          </a:fontRef>
+        </p:style>
+        <p:txBody>
+          <a:bodyPr rtlCol="0" anchor="ctr"/>
+          <a:lstStyle/>
+          <a:p>
+            <a:pPr algn="ctr"/>
+            <a:r>
+              <a:rPr lang="en-US" altLang="ko-KR" sz="1200" dirty="0"/>
+              <a:t>NEWS </a:t>
+            </a:r>
+            <a:r>
+              <a:rPr lang="ko-KR" altLang="en-US" sz="1200" dirty="0"/>
+              <a:t>중 하나 선택</a:t>
+            </a:r>
+          </a:p>
+        </p:txBody>
+      </p:sp>
+      <p:sp>
+        <p:nvSpPr>
+          <p:cNvPr id="16" name="직사각형 15"/>
+          <p:cNvSpPr/>
+          <p:nvPr/>
+        </p:nvSpPr>
+        <p:spPr>
+          <a:xfrm>
+            <a:off x="6144986" y="3937906"/>
+            <a:ext cx="2171700" cy="359228"/>
+          </a:xfrm>
+          <a:prstGeom prst="rect">
+            <a:avLst/>
+          </a:prstGeom>
+          <a:solidFill>
+            <a:srgbClr val="0070C0"/>
+          </a:solidFill>
+          <a:ln>
+            <a:solidFill>
+              <a:srgbClr val="0070C0"/>
+            </a:solidFill>
+          </a:ln>
+        </p:spPr>
+        <p:style>
+          <a:lnRef idx="2">
+            <a:schemeClr val="accent1">
+              <a:shade val="50000"/>
+            </a:schemeClr>
+          </a:lnRef>
+          <a:fillRef idx="1">
+            <a:schemeClr val="accent1"/>
+          </a:fillRef>
+          <a:effectRef idx="0">
+            <a:schemeClr val="accent1"/>
+          </a:effectRef>
+          <a:fontRef idx="minor">
+            <a:schemeClr val="lt1"/>
+          </a:fontRef>
+        </p:style>
+        <p:txBody>
+          <a:bodyPr rtlCol="0" anchor="ctr"/>
+          <a:lstStyle/>
+          <a:p>
+            <a:pPr algn="ctr"/>
+            <a:r>
+              <a:rPr lang="en-US" altLang="ko-KR" sz="1200" dirty="0" err="1"/>
+              <a:t>mapNumber</a:t>
+            </a:r>
+            <a:r>
+              <a:rPr lang="ko-KR" altLang="en-US" sz="1200" dirty="0"/>
+              <a:t>에 </a:t>
+            </a:r>
+            <a:r>
+              <a:rPr lang="en-US" altLang="ko-KR" sz="1200" dirty="0"/>
+              <a:t>NEWS</a:t>
+            </a:r>
+            <a:r>
+              <a:rPr lang="ko-KR" altLang="en-US" sz="1200" dirty="0"/>
+              <a:t>로 선택된 방 번호 대입</a:t>
+            </a:r>
+          </a:p>
+        </p:txBody>
+      </p:sp>
+      <p:sp>
+        <p:nvSpPr>
+          <p:cNvPr id="17" name="직사각형 16"/>
+          <p:cNvSpPr/>
+          <p:nvPr/>
+        </p:nvSpPr>
+        <p:spPr>
+          <a:xfrm>
+            <a:off x="8866415" y="1265480"/>
+            <a:ext cx="2171700" cy="359228"/>
+          </a:xfrm>
+          <a:prstGeom prst="rect">
+            <a:avLst/>
+          </a:prstGeom>
+          <a:solidFill>
+            <a:srgbClr val="0070C0"/>
+          </a:solidFill>
+          <a:ln>
+            <a:solidFill>
+              <a:srgbClr val="0070C0"/>
+            </a:solidFill>
+          </a:ln>
+        </p:spPr>
+        <p:style>
+          <a:lnRef idx="2">
+            <a:schemeClr val="accent1">
+              <a:shade val="50000"/>
+            </a:schemeClr>
+          </a:lnRef>
+          <a:fillRef idx="1">
+            <a:schemeClr val="accent1"/>
+          </a:fillRef>
+          <a:effectRef idx="0">
+            <a:schemeClr val="accent1"/>
+          </a:effectRef>
+          <a:fontRef idx="minor">
+            <a:schemeClr val="lt1"/>
+          </a:fontRef>
+        </p:style>
+        <p:txBody>
+          <a:bodyPr rtlCol="0" anchor="ctr"/>
+          <a:lstStyle/>
+          <a:p>
+            <a:pPr algn="ctr"/>
+            <a:r>
+              <a:rPr lang="en-US" altLang="ko-KR" sz="1200" dirty="0"/>
+              <a:t> food Item </a:t>
+            </a:r>
+            <a:r>
+              <a:rPr lang="ko-KR" altLang="en-US" sz="1200" dirty="0"/>
+              <a:t>개수 선택</a:t>
+            </a:r>
+          </a:p>
+        </p:txBody>
+      </p:sp>
+      <p:sp>
+        <p:nvSpPr>
+          <p:cNvPr id="18" name="직사각형 17"/>
+          <p:cNvSpPr/>
+          <p:nvPr/>
+        </p:nvSpPr>
+        <p:spPr>
+          <a:xfrm>
+            <a:off x="8866415" y="2495565"/>
+            <a:ext cx="2171700" cy="359228"/>
+          </a:xfrm>
+          <a:prstGeom prst="rect">
+            <a:avLst/>
+          </a:prstGeom>
+          <a:solidFill>
+            <a:srgbClr val="0070C0"/>
+          </a:solidFill>
+          <a:ln>
+            <a:solidFill>
+              <a:srgbClr val="0070C0"/>
+            </a:solidFill>
+          </a:ln>
+        </p:spPr>
+        <p:style>
+          <a:lnRef idx="2">
+            <a:schemeClr val="accent1">
+              <a:shade val="50000"/>
+            </a:schemeClr>
+          </a:lnRef>
+          <a:fillRef idx="1">
+            <a:schemeClr val="accent1"/>
+          </a:fillRef>
+          <a:effectRef idx="0">
+            <a:schemeClr val="accent1"/>
+          </a:effectRef>
+          <a:fontRef idx="minor">
+            <a:schemeClr val="lt1"/>
+          </a:fontRef>
+        </p:style>
+        <p:txBody>
+          <a:bodyPr rtlCol="0" anchor="ctr"/>
+          <a:lstStyle/>
+          <a:p>
+            <a:pPr algn="ctr"/>
+            <a:r>
+              <a:rPr lang="en-US" altLang="ko-KR" sz="1200" dirty="0"/>
+              <a:t> water Item </a:t>
+            </a:r>
+            <a:r>
+              <a:rPr lang="ko-KR" altLang="en-US" sz="1200" dirty="0"/>
+              <a:t>개수 선택</a:t>
+            </a:r>
+          </a:p>
+        </p:txBody>
+      </p:sp>
+      <p:sp>
+        <p:nvSpPr>
+          <p:cNvPr id="19" name="타원 18"/>
+          <p:cNvSpPr/>
+          <p:nvPr/>
+        </p:nvSpPr>
+        <p:spPr>
+          <a:xfrm>
+            <a:off x="8733579" y="1776389"/>
+            <a:ext cx="2421345" cy="457200"/>
+          </a:xfrm>
+          <a:prstGeom prst="ellipse">
+            <a:avLst/>
+          </a:prstGeom>
+          <a:solidFill>
+            <a:srgbClr val="0070C0"/>
+          </a:solidFill>
+          <a:ln>
+            <a:solidFill>
+              <a:srgbClr val="0070C0"/>
+            </a:solidFill>
+          </a:ln>
+        </p:spPr>
+        <p:style>
+          <a:lnRef idx="2">
+            <a:schemeClr val="accent1">
+              <a:shade val="50000"/>
+            </a:schemeClr>
+          </a:lnRef>
+          <a:fillRef idx="1">
+            <a:schemeClr val="accent1"/>
+          </a:fillRef>
+          <a:effectRef idx="0">
+            <a:schemeClr val="accent1"/>
+          </a:effectRef>
+          <a:fontRef idx="minor">
+            <a:schemeClr val="lt1"/>
+          </a:fontRef>
+        </p:style>
+        <p:txBody>
+          <a:bodyPr rtlCol="0" anchor="ctr"/>
+          <a:lstStyle/>
+          <a:p>
+            <a:pPr algn="ctr"/>
+            <a:r>
+              <a:rPr lang="en-US" altLang="ko-KR" sz="1200" dirty="0" err="1"/>
+              <a:t>randomObjectMaking</a:t>
+            </a:r>
+            <a:r>
+              <a:rPr lang="ko-KR" altLang="en-US" sz="1200" dirty="0"/>
+              <a:t>호출</a:t>
+            </a:r>
+          </a:p>
+        </p:txBody>
+      </p:sp>
+      <p:sp>
+        <p:nvSpPr>
+          <p:cNvPr id="20" name="타원 19"/>
+          <p:cNvSpPr/>
+          <p:nvPr/>
+        </p:nvSpPr>
+        <p:spPr>
+          <a:xfrm>
+            <a:off x="8733579" y="3166411"/>
+            <a:ext cx="2421345" cy="457200"/>
+          </a:xfrm>
+          <a:prstGeom prst="ellipse">
+            <a:avLst/>
+          </a:prstGeom>
+          <a:solidFill>
+            <a:srgbClr val="0070C0"/>
+          </a:solidFill>
+          <a:ln>
+            <a:solidFill>
+              <a:srgbClr val="0070C0"/>
+            </a:solidFill>
+          </a:ln>
+        </p:spPr>
+        <p:style>
+          <a:lnRef idx="2">
+            <a:schemeClr val="accent1">
+              <a:shade val="50000"/>
+            </a:schemeClr>
+          </a:lnRef>
+          <a:fillRef idx="1">
+            <a:schemeClr val="accent1"/>
+          </a:fillRef>
+          <a:effectRef idx="0">
+            <a:schemeClr val="accent1"/>
+          </a:effectRef>
+          <a:fontRef idx="minor">
+            <a:schemeClr val="lt1"/>
+          </a:fontRef>
+        </p:style>
+        <p:txBody>
+          <a:bodyPr rtlCol="0" anchor="ctr"/>
+          <a:lstStyle/>
+          <a:p>
+            <a:pPr algn="ctr"/>
+            <a:r>
+              <a:rPr lang="en-US" altLang="ko-KR" sz="1200" dirty="0" err="1"/>
+              <a:t>randomObjectMaking</a:t>
+            </a:r>
+            <a:r>
+              <a:rPr lang="ko-KR" altLang="en-US" sz="1200" dirty="0"/>
+              <a:t>호출</a:t>
+            </a:r>
+          </a:p>
+        </p:txBody>
+      </p:sp>
+      <p:cxnSp>
+        <p:nvCxnSpPr>
+          <p:cNvPr id="22" name="직선 화살표 연결선 21"/>
+          <p:cNvCxnSpPr>
+            <a:stCxn id="2" idx="4"/>
+            <a:endCxn id="7" idx="0"/>
+          </p:cNvCxnSpPr>
+          <p:nvPr/>
+        </p:nvCxnSpPr>
+        <p:spPr>
+          <a:xfrm>
+            <a:off x="3388179" y="1681844"/>
+            <a:ext cx="0" cy="204121"/>
+          </a:xfrm>
+          <a:prstGeom prst="straightConnector1">
+            <a:avLst/>
+          </a:prstGeom>
+          <a:ln w="19050">
+            <a:solidFill>
+              <a:srgbClr val="000000"/>
+            </a:solidFill>
+            <a:tailEnd type="arrow"/>
+          </a:ln>
+        </p:spPr>
+        <p:style>
+          <a:lnRef idx="1">
+            <a:schemeClr val="accent1"/>
+          </a:lnRef>
+          <a:fillRef idx="0">
+            <a:schemeClr val="accent1"/>
+          </a:fillRef>
+          <a:effectRef idx="0">
+            <a:schemeClr val="accent1"/>
+          </a:effectRef>
+          <a:fontRef idx="minor">
+            <a:schemeClr val="tx1"/>
+          </a:fontRef>
+        </p:style>
+      </p:cxnSp>
+      <p:cxnSp>
+        <p:nvCxnSpPr>
+          <p:cNvPr id="23" name="직선 화살표 연결선 22"/>
+          <p:cNvCxnSpPr>
+            <a:stCxn id="7" idx="2"/>
+            <a:endCxn id="8" idx="0"/>
+          </p:cNvCxnSpPr>
+          <p:nvPr/>
+        </p:nvCxnSpPr>
+        <p:spPr>
+          <a:xfrm>
+            <a:off x="3388179" y="2245193"/>
+            <a:ext cx="0" cy="250372"/>
+          </a:xfrm>
+          <a:prstGeom prst="straightConnector1">
+            <a:avLst/>
+          </a:prstGeom>
+          <a:ln w="19050">
+            <a:solidFill>
+              <a:srgbClr val="000000"/>
+            </a:solidFill>
+            <a:tailEnd type="arrow"/>
+          </a:ln>
+        </p:spPr>
+        <p:style>
+          <a:lnRef idx="1">
+            <a:schemeClr val="accent1"/>
+          </a:lnRef>
+          <a:fillRef idx="0">
+            <a:schemeClr val="accent1"/>
+          </a:fillRef>
+          <a:effectRef idx="0">
+            <a:schemeClr val="accent1"/>
+          </a:effectRef>
+          <a:fontRef idx="minor">
+            <a:schemeClr val="tx1"/>
+          </a:fontRef>
+        </p:style>
+      </p:cxnSp>
+      <p:cxnSp>
+        <p:nvCxnSpPr>
+          <p:cNvPr id="26" name="직선 화살표 연결선 25"/>
+          <p:cNvCxnSpPr>
+            <a:stCxn id="8" idx="2"/>
+            <a:endCxn id="9" idx="0"/>
+          </p:cNvCxnSpPr>
+          <p:nvPr/>
+        </p:nvCxnSpPr>
+        <p:spPr>
+          <a:xfrm>
+            <a:off x="3388179" y="2854793"/>
+            <a:ext cx="0" cy="209565"/>
+          </a:xfrm>
+          <a:prstGeom prst="straightConnector1">
+            <a:avLst/>
+          </a:prstGeom>
+          <a:ln w="19050">
+            <a:solidFill>
+              <a:srgbClr val="000000"/>
+            </a:solidFill>
+            <a:tailEnd type="arrow"/>
+          </a:ln>
+        </p:spPr>
+        <p:style>
+          <a:lnRef idx="1">
+            <a:schemeClr val="accent1"/>
+          </a:lnRef>
+          <a:fillRef idx="0">
+            <a:schemeClr val="accent1"/>
+          </a:fillRef>
+          <a:effectRef idx="0">
+            <a:schemeClr val="accent1"/>
+          </a:effectRef>
+          <a:fontRef idx="minor">
+            <a:schemeClr val="tx1"/>
+          </a:fontRef>
+        </p:style>
+      </p:cxnSp>
+      <p:cxnSp>
+        <p:nvCxnSpPr>
+          <p:cNvPr id="31" name="직선 화살표 연결선 30"/>
+          <p:cNvCxnSpPr>
+            <a:stCxn id="9" idx="2"/>
+            <a:endCxn id="11" idx="0"/>
+          </p:cNvCxnSpPr>
+          <p:nvPr/>
+        </p:nvCxnSpPr>
+        <p:spPr>
+          <a:xfrm>
+            <a:off x="3388179" y="3423586"/>
+            <a:ext cx="0" cy="190501"/>
+          </a:xfrm>
+          <a:prstGeom prst="straightConnector1">
+            <a:avLst/>
+          </a:prstGeom>
+          <a:ln w="19050">
+            <a:solidFill>
+              <a:srgbClr val="000000"/>
+            </a:solidFill>
+            <a:tailEnd type="arrow"/>
+          </a:ln>
+        </p:spPr>
+        <p:style>
+          <a:lnRef idx="1">
+            <a:schemeClr val="accent1"/>
+          </a:lnRef>
+          <a:fillRef idx="0">
+            <a:schemeClr val="accent1"/>
+          </a:fillRef>
+          <a:effectRef idx="0">
+            <a:schemeClr val="accent1"/>
+          </a:effectRef>
+          <a:fontRef idx="minor">
+            <a:schemeClr val="tx1"/>
+          </a:fontRef>
+        </p:style>
+      </p:cxnSp>
+      <p:cxnSp>
+        <p:nvCxnSpPr>
+          <p:cNvPr id="34" name="직선 화살표 연결선 33"/>
+          <p:cNvCxnSpPr>
+            <a:stCxn id="11" idx="2"/>
+            <a:endCxn id="10" idx="0"/>
+          </p:cNvCxnSpPr>
+          <p:nvPr/>
+        </p:nvCxnSpPr>
+        <p:spPr>
+          <a:xfrm>
+            <a:off x="3388179" y="3973315"/>
+            <a:ext cx="0" cy="199993"/>
+          </a:xfrm>
+          <a:prstGeom prst="straightConnector1">
+            <a:avLst/>
+          </a:prstGeom>
+          <a:ln w="19050">
+            <a:solidFill>
+              <a:srgbClr val="000000"/>
+            </a:solidFill>
+            <a:tailEnd type="arrow"/>
+          </a:ln>
+        </p:spPr>
+        <p:style>
+          <a:lnRef idx="1">
+            <a:schemeClr val="accent1"/>
+          </a:lnRef>
+          <a:fillRef idx="0">
+            <a:schemeClr val="accent1"/>
+          </a:fillRef>
+          <a:effectRef idx="0">
+            <a:schemeClr val="accent1"/>
+          </a:effectRef>
+          <a:fontRef idx="minor">
+            <a:schemeClr val="tx1"/>
+          </a:fontRef>
+        </p:style>
+      </p:cxnSp>
+      <p:cxnSp>
+        <p:nvCxnSpPr>
+          <p:cNvPr id="40" name="직선 화살표 연결선 39"/>
+          <p:cNvCxnSpPr>
+            <a:stCxn id="12" idx="2"/>
+            <a:endCxn id="14" idx="0"/>
+          </p:cNvCxnSpPr>
+          <p:nvPr/>
+        </p:nvCxnSpPr>
+        <p:spPr>
+          <a:xfrm>
+            <a:off x="7230836" y="1624708"/>
+            <a:ext cx="0" cy="182328"/>
+          </a:xfrm>
+          <a:prstGeom prst="straightConnector1">
+            <a:avLst/>
+          </a:prstGeom>
+          <a:ln w="19050">
+            <a:solidFill>
+              <a:srgbClr val="000000"/>
+            </a:solidFill>
+            <a:tailEnd type="arrow"/>
+          </a:ln>
+        </p:spPr>
+        <p:style>
+          <a:lnRef idx="1">
+            <a:schemeClr val="accent1"/>
+          </a:lnRef>
+          <a:fillRef idx="0">
+            <a:schemeClr val="accent1"/>
+          </a:fillRef>
+          <a:effectRef idx="0">
+            <a:schemeClr val="accent1"/>
+          </a:effectRef>
+          <a:fontRef idx="minor">
+            <a:schemeClr val="tx1"/>
+          </a:fontRef>
+        </p:style>
+      </p:cxnSp>
+      <p:cxnSp>
+        <p:nvCxnSpPr>
+          <p:cNvPr id="43" name="직선 화살표 연결선 42"/>
+          <p:cNvCxnSpPr>
+            <a:stCxn id="14" idx="2"/>
+            <a:endCxn id="15" idx="0"/>
+          </p:cNvCxnSpPr>
+          <p:nvPr/>
+        </p:nvCxnSpPr>
+        <p:spPr>
+          <a:xfrm>
+            <a:off x="7230836" y="2324122"/>
+            <a:ext cx="0" cy="171443"/>
+          </a:xfrm>
+          <a:prstGeom prst="straightConnector1">
+            <a:avLst/>
+          </a:prstGeom>
+          <a:ln w="19050">
+            <a:solidFill>
+              <a:srgbClr val="000000"/>
+            </a:solidFill>
+            <a:tailEnd type="arrow"/>
+          </a:ln>
+        </p:spPr>
+        <p:style>
+          <a:lnRef idx="1">
+            <a:schemeClr val="accent1"/>
+          </a:lnRef>
+          <a:fillRef idx="0">
+            <a:schemeClr val="accent1"/>
+          </a:fillRef>
+          <a:effectRef idx="0">
+            <a:schemeClr val="accent1"/>
+          </a:effectRef>
+          <a:fontRef idx="minor">
+            <a:schemeClr val="tx1"/>
+          </a:fontRef>
+        </p:style>
+      </p:cxnSp>
+      <p:cxnSp>
+        <p:nvCxnSpPr>
+          <p:cNvPr id="46" name="직선 화살표 연결선 45"/>
+          <p:cNvCxnSpPr>
+            <a:stCxn id="15" idx="2"/>
+            <a:endCxn id="13" idx="0"/>
+          </p:cNvCxnSpPr>
+          <p:nvPr/>
+        </p:nvCxnSpPr>
+        <p:spPr>
+          <a:xfrm>
+            <a:off x="7230836" y="2854793"/>
+            <a:ext cx="0" cy="209565"/>
+          </a:xfrm>
+          <a:prstGeom prst="straightConnector1">
+            <a:avLst/>
+          </a:prstGeom>
+          <a:ln w="19050">
+            <a:solidFill>
+              <a:srgbClr val="000000"/>
+            </a:solidFill>
+            <a:tailEnd type="arrow"/>
+          </a:ln>
+        </p:spPr>
+        <p:style>
+          <a:lnRef idx="1">
+            <a:schemeClr val="accent1"/>
+          </a:lnRef>
+          <a:fillRef idx="0">
+            <a:schemeClr val="accent1"/>
+          </a:fillRef>
+          <a:effectRef idx="0">
+            <a:schemeClr val="accent1"/>
+          </a:effectRef>
+          <a:fontRef idx="minor">
+            <a:schemeClr val="tx1"/>
+          </a:fontRef>
+        </p:style>
+      </p:cxnSp>
+      <p:cxnSp>
+        <p:nvCxnSpPr>
+          <p:cNvPr id="49" name="직선 화살표 연결선 48"/>
+          <p:cNvCxnSpPr>
+            <a:stCxn id="13" idx="2"/>
+            <a:endCxn id="16" idx="0"/>
+          </p:cNvCxnSpPr>
+          <p:nvPr/>
+        </p:nvCxnSpPr>
+        <p:spPr>
+          <a:xfrm>
+            <a:off x="7230836" y="3725665"/>
+            <a:ext cx="0" cy="212241"/>
+          </a:xfrm>
+          <a:prstGeom prst="straightConnector1">
+            <a:avLst/>
+          </a:prstGeom>
+          <a:ln w="19050">
+            <a:solidFill>
+              <a:srgbClr val="000000"/>
+            </a:solidFill>
+            <a:tailEnd type="arrow"/>
+          </a:ln>
+        </p:spPr>
+        <p:style>
+          <a:lnRef idx="1">
+            <a:schemeClr val="accent1"/>
+          </a:lnRef>
+          <a:fillRef idx="0">
+            <a:schemeClr val="accent1"/>
+          </a:fillRef>
+          <a:effectRef idx="0">
+            <a:schemeClr val="accent1"/>
+          </a:effectRef>
+          <a:fontRef idx="minor">
+            <a:schemeClr val="tx1"/>
+          </a:fontRef>
+        </p:style>
+      </p:cxnSp>
+      <p:cxnSp>
+        <p:nvCxnSpPr>
+          <p:cNvPr id="55" name="직선 화살표 연결선 54"/>
+          <p:cNvCxnSpPr>
+            <a:stCxn id="17" idx="2"/>
+            <a:endCxn id="19" idx="0"/>
+          </p:cNvCxnSpPr>
+          <p:nvPr/>
+        </p:nvCxnSpPr>
+        <p:spPr>
+          <a:xfrm flipH="1">
+            <a:off x="9944252" y="1624708"/>
+            <a:ext cx="8013" cy="151681"/>
+          </a:xfrm>
+          <a:prstGeom prst="straightConnector1">
+            <a:avLst/>
+          </a:prstGeom>
+          <a:ln w="19050">
+            <a:solidFill>
+              <a:srgbClr val="000000"/>
+            </a:solidFill>
+            <a:tailEnd type="arrow"/>
+          </a:ln>
+        </p:spPr>
+        <p:style>
+          <a:lnRef idx="1">
+            <a:schemeClr val="accent1"/>
+          </a:lnRef>
+          <a:fillRef idx="0">
+            <a:schemeClr val="accent1"/>
+          </a:fillRef>
+          <a:effectRef idx="0">
+            <a:schemeClr val="accent1"/>
+          </a:effectRef>
+          <a:fontRef idx="minor">
+            <a:schemeClr val="tx1"/>
+          </a:fontRef>
+        </p:style>
+      </p:cxnSp>
+      <p:cxnSp>
+        <p:nvCxnSpPr>
+          <p:cNvPr id="58" name="직선 화살표 연결선 57"/>
+          <p:cNvCxnSpPr>
+            <a:stCxn id="19" idx="4"/>
+            <a:endCxn id="18" idx="0"/>
+          </p:cNvCxnSpPr>
+          <p:nvPr/>
+        </p:nvCxnSpPr>
+        <p:spPr>
+          <a:xfrm>
+            <a:off x="9944252" y="2233589"/>
+            <a:ext cx="8013" cy="261976"/>
+          </a:xfrm>
+          <a:prstGeom prst="straightConnector1">
+            <a:avLst/>
+          </a:prstGeom>
+          <a:ln w="19050">
+            <a:solidFill>
+              <a:srgbClr val="000000"/>
+            </a:solidFill>
+            <a:tailEnd type="arrow"/>
+          </a:ln>
+        </p:spPr>
+        <p:style>
+          <a:lnRef idx="1">
+            <a:schemeClr val="accent1"/>
+          </a:lnRef>
+          <a:fillRef idx="0">
+            <a:schemeClr val="accent1"/>
+          </a:fillRef>
+          <a:effectRef idx="0">
+            <a:schemeClr val="accent1"/>
+          </a:effectRef>
+          <a:fontRef idx="minor">
+            <a:schemeClr val="tx1"/>
+          </a:fontRef>
+        </p:style>
+      </p:cxnSp>
+      <p:cxnSp>
+        <p:nvCxnSpPr>
+          <p:cNvPr id="61" name="직선 화살표 연결선 60"/>
+          <p:cNvCxnSpPr>
+            <a:stCxn id="18" idx="2"/>
+            <a:endCxn id="20" idx="0"/>
+          </p:cNvCxnSpPr>
+          <p:nvPr/>
+        </p:nvCxnSpPr>
+        <p:spPr>
+          <a:xfrm flipH="1">
+            <a:off x="9944252" y="2854793"/>
+            <a:ext cx="8013" cy="311618"/>
+          </a:xfrm>
+          <a:prstGeom prst="straightConnector1">
+            <a:avLst/>
+          </a:prstGeom>
+          <a:ln w="19050">
+            <a:solidFill>
+              <a:srgbClr val="000000"/>
+            </a:solidFill>
+            <a:tailEnd type="arrow"/>
+          </a:ln>
+        </p:spPr>
+        <p:style>
+          <a:lnRef idx="1">
+            <a:schemeClr val="accent1"/>
+          </a:lnRef>
+          <a:fillRef idx="0">
+            <a:schemeClr val="accent1"/>
+          </a:fillRef>
+          <a:effectRef idx="0">
+            <a:schemeClr val="accent1"/>
+          </a:effectRef>
+          <a:fontRef idx="minor">
+            <a:schemeClr val="tx1"/>
+          </a:fontRef>
+        </p:style>
+      </p:cxnSp>
+      <p:cxnSp>
+        <p:nvCxnSpPr>
+          <p:cNvPr id="67" name="꺾인 연결선 66"/>
+          <p:cNvCxnSpPr>
+            <a:stCxn id="10" idx="3"/>
+            <a:endCxn id="12" idx="1"/>
+          </p:cNvCxnSpPr>
+          <p:nvPr/>
+        </p:nvCxnSpPr>
+        <p:spPr>
+          <a:xfrm flipV="1">
+            <a:off x="4803321" y="1445094"/>
+            <a:ext cx="1341665" cy="3058868"/>
+          </a:xfrm>
+          <a:prstGeom prst="bentConnector3">
+            <a:avLst/>
+          </a:prstGeom>
+          <a:ln w="19050">
+            <a:solidFill>
+              <a:srgbClr val="000000"/>
+            </a:solidFill>
+            <a:tailEnd type="arrow"/>
+          </a:ln>
+        </p:spPr>
+        <p:style>
+          <a:lnRef idx="1">
+            <a:schemeClr val="accent1"/>
+          </a:lnRef>
+          <a:fillRef idx="0">
+            <a:schemeClr val="accent1"/>
+          </a:fillRef>
+          <a:effectRef idx="0">
+            <a:schemeClr val="accent1"/>
+          </a:effectRef>
+          <a:fontRef idx="minor">
+            <a:schemeClr val="tx1"/>
+          </a:fontRef>
+        </p:style>
+      </p:cxnSp>
+      <p:cxnSp>
+        <p:nvCxnSpPr>
+          <p:cNvPr id="69" name="꺾인 연결선 68"/>
+          <p:cNvCxnSpPr>
+            <a:stCxn id="13" idx="3"/>
+            <a:endCxn id="17" idx="1"/>
+          </p:cNvCxnSpPr>
+          <p:nvPr/>
+        </p:nvCxnSpPr>
+        <p:spPr>
+          <a:xfrm flipV="1">
+            <a:off x="8316686" y="1445094"/>
+            <a:ext cx="549729" cy="1949918"/>
+          </a:xfrm>
+          <a:prstGeom prst="bentConnector3">
+            <a:avLst/>
+          </a:prstGeom>
+          <a:ln w="19050">
+            <a:solidFill>
+              <a:srgbClr val="000000"/>
+            </a:solidFill>
+            <a:tailEnd type="arrow"/>
+          </a:ln>
+        </p:spPr>
+        <p:style>
+          <a:lnRef idx="1">
+            <a:schemeClr val="accent1"/>
+          </a:lnRef>
+          <a:fillRef idx="0">
+            <a:schemeClr val="accent1"/>
+          </a:fillRef>
+          <a:effectRef idx="0">
+            <a:schemeClr val="accent1"/>
+          </a:effectRef>
+          <a:fontRef idx="minor">
+            <a:schemeClr val="tx1"/>
+          </a:fontRef>
+        </p:style>
+      </p:cxnSp>
+      <p:cxnSp>
+        <p:nvCxnSpPr>
+          <p:cNvPr id="71" name="꺾인 연결선 70"/>
+          <p:cNvCxnSpPr>
+            <a:stCxn id="16" idx="2"/>
+            <a:endCxn id="13" idx="1"/>
+          </p:cNvCxnSpPr>
+          <p:nvPr/>
+        </p:nvCxnSpPr>
+        <p:spPr>
+          <a:xfrm rot="5400000" flipH="1">
+            <a:off x="6236850" y="3303148"/>
+            <a:ext cx="902122" cy="1085850"/>
+          </a:xfrm>
+          <a:prstGeom prst="bentConnector4">
+            <a:avLst>
+              <a:gd name="adj1" fmla="val -25340"/>
+              <a:gd name="adj2" fmla="val 121053"/>
+            </a:avLst>
+          </a:prstGeom>
+          <a:ln w="19050">
+            <a:solidFill>
+              <a:srgbClr val="000000"/>
+            </a:solidFill>
+            <a:tailEnd type="arrow"/>
+          </a:ln>
+        </p:spPr>
+        <p:style>
+          <a:lnRef idx="1">
+            <a:schemeClr val="accent1"/>
+          </a:lnRef>
+          <a:fillRef idx="0">
+            <a:schemeClr val="accent1"/>
+          </a:fillRef>
+          <a:effectRef idx="0">
+            <a:schemeClr val="accent1"/>
+          </a:effectRef>
+          <a:fontRef idx="minor">
+            <a:schemeClr val="tx1"/>
+          </a:fontRef>
+        </p:style>
+      </p:cxnSp>
+      <p:cxnSp>
+        <p:nvCxnSpPr>
+          <p:cNvPr id="74" name="꺾인 연결선 73"/>
+          <p:cNvCxnSpPr>
+            <a:stCxn id="76" idx="2"/>
+            <a:endCxn id="10" idx="1"/>
+          </p:cNvCxnSpPr>
+          <p:nvPr/>
+        </p:nvCxnSpPr>
+        <p:spPr>
+          <a:xfrm rot="5400000">
+            <a:off x="5813321" y="365017"/>
+            <a:ext cx="298661" cy="7979229"/>
+          </a:xfrm>
+          <a:prstGeom prst="bentConnector4">
+            <a:avLst>
+              <a:gd name="adj1" fmla="val 287253"/>
+              <a:gd name="adj2" fmla="val 102865"/>
+            </a:avLst>
+          </a:prstGeom>
+          <a:ln w="19050">
+            <a:solidFill>
+              <a:srgbClr val="000000"/>
+            </a:solidFill>
+            <a:tailEnd type="arrow"/>
+          </a:ln>
+        </p:spPr>
+        <p:style>
+          <a:lnRef idx="1">
+            <a:schemeClr val="accent1"/>
+          </a:lnRef>
+          <a:fillRef idx="0">
+            <a:schemeClr val="accent1"/>
+          </a:fillRef>
+          <a:effectRef idx="0">
+            <a:schemeClr val="accent1"/>
+          </a:effectRef>
+          <a:fontRef idx="minor">
+            <a:schemeClr val="tx1"/>
+          </a:fontRef>
+        </p:style>
+      </p:cxnSp>
+      <p:sp>
+        <p:nvSpPr>
+          <p:cNvPr id="76" name="직사각형 75"/>
+          <p:cNvSpPr/>
+          <p:nvPr/>
+        </p:nvSpPr>
+        <p:spPr>
+          <a:xfrm>
+            <a:off x="8866415" y="3846073"/>
+            <a:ext cx="2171700" cy="359228"/>
+          </a:xfrm>
+          <a:prstGeom prst="rect">
+            <a:avLst/>
+          </a:prstGeom>
+          <a:solidFill>
+            <a:srgbClr val="0070C0"/>
+          </a:solidFill>
+          <a:ln>
+            <a:solidFill>
+              <a:srgbClr val="0070C0"/>
+            </a:solidFill>
+          </a:ln>
+        </p:spPr>
+        <p:style>
+          <a:lnRef idx="2">
+            <a:schemeClr val="accent1">
+              <a:shade val="50000"/>
+            </a:schemeClr>
+          </a:lnRef>
+          <a:fillRef idx="1">
+            <a:schemeClr val="accent1"/>
+          </a:fillRef>
+          <a:effectRef idx="0">
+            <a:schemeClr val="accent1"/>
+          </a:effectRef>
+          <a:fontRef idx="minor">
+            <a:schemeClr val="lt1"/>
+          </a:fontRef>
+        </p:style>
+        <p:txBody>
+          <a:bodyPr rtlCol="0" anchor="ctr"/>
+          <a:lstStyle/>
+          <a:p>
+            <a:pPr algn="ctr"/>
+            <a:r>
+              <a:rPr lang="en-US" altLang="ko-KR" sz="1200" dirty="0"/>
+              <a:t>Index++</a:t>
+            </a:r>
+            <a:endParaRPr lang="ko-KR" altLang="en-US" sz="1200" dirty="0"/>
+          </a:p>
+        </p:txBody>
+      </p:sp>
+      <p:cxnSp>
+        <p:nvCxnSpPr>
+          <p:cNvPr id="78" name="직선 화살표 연결선 77"/>
+          <p:cNvCxnSpPr>
+            <a:stCxn id="20" idx="4"/>
+            <a:endCxn id="76" idx="0"/>
+          </p:cNvCxnSpPr>
+          <p:nvPr/>
+        </p:nvCxnSpPr>
+        <p:spPr>
+          <a:xfrm>
+            <a:off x="9944252" y="3623611"/>
+            <a:ext cx="8013" cy="222462"/>
+          </a:xfrm>
+          <a:prstGeom prst="straightConnector1">
+            <a:avLst/>
+          </a:prstGeom>
+          <a:ln w="19050">
+            <a:solidFill>
+              <a:srgbClr val="000000"/>
+            </a:solidFill>
+            <a:tailEnd type="arrow"/>
+          </a:ln>
+        </p:spPr>
+        <p:style>
+          <a:lnRef idx="1">
+            <a:schemeClr val="accent1"/>
+          </a:lnRef>
+          <a:fillRef idx="0">
+            <a:schemeClr val="accent1"/>
+          </a:fillRef>
+          <a:effectRef idx="0">
+            <a:schemeClr val="accent1"/>
+          </a:effectRef>
+          <a:fontRef idx="minor">
+            <a:schemeClr val="tx1"/>
+          </a:fontRef>
+        </p:style>
+      </p:cxnSp>
+      <p:sp>
+        <p:nvSpPr>
+          <p:cNvPr id="86" name="직사각형 85"/>
+          <p:cNvSpPr/>
+          <p:nvPr/>
+        </p:nvSpPr>
+        <p:spPr>
+          <a:xfrm>
+            <a:off x="2302328" y="5259085"/>
+            <a:ext cx="2171700" cy="359228"/>
+          </a:xfrm>
+          <a:prstGeom prst="rect">
+            <a:avLst/>
+          </a:prstGeom>
+          <a:solidFill>
+            <a:srgbClr val="0070C0"/>
+          </a:solidFill>
+          <a:ln>
+            <a:solidFill>
+              <a:srgbClr val="0070C0"/>
+            </a:solidFill>
+          </a:ln>
+        </p:spPr>
+        <p:style>
+          <a:lnRef idx="2">
+            <a:schemeClr val="accent1">
+              <a:shade val="50000"/>
+            </a:schemeClr>
+          </a:lnRef>
+          <a:fillRef idx="1">
+            <a:schemeClr val="accent1"/>
+          </a:fillRef>
+          <a:effectRef idx="0">
+            <a:schemeClr val="accent1"/>
+          </a:effectRef>
+          <a:fontRef idx="minor">
+            <a:schemeClr val="lt1"/>
+          </a:fontRef>
+        </p:style>
+        <p:txBody>
+          <a:bodyPr rtlCol="0" anchor="ctr"/>
+          <a:lstStyle/>
+          <a:p>
+            <a:pPr algn="ctr"/>
+            <a:r>
+              <a:rPr lang="en-US" altLang="ko-KR" sz="1200" dirty="0"/>
+              <a:t>4</a:t>
+            </a:r>
+            <a:r>
+              <a:rPr lang="ko-KR" altLang="en-US" sz="1200" dirty="0"/>
+              <a:t>개 </a:t>
+            </a:r>
+            <a:r>
+              <a:rPr lang="ko-KR" altLang="en-US" sz="1200" dirty="0" err="1"/>
+              <a:t>중다음</a:t>
+            </a:r>
+            <a:r>
+              <a:rPr lang="ko-KR" altLang="en-US" sz="1200" dirty="0"/>
+              <a:t> </a:t>
+            </a:r>
+            <a:r>
+              <a:rPr lang="ko-KR" altLang="en-US" sz="1200" dirty="0" err="1"/>
+              <a:t>던전에</a:t>
+            </a:r>
+            <a:r>
+              <a:rPr lang="ko-KR" altLang="en-US" sz="1200" dirty="0"/>
+              <a:t> 들어가는 </a:t>
+            </a:r>
+            <a:endParaRPr lang="en-US" altLang="ko-KR" sz="1200" dirty="0"/>
+          </a:p>
+          <a:p>
+            <a:pPr algn="ctr"/>
+            <a:r>
+              <a:rPr lang="ko-KR" altLang="en-US" sz="1200" dirty="0"/>
+              <a:t>방 생성</a:t>
+            </a:r>
+          </a:p>
+        </p:txBody>
+      </p:sp>
+      <p:sp>
+        <p:nvSpPr>
+          <p:cNvPr id="87" name="TextBox 86"/>
+          <p:cNvSpPr txBox="1"/>
+          <p:nvPr/>
+        </p:nvSpPr>
+        <p:spPr>
+          <a:xfrm>
+            <a:off x="4794407" y="4112468"/>
+            <a:ext cx="619080" cy="369332"/>
+          </a:xfrm>
+          <a:prstGeom prst="rect">
+            <a:avLst/>
+          </a:prstGeom>
+          <a:noFill/>
+        </p:spPr>
+        <p:txBody>
+          <a:bodyPr wrap="none" rtlCol="0">
+            <a:spAutoFit/>
+          </a:bodyPr>
+          <a:lstStyle/>
+          <a:p>
+            <a:r>
+              <a:rPr lang="en-US" altLang="ko-KR" b="1" dirty="0">
+                <a:solidFill>
+                  <a:srgbClr val="FF0000"/>
+                </a:solidFill>
+              </a:rPr>
+              <a:t>YES</a:t>
+            </a:r>
+            <a:endParaRPr lang="ko-KR" altLang="en-US" b="1" dirty="0">
+              <a:solidFill>
+                <a:srgbClr val="FF0000"/>
+              </a:solidFill>
+            </a:endParaRPr>
+          </a:p>
+        </p:txBody>
+      </p:sp>
+      <p:sp>
+        <p:nvSpPr>
+          <p:cNvPr id="88" name="TextBox 87"/>
+          <p:cNvSpPr txBox="1"/>
+          <p:nvPr/>
+        </p:nvSpPr>
+        <p:spPr>
+          <a:xfrm>
+            <a:off x="7972470" y="2959575"/>
+            <a:ext cx="619080" cy="369332"/>
+          </a:xfrm>
+          <a:prstGeom prst="rect">
+            <a:avLst/>
+          </a:prstGeom>
+          <a:noFill/>
+        </p:spPr>
+        <p:txBody>
+          <a:bodyPr wrap="none" rtlCol="0">
+            <a:spAutoFit/>
+          </a:bodyPr>
+          <a:lstStyle/>
+          <a:p>
+            <a:r>
+              <a:rPr lang="en-US" altLang="ko-KR" b="1" dirty="0">
+                <a:solidFill>
+                  <a:srgbClr val="FF0000"/>
+                </a:solidFill>
+              </a:rPr>
+              <a:t>YES</a:t>
+            </a:r>
+            <a:endParaRPr lang="ko-KR" altLang="en-US" b="1" dirty="0">
+              <a:solidFill>
+                <a:srgbClr val="FF0000"/>
+              </a:solidFill>
+            </a:endParaRPr>
+          </a:p>
+        </p:txBody>
+      </p:sp>
+      <p:sp>
+        <p:nvSpPr>
+          <p:cNvPr id="89" name="TextBox 88"/>
+          <p:cNvSpPr txBox="1"/>
+          <p:nvPr/>
+        </p:nvSpPr>
+        <p:spPr>
+          <a:xfrm>
+            <a:off x="7523706" y="3566242"/>
+            <a:ext cx="518091" cy="369332"/>
+          </a:xfrm>
+          <a:prstGeom prst="rect">
+            <a:avLst/>
+          </a:prstGeom>
+          <a:noFill/>
+        </p:spPr>
+        <p:txBody>
+          <a:bodyPr wrap="none" rtlCol="0">
+            <a:spAutoFit/>
+          </a:bodyPr>
+          <a:lstStyle/>
+          <a:p>
+            <a:r>
+              <a:rPr lang="en-US" altLang="ko-KR" b="1" dirty="0">
+                <a:solidFill>
+                  <a:srgbClr val="00B050"/>
+                </a:solidFill>
+              </a:rPr>
+              <a:t>NO</a:t>
+            </a:r>
+            <a:endParaRPr lang="ko-KR" altLang="en-US" b="1" dirty="0">
+              <a:solidFill>
+                <a:srgbClr val="00B050"/>
+              </a:solidFill>
+            </a:endParaRPr>
+          </a:p>
+        </p:txBody>
+      </p:sp>
+      <p:cxnSp>
+        <p:nvCxnSpPr>
+          <p:cNvPr id="91" name="직선 화살표 연결선 90"/>
+          <p:cNvCxnSpPr>
+            <a:stCxn id="10" idx="2"/>
+            <a:endCxn id="86" idx="0"/>
+          </p:cNvCxnSpPr>
+          <p:nvPr/>
+        </p:nvCxnSpPr>
+        <p:spPr>
+          <a:xfrm flipH="1">
+            <a:off x="3388178" y="4834615"/>
+            <a:ext cx="1" cy="424470"/>
+          </a:xfrm>
+          <a:prstGeom prst="straightConnector1">
+            <a:avLst/>
+          </a:prstGeom>
+          <a:ln w="19050">
+            <a:solidFill>
+              <a:srgbClr val="000000"/>
+            </a:solidFill>
+            <a:tailEnd type="arrow"/>
+          </a:ln>
+        </p:spPr>
+        <p:style>
+          <a:lnRef idx="1">
+            <a:schemeClr val="accent1"/>
+          </a:lnRef>
+          <a:fillRef idx="0">
+            <a:schemeClr val="accent1"/>
+          </a:fillRef>
+          <a:effectRef idx="0">
+            <a:schemeClr val="accent1"/>
+          </a:effectRef>
+          <a:fontRef idx="minor">
+            <a:schemeClr val="tx1"/>
+          </a:fontRef>
+        </p:style>
+      </p:cxnSp>
+      <p:sp>
+        <p:nvSpPr>
+          <p:cNvPr id="92" name="TextBox 91"/>
+          <p:cNvSpPr txBox="1"/>
+          <p:nvPr/>
+        </p:nvSpPr>
+        <p:spPr>
+          <a:xfrm>
+            <a:off x="3810191" y="4677518"/>
+            <a:ext cx="518091" cy="369332"/>
+          </a:xfrm>
+          <a:prstGeom prst="rect">
+            <a:avLst/>
+          </a:prstGeom>
+          <a:noFill/>
+        </p:spPr>
+        <p:txBody>
+          <a:bodyPr wrap="none" rtlCol="0">
+            <a:spAutoFit/>
+          </a:bodyPr>
+          <a:lstStyle/>
+          <a:p>
+            <a:r>
+              <a:rPr lang="en-US" altLang="ko-KR" b="1" dirty="0">
+                <a:solidFill>
+                  <a:srgbClr val="00B050"/>
+                </a:solidFill>
+              </a:rPr>
+              <a:t>NO</a:t>
+            </a:r>
+            <a:endParaRPr lang="ko-KR" altLang="en-US" b="1" dirty="0">
+              <a:solidFill>
+                <a:srgbClr val="00B050"/>
+              </a:solidFill>
+            </a:endParaRPr>
+          </a:p>
+        </p:txBody>
+      </p:sp>
+      <p:sp>
+        <p:nvSpPr>
+          <p:cNvPr id="94" name="타원 93"/>
+          <p:cNvSpPr/>
+          <p:nvPr/>
+        </p:nvSpPr>
+        <p:spPr>
+          <a:xfrm>
+            <a:off x="2302328" y="5867764"/>
+            <a:ext cx="2171700" cy="457200"/>
+          </a:xfrm>
+          <a:prstGeom prst="ellipse">
+            <a:avLst/>
+          </a:prstGeom>
+          <a:solidFill>
+            <a:srgbClr val="0070C0"/>
+          </a:solidFill>
+          <a:ln>
+            <a:solidFill>
+              <a:srgbClr val="0070C0"/>
+            </a:solidFill>
+          </a:ln>
+        </p:spPr>
+        <p:style>
+          <a:lnRef idx="2">
+            <a:schemeClr val="accent1">
+              <a:shade val="50000"/>
+            </a:schemeClr>
+          </a:lnRef>
+          <a:fillRef idx="1">
+            <a:schemeClr val="accent1"/>
+          </a:fillRef>
+          <a:effectRef idx="0">
+            <a:schemeClr val="accent1"/>
+          </a:effectRef>
+          <a:fontRef idx="minor">
+            <a:schemeClr val="lt1"/>
+          </a:fontRef>
+        </p:style>
+        <p:txBody>
+          <a:bodyPr rtlCol="0" anchor="ctr"/>
+          <a:lstStyle/>
+          <a:p>
+            <a:pPr algn="ctr"/>
+            <a:r>
+              <a:rPr lang="en-US" altLang="ko-KR" sz="1200" dirty="0" err="1"/>
+              <a:t>creatmap</a:t>
+            </a:r>
+            <a:r>
+              <a:rPr lang="en-US" altLang="ko-KR" sz="1200" dirty="0"/>
+              <a:t> </a:t>
+            </a:r>
+            <a:r>
+              <a:rPr lang="ko-KR" altLang="en-US" sz="1200" dirty="0"/>
+              <a:t>종료</a:t>
+            </a:r>
+          </a:p>
+        </p:txBody>
+      </p:sp>
+      <p:cxnSp>
+        <p:nvCxnSpPr>
+          <p:cNvPr id="96" name="직선 화살표 연결선 95"/>
+          <p:cNvCxnSpPr>
+            <a:stCxn id="86" idx="2"/>
+            <a:endCxn id="94" idx="0"/>
+          </p:cNvCxnSpPr>
+          <p:nvPr/>
+        </p:nvCxnSpPr>
+        <p:spPr>
+          <a:xfrm>
+            <a:off x="3388178" y="5618313"/>
+            <a:ext cx="0" cy="249451"/>
+          </a:xfrm>
+          <a:prstGeom prst="straightConnector1">
+            <a:avLst/>
+          </a:prstGeom>
+          <a:ln w="19050">
+            <a:solidFill>
+              <a:srgbClr val="000000"/>
+            </a:solidFill>
+            <a:tailEnd type="arrow"/>
+          </a:ln>
+        </p:spPr>
+        <p:style>
+          <a:lnRef idx="1">
+            <a:schemeClr val="accent1"/>
+          </a:lnRef>
+          <a:fillRef idx="0">
+            <a:schemeClr val="accent1"/>
+          </a:fillRef>
+          <a:effectRef idx="0">
+            <a:schemeClr val="accent1"/>
+          </a:effectRef>
+          <a:fontRef idx="minor">
+            <a:schemeClr val="tx1"/>
+          </a:fontRef>
+        </p:style>
+      </p:cxnSp>
     </p:spTree>
     <p:extLst>
       <p:ext uri="{BB962C8B-B14F-4D97-AF65-F5344CB8AC3E}">
-        <p14:creationId xmlns:p14="http://schemas.microsoft.com/office/powerpoint/2010/main" val="1606964810"/>
+        <p14:creationId xmlns:p14="http://schemas.microsoft.com/office/powerpoint/2010/main" val="117933032"/>
       </p:ext>
     </p:extLst>
   </p:cSld>
@@ -7013,10 +9594,9 @@
           <a:lstStyle/>
           <a:p>
             <a:r>
-              <a:rPr lang="ko-KR" altLang="en-US" sz="2500" dirty="0" smtClean="0"/>
+              <a:rPr lang="ko-KR" altLang="en-US" sz="2500" dirty="0"/>
               <a:t>역할 분담 및 프로젝트 일정</a:t>
             </a:r>
-            <a:endParaRPr lang="ko-KR" altLang="en-US" sz="2500" dirty="0"/>
           </a:p>
         </p:txBody>
       </p:sp>
@@ -7069,18 +9649,13 @@
           </a:lstStyle>
           <a:p>
             <a:r>
-              <a:rPr lang="ko-KR" altLang="en-US" sz="1500" dirty="0" smtClean="0">
+              <a:rPr lang="ko-KR" altLang="en-US" sz="1500" dirty="0">
                 <a:solidFill>
                   <a:schemeClr val="tx1"/>
                 </a:solidFill>
               </a:rPr>
               <a:t>개발 계획</a:t>
             </a:r>
-            <a:endParaRPr lang="ko-KR" altLang="en-US" sz="1500" dirty="0">
-              <a:solidFill>
-                <a:schemeClr val="tx1"/>
-              </a:solidFill>
-            </a:endParaRPr>
           </a:p>
         </p:txBody>
       </p:sp>
@@ -7115,6 +9690,1143 @@
               <a:t>5</a:t>
             </a:r>
             <a:endParaRPr lang="ko-KR" altLang="en-US" dirty="0"/>
+          </a:p>
+        </p:txBody>
+      </p:sp>
+      <p:sp>
+        <p:nvSpPr>
+          <p:cNvPr id="7" name="TextBox 6">
+            <a:extLst>
+              <a:ext uri="{FF2B5EF4-FFF2-40B4-BE49-F238E27FC236}">
+                <a16:creationId xmlns:a16="http://schemas.microsoft.com/office/drawing/2014/main" id="{8576945C-2B13-43CC-9AD0-1D70844CCD42}"/>
+              </a:ext>
+            </a:extLst>
+          </p:cNvPr>
+          <p:cNvSpPr txBox="1"/>
+          <p:nvPr/>
+        </p:nvSpPr>
+        <p:spPr>
+          <a:xfrm>
+            <a:off x="1083688" y="1359243"/>
+            <a:ext cx="5844746" cy="646331"/>
+          </a:xfrm>
+          <a:prstGeom prst="rect">
+            <a:avLst/>
+          </a:prstGeom>
+          <a:noFill/>
+        </p:spPr>
+        <p:txBody>
+          <a:bodyPr wrap="square" rtlCol="0">
+            <a:spAutoFit/>
+          </a:bodyPr>
+          <a:lstStyle/>
+          <a:p>
+            <a:r>
+              <a:rPr lang="en-US" altLang="ko-KR" b="1" dirty="0"/>
+              <a:t>&lt;</a:t>
+            </a:r>
+            <a:r>
+              <a:rPr lang="ko-KR" altLang="en-US" b="1" dirty="0"/>
+              <a:t>역할</a:t>
+            </a:r>
+            <a:r>
+              <a:rPr lang="en-US" altLang="ko-KR" b="1" dirty="0"/>
+              <a:t>&gt;</a:t>
+            </a:r>
+          </a:p>
+          <a:p>
+            <a:r>
+              <a:rPr lang="en-US" altLang="ko-KR" b="1" dirty="0"/>
+              <a:t> </a:t>
+            </a:r>
+          </a:p>
+        </p:txBody>
+      </p:sp>
+      <p:graphicFrame>
+        <p:nvGraphicFramePr>
+          <p:cNvPr id="9" name="표 8">
+            <a:extLst>
+              <a:ext uri="{FF2B5EF4-FFF2-40B4-BE49-F238E27FC236}">
+                <a16:creationId xmlns:a16="http://schemas.microsoft.com/office/drawing/2014/main" id="{C827FE6F-3ECA-4D47-88C4-CD4745C042FB}"/>
+              </a:ext>
+            </a:extLst>
+          </p:cNvPr>
+          <p:cNvGraphicFramePr>
+            <a:graphicFrameLocks noGrp="1"/>
+          </p:cNvGraphicFramePr>
+          <p:nvPr>
+            <p:extLst>
+              <p:ext uri="{D42A27DB-BD31-4B8C-83A1-F6EECF244321}">
+                <p14:modId xmlns:p14="http://schemas.microsoft.com/office/powerpoint/2010/main" val="864227049"/>
+              </p:ext>
+            </p:extLst>
+          </p:nvPr>
+        </p:nvGraphicFramePr>
+        <p:xfrm>
+          <a:off x="1083688" y="1779372"/>
+          <a:ext cx="5544477" cy="3836670"/>
+        </p:xfrm>
+        <a:graphic>
+          <a:graphicData uri="http://schemas.openxmlformats.org/drawingml/2006/table">
+            <a:tbl>
+              <a:tblPr>
+                <a:tableStyleId>{5940675A-B579-460E-94D1-54222C63F5DA}</a:tableStyleId>
+              </a:tblPr>
+              <a:tblGrid>
+                <a:gridCol w="1230925">
+                  <a:extLst>
+                    <a:ext uri="{9D8B030D-6E8A-4147-A177-3AD203B41FA5}">
+                      <a16:colId xmlns:a16="http://schemas.microsoft.com/office/drawing/2014/main" val="4279975673"/>
+                    </a:ext>
+                  </a:extLst>
+                </a:gridCol>
+                <a:gridCol w="2807529">
+                  <a:extLst>
+                    <a:ext uri="{9D8B030D-6E8A-4147-A177-3AD203B41FA5}">
+                      <a16:colId xmlns:a16="http://schemas.microsoft.com/office/drawing/2014/main" val="1780653698"/>
+                    </a:ext>
+                  </a:extLst>
+                </a:gridCol>
+                <a:gridCol w="505127">
+                  <a:extLst>
+                    <a:ext uri="{9D8B030D-6E8A-4147-A177-3AD203B41FA5}">
+                      <a16:colId xmlns:a16="http://schemas.microsoft.com/office/drawing/2014/main" val="4284727254"/>
+                    </a:ext>
+                  </a:extLst>
+                </a:gridCol>
+                <a:gridCol w="1000896">
+                  <a:extLst>
+                    <a:ext uri="{9D8B030D-6E8A-4147-A177-3AD203B41FA5}">
+                      <a16:colId xmlns:a16="http://schemas.microsoft.com/office/drawing/2014/main" val="301142745"/>
+                    </a:ext>
+                  </a:extLst>
+                </a:gridCol>
+              </a:tblGrid>
+              <a:tr h="234696">
+                <a:tc>
+                  <a:txBody>
+                    <a:bodyPr/>
+                    <a:lstStyle/>
+                    <a:p>
+                      <a:endParaRPr lang="ko-KR" altLang="en-US" dirty="0">
+                        <a:effectLst/>
+                      </a:endParaRPr>
+                    </a:p>
+                  </a:txBody>
+                  <a:tcPr marL="64770" marR="64770" marT="17907" marB="17907" anchor="ctr"/>
+                </a:tc>
+                <a:tc>
+                  <a:txBody>
+                    <a:bodyPr/>
+                    <a:lstStyle/>
+                    <a:p>
+                      <a:pPr latinLnBrk="1"/>
+                      <a:endParaRPr lang="ko-KR" altLang="en-US" dirty="0"/>
+                    </a:p>
+                  </a:txBody>
+                  <a:tcPr/>
+                </a:tc>
+                <a:tc>
+                  <a:txBody>
+                    <a:bodyPr/>
+                    <a:lstStyle/>
+                    <a:p>
+                      <a:pPr latinLnBrk="1"/>
+                      <a:endParaRPr lang="ko-KR" altLang="en-US" dirty="0"/>
+                    </a:p>
+                  </a:txBody>
+                  <a:tcPr/>
+                </a:tc>
+                <a:tc>
+                  <a:txBody>
+                    <a:bodyPr/>
+                    <a:lstStyle/>
+                    <a:p>
+                      <a:pPr latinLnBrk="1"/>
+                      <a:endParaRPr lang="ko-KR" altLang="en-US" dirty="0"/>
+                    </a:p>
+                  </a:txBody>
+                  <a:tcPr/>
+                </a:tc>
+                <a:extLst>
+                  <a:ext uri="{0D108BD9-81ED-4DB2-BD59-A6C34878D82A}">
+                    <a16:rowId xmlns:a16="http://schemas.microsoft.com/office/drawing/2014/main" val="4161696024"/>
+                  </a:ext>
+                </a:extLst>
+              </a:tr>
+              <a:tr h="270637">
+                <a:tc>
+                  <a:txBody>
+                    <a:bodyPr/>
+                    <a:lstStyle/>
+                    <a:p>
+                      <a:pPr algn="ctr"/>
+                      <a:r>
+                        <a:rPr lang="ko-KR" altLang="en-US" dirty="0">
+                          <a:effectLst/>
+                        </a:rPr>
+                        <a:t>조원</a:t>
+                      </a:r>
+                    </a:p>
+                  </a:txBody>
+                  <a:tcPr marL="64770" marR="64770" marT="17907" marB="17907" anchor="ctr"/>
+                </a:tc>
+                <a:tc>
+                  <a:txBody>
+                    <a:bodyPr/>
+                    <a:lstStyle/>
+                    <a:p>
+                      <a:pPr algn="ctr"/>
+                      <a:r>
+                        <a:rPr lang="ko-KR" altLang="en-US">
+                          <a:effectLst/>
+                        </a:rPr>
+                        <a:t>역할분담</a:t>
+                      </a:r>
+                    </a:p>
+                  </a:txBody>
+                  <a:tcPr marL="64770" marR="64770" marT="17907" marB="17907" anchor="ctr"/>
+                </a:tc>
+                <a:tc>
+                  <a:txBody>
+                    <a:bodyPr/>
+                    <a:lstStyle/>
+                    <a:p>
+                      <a:pPr algn="ctr"/>
+                      <a:r>
+                        <a:rPr lang="ko-KR" altLang="en-US" dirty="0">
+                          <a:effectLst/>
+                        </a:rPr>
+                        <a:t>기여도</a:t>
+                      </a:r>
+                    </a:p>
+                  </a:txBody>
+                  <a:tcPr marL="64770" marR="64770" marT="17907" marB="17907" anchor="ctr"/>
+                </a:tc>
+                <a:tc>
+                  <a:txBody>
+                    <a:bodyPr/>
+                    <a:lstStyle/>
+                    <a:p>
+                      <a:pPr algn="ctr"/>
+                      <a:r>
+                        <a:rPr lang="ko-KR" altLang="en-US" dirty="0">
+                          <a:effectLst/>
+                        </a:rPr>
+                        <a:t>서명</a:t>
+                      </a:r>
+                    </a:p>
+                  </a:txBody>
+                  <a:tcPr marL="64770" marR="64770" marT="17907" marB="17907" anchor="ctr"/>
+                </a:tc>
+                <a:extLst>
+                  <a:ext uri="{0D108BD9-81ED-4DB2-BD59-A6C34878D82A}">
+                    <a16:rowId xmlns:a16="http://schemas.microsoft.com/office/drawing/2014/main" val="2283968026"/>
+                  </a:ext>
+                </a:extLst>
+              </a:tr>
+              <a:tr h="532767">
+                <a:tc>
+                  <a:txBody>
+                    <a:bodyPr/>
+                    <a:lstStyle/>
+                    <a:p>
+                      <a:pPr algn="ctr"/>
+                      <a:r>
+                        <a:rPr lang="ko-KR" altLang="en-US" dirty="0" err="1">
+                          <a:effectLst/>
+                        </a:rPr>
+                        <a:t>오준엽</a:t>
+                      </a:r>
+                      <a:endParaRPr lang="ko-KR" altLang="en-US" dirty="0">
+                        <a:effectLst/>
+                      </a:endParaRPr>
+                    </a:p>
+                  </a:txBody>
+                  <a:tcPr marL="64770" marR="64770" marT="17907" marB="17907" anchor="ctr"/>
+                </a:tc>
+                <a:tc>
+                  <a:txBody>
+                    <a:bodyPr/>
+                    <a:lstStyle/>
+                    <a:p>
+                      <a:pPr algn="ctr"/>
+                      <a:endParaRPr lang="en-US" altLang="ko-KR" dirty="0">
+                        <a:effectLst/>
+                      </a:endParaRPr>
+                    </a:p>
+                    <a:p>
+                      <a:pPr algn="ctr"/>
+                      <a:r>
+                        <a:rPr lang="ko-KR" altLang="en-US" dirty="0">
+                          <a:effectLst/>
+                        </a:rPr>
+                        <a:t>시스템</a:t>
+                      </a:r>
+                      <a:r>
+                        <a:rPr lang="en-US" altLang="ko-KR" dirty="0">
+                          <a:effectLst/>
+                        </a:rPr>
+                        <a:t>, </a:t>
+                      </a:r>
+                      <a:r>
+                        <a:rPr lang="ko-KR" altLang="en-US" dirty="0">
+                          <a:effectLst/>
+                        </a:rPr>
+                        <a:t>맵 구현</a:t>
+                      </a:r>
+                      <a:br>
+                        <a:rPr lang="ko-KR" altLang="en-US" dirty="0">
+                          <a:effectLst/>
+                        </a:rPr>
+                      </a:br>
+                      <a:endParaRPr lang="ko-KR" altLang="en-US" dirty="0">
+                        <a:effectLst/>
+                      </a:endParaRPr>
+                    </a:p>
+                  </a:txBody>
+                  <a:tcPr marL="64770" marR="64770" marT="17907" marB="17907" anchor="ctr"/>
+                </a:tc>
+                <a:tc>
+                  <a:txBody>
+                    <a:bodyPr/>
+                    <a:lstStyle/>
+                    <a:p>
+                      <a:r>
+                        <a:rPr lang="en-US" altLang="ko-KR" dirty="0">
+                          <a:effectLst/>
+                        </a:rPr>
+                        <a:t>100</a:t>
+                      </a:r>
+                      <a:endParaRPr lang="ko-KR" altLang="en-US" dirty="0">
+                        <a:effectLst/>
+                      </a:endParaRPr>
+                    </a:p>
+                  </a:txBody>
+                  <a:tcPr marL="64770" marR="64770" marT="17907" marB="17907" anchor="ctr"/>
+                </a:tc>
+                <a:tc>
+                  <a:txBody>
+                    <a:bodyPr/>
+                    <a:lstStyle/>
+                    <a:p>
+                      <a:br>
+                        <a:rPr lang="ko-KR" altLang="en-US" dirty="0">
+                          <a:effectLst/>
+                        </a:rPr>
+                      </a:br>
+                      <a:endParaRPr lang="ko-KR" altLang="en-US" dirty="0">
+                        <a:effectLst/>
+                      </a:endParaRPr>
+                    </a:p>
+                  </a:txBody>
+                  <a:tcPr marL="64770" marR="64770" marT="17907" marB="17907" anchor="ctr"/>
+                </a:tc>
+                <a:extLst>
+                  <a:ext uri="{0D108BD9-81ED-4DB2-BD59-A6C34878D82A}">
+                    <a16:rowId xmlns:a16="http://schemas.microsoft.com/office/drawing/2014/main" val="4092288941"/>
+                  </a:ext>
+                </a:extLst>
+              </a:tr>
+              <a:tr h="0">
+                <a:tc>
+                  <a:txBody>
+                    <a:bodyPr/>
+                    <a:lstStyle/>
+                    <a:p>
+                      <a:pPr algn="ctr"/>
+                      <a:r>
+                        <a:rPr lang="ko-KR" altLang="en-US" dirty="0" err="1">
+                          <a:effectLst/>
+                        </a:rPr>
+                        <a:t>최환규</a:t>
+                      </a:r>
+                      <a:endParaRPr lang="ko-KR" altLang="en-US" dirty="0">
+                        <a:effectLst/>
+                      </a:endParaRPr>
+                    </a:p>
+                  </a:txBody>
+                  <a:tcPr marL="64770" marR="64770" marT="17907" marB="17907" anchor="ctr"/>
+                </a:tc>
+                <a:tc>
+                  <a:txBody>
+                    <a:bodyPr/>
+                    <a:lstStyle/>
+                    <a:p>
+                      <a:pPr algn="ctr"/>
+                      <a:r>
+                        <a:rPr lang="ko-KR" altLang="en-US" dirty="0">
+                          <a:effectLst/>
+                        </a:rPr>
+                        <a:t> 오브젝트 구현</a:t>
+                      </a:r>
+                      <a:br>
+                        <a:rPr lang="ko-KR" altLang="en-US" dirty="0">
+                          <a:effectLst/>
+                        </a:rPr>
+                      </a:br>
+                      <a:endParaRPr lang="ko-KR" altLang="en-US" dirty="0">
+                        <a:effectLst/>
+                      </a:endParaRPr>
+                    </a:p>
+                  </a:txBody>
+                  <a:tcPr marL="64770" marR="64770" marT="17907" marB="17907" anchor="ctr"/>
+                </a:tc>
+                <a:tc>
+                  <a:txBody>
+                    <a:bodyPr/>
+                    <a:lstStyle/>
+                    <a:p>
+                      <a:r>
+                        <a:rPr lang="en-US" altLang="ko-KR" dirty="0">
+                          <a:effectLst/>
+                        </a:rPr>
+                        <a:t>100</a:t>
+                      </a:r>
+                      <a:br>
+                        <a:rPr lang="ko-KR" altLang="en-US" dirty="0">
+                          <a:effectLst/>
+                        </a:rPr>
+                      </a:br>
+                      <a:endParaRPr lang="ko-KR" altLang="en-US" dirty="0">
+                        <a:effectLst/>
+                      </a:endParaRPr>
+                    </a:p>
+                  </a:txBody>
+                  <a:tcPr marL="64770" marR="64770" marT="17907" marB="17907" anchor="ctr"/>
+                </a:tc>
+                <a:tc>
+                  <a:txBody>
+                    <a:bodyPr/>
+                    <a:lstStyle/>
+                    <a:p>
+                      <a:endParaRPr lang="ko-KR" altLang="en-US" dirty="0">
+                        <a:effectLst/>
+                      </a:endParaRPr>
+                    </a:p>
+                  </a:txBody>
+                  <a:tcPr marL="64770" marR="64770" marT="17907" marB="17907" anchor="ctr"/>
+                </a:tc>
+                <a:extLst>
+                  <a:ext uri="{0D108BD9-81ED-4DB2-BD59-A6C34878D82A}">
+                    <a16:rowId xmlns:a16="http://schemas.microsoft.com/office/drawing/2014/main" val="1375650164"/>
+                  </a:ext>
+                </a:extLst>
+              </a:tr>
+              <a:tr h="270637">
+                <a:tc>
+                  <a:txBody>
+                    <a:bodyPr/>
+                    <a:lstStyle/>
+                    <a:p>
+                      <a:pPr algn="ctr"/>
+                      <a:r>
+                        <a:rPr lang="ko-KR" altLang="en-US" dirty="0" err="1">
+                          <a:effectLst/>
+                        </a:rPr>
+                        <a:t>민재영</a:t>
+                      </a:r>
+                      <a:endParaRPr lang="ko-KR" altLang="en-US" dirty="0">
+                        <a:effectLst/>
+                      </a:endParaRPr>
+                    </a:p>
+                  </a:txBody>
+                  <a:tcPr marL="64770" marR="64770" marT="17907" marB="17907" anchor="ctr"/>
+                </a:tc>
+                <a:tc>
+                  <a:txBody>
+                    <a:bodyPr/>
+                    <a:lstStyle/>
+                    <a:p>
+                      <a:pPr algn="ctr"/>
+                      <a:r>
+                        <a:rPr lang="en-US" altLang="ko-KR" dirty="0">
+                          <a:effectLst/>
+                        </a:rPr>
+                        <a:t>UI </a:t>
+                      </a:r>
+                      <a:r>
+                        <a:rPr lang="ko-KR" altLang="en-US" dirty="0">
+                          <a:effectLst/>
+                        </a:rPr>
+                        <a:t>구현 </a:t>
+                      </a:r>
+                      <a:r>
+                        <a:rPr lang="en-US" altLang="ko-KR" dirty="0">
+                          <a:effectLst/>
+                        </a:rPr>
+                        <a:t>, </a:t>
+                      </a:r>
+                      <a:r>
+                        <a:rPr lang="ko-KR" altLang="en-US" dirty="0">
+                          <a:effectLst/>
+                        </a:rPr>
+                        <a:t>디자인</a:t>
+                      </a:r>
+                    </a:p>
+                  </a:txBody>
+                  <a:tcPr marL="64770" marR="64770" marT="17907" marB="17907" anchor="ctr"/>
+                </a:tc>
+                <a:tc>
+                  <a:txBody>
+                    <a:bodyPr/>
+                    <a:lstStyle/>
+                    <a:p>
+                      <a:r>
+                        <a:rPr lang="en-US" altLang="ko-KR" dirty="0">
+                          <a:effectLst/>
+                        </a:rPr>
+                        <a:t>100</a:t>
+                      </a:r>
+                      <a:br>
+                        <a:rPr lang="ko-KR" altLang="en-US" dirty="0">
+                          <a:effectLst/>
+                        </a:rPr>
+                      </a:br>
+                      <a:endParaRPr lang="ko-KR" altLang="en-US" dirty="0">
+                        <a:effectLst/>
+                      </a:endParaRPr>
+                    </a:p>
+                  </a:txBody>
+                  <a:tcPr marL="64770" marR="64770" marT="17907" marB="17907" anchor="ctr"/>
+                </a:tc>
+                <a:tc>
+                  <a:txBody>
+                    <a:bodyPr/>
+                    <a:lstStyle/>
+                    <a:p>
+                      <a:br>
+                        <a:rPr lang="ko-KR" altLang="en-US" dirty="0">
+                          <a:effectLst/>
+                        </a:rPr>
+                      </a:br>
+                      <a:endParaRPr lang="ko-KR" altLang="en-US" dirty="0">
+                        <a:effectLst/>
+                      </a:endParaRPr>
+                    </a:p>
+                  </a:txBody>
+                  <a:tcPr marL="64770" marR="64770" marT="17907" marB="17907" anchor="ctr"/>
+                </a:tc>
+                <a:extLst>
+                  <a:ext uri="{0D108BD9-81ED-4DB2-BD59-A6C34878D82A}">
+                    <a16:rowId xmlns:a16="http://schemas.microsoft.com/office/drawing/2014/main" val="1426427075"/>
+                  </a:ext>
+                </a:extLst>
+              </a:tr>
+              <a:tr h="234696">
+                <a:tc gridSpan="2">
+                  <a:txBody>
+                    <a:bodyPr/>
+                    <a:lstStyle/>
+                    <a:p>
+                      <a:pPr algn="ctr"/>
+                      <a:r>
+                        <a:rPr lang="ko-KR" altLang="en-US" dirty="0">
+                          <a:effectLst/>
+                        </a:rPr>
+                        <a:t>총</a:t>
+                      </a:r>
+                      <a:r>
+                        <a:rPr lang="en-US" altLang="ko-KR" spc="0" dirty="0">
+                          <a:effectLst/>
+                        </a:rPr>
+                        <a:t>(</a:t>
+                      </a:r>
+                      <a:r>
+                        <a:rPr lang="ko-KR" altLang="en-US" dirty="0">
+                          <a:effectLst/>
+                        </a:rPr>
+                        <a:t>팀원 수</a:t>
+                      </a:r>
+                      <a:r>
+                        <a:rPr lang="ko-KR" altLang="en-US" spc="0" dirty="0">
+                          <a:effectLst/>
+                        </a:rPr>
+                        <a:t>* </a:t>
+                      </a:r>
+                      <a:r>
+                        <a:rPr lang="en-US" altLang="ko-KR" spc="0" dirty="0">
+                          <a:effectLst/>
+                        </a:rPr>
+                        <a:t>100</a:t>
+                      </a:r>
+                      <a:r>
+                        <a:rPr lang="ko-KR" altLang="en-US" dirty="0">
+                          <a:effectLst/>
+                        </a:rPr>
+                        <a:t>점 만점</a:t>
+                      </a:r>
+                      <a:r>
+                        <a:rPr lang="en-US" altLang="ko-KR" spc="0" dirty="0">
+                          <a:effectLst/>
+                        </a:rPr>
+                        <a:t>)</a:t>
+                      </a:r>
+                      <a:endParaRPr lang="ko-KR" altLang="en-US" dirty="0">
+                        <a:effectLst/>
+                      </a:endParaRPr>
+                    </a:p>
+                  </a:txBody>
+                  <a:tcPr marL="64770" marR="64770" marT="17907" marB="17907" anchor="ctr"/>
+                </a:tc>
+                <a:tc hMerge="1">
+                  <a:txBody>
+                    <a:bodyPr/>
+                    <a:lstStyle/>
+                    <a:p>
+                      <a:pPr latinLnBrk="1"/>
+                      <a:endParaRPr lang="ko-KR" altLang="en-US"/>
+                    </a:p>
+                  </a:txBody>
+                  <a:tcPr/>
+                </a:tc>
+                <a:tc>
+                  <a:txBody>
+                    <a:bodyPr/>
+                    <a:lstStyle/>
+                    <a:p>
+                      <a:r>
+                        <a:rPr lang="en-US" dirty="0">
+                          <a:effectLst/>
+                        </a:rPr>
+                        <a:t>300</a:t>
+                      </a:r>
+                    </a:p>
+                  </a:txBody>
+                  <a:tcPr marL="64770" marR="64770" marT="17907" marB="17907" anchor="ctr"/>
+                </a:tc>
+                <a:tc>
+                  <a:txBody>
+                    <a:bodyPr/>
+                    <a:lstStyle/>
+                    <a:p>
+                      <a:br>
+                        <a:rPr lang="ko-KR" altLang="en-US" dirty="0">
+                          <a:effectLst/>
+                        </a:rPr>
+                      </a:br>
+                      <a:endParaRPr lang="ko-KR" altLang="en-US" dirty="0">
+                        <a:effectLst/>
+                      </a:endParaRPr>
+                    </a:p>
+                  </a:txBody>
+                  <a:tcPr marL="64770" marR="64770" marT="17907" marB="17907" anchor="ctr"/>
+                </a:tc>
+                <a:extLst>
+                  <a:ext uri="{0D108BD9-81ED-4DB2-BD59-A6C34878D82A}">
+                    <a16:rowId xmlns:a16="http://schemas.microsoft.com/office/drawing/2014/main" val="694009494"/>
+                  </a:ext>
+                </a:extLst>
+              </a:tr>
+            </a:tbl>
+          </a:graphicData>
+        </a:graphic>
+      </p:graphicFrame>
+      <p:graphicFrame>
+        <p:nvGraphicFramePr>
+          <p:cNvPr id="10" name="표 10">
+            <a:extLst>
+              <a:ext uri="{FF2B5EF4-FFF2-40B4-BE49-F238E27FC236}">
+                <a16:creationId xmlns:a16="http://schemas.microsoft.com/office/drawing/2014/main" id="{D2C040ED-5860-48F1-A997-1DD4C417308E}"/>
+              </a:ext>
+            </a:extLst>
+          </p:cNvPr>
+          <p:cNvGraphicFramePr>
+            <a:graphicFrameLocks noGrp="1"/>
+          </p:cNvGraphicFramePr>
+          <p:nvPr>
+            <p:extLst>
+              <p:ext uri="{D42A27DB-BD31-4B8C-83A1-F6EECF244321}">
+                <p14:modId xmlns:p14="http://schemas.microsoft.com/office/powerpoint/2010/main" val="2697664717"/>
+              </p:ext>
+            </p:extLst>
+          </p:nvPr>
+        </p:nvGraphicFramePr>
+        <p:xfrm>
+          <a:off x="7082370" y="1779372"/>
+          <a:ext cx="4513524" cy="3836670"/>
+        </p:xfrm>
+        <a:graphic>
+          <a:graphicData uri="http://schemas.openxmlformats.org/drawingml/2006/table">
+            <a:tbl>
+              <a:tblPr firstRow="1" bandRow="1">
+                <a:tableStyleId>{5940675A-B579-460E-94D1-54222C63F5DA}</a:tableStyleId>
+              </a:tblPr>
+              <a:tblGrid>
+                <a:gridCol w="1504508">
+                  <a:extLst>
+                    <a:ext uri="{9D8B030D-6E8A-4147-A177-3AD203B41FA5}">
+                      <a16:colId xmlns:a16="http://schemas.microsoft.com/office/drawing/2014/main" val="798084911"/>
+                    </a:ext>
+                  </a:extLst>
+                </a:gridCol>
+                <a:gridCol w="1706300">
+                  <a:extLst>
+                    <a:ext uri="{9D8B030D-6E8A-4147-A177-3AD203B41FA5}">
+                      <a16:colId xmlns:a16="http://schemas.microsoft.com/office/drawing/2014/main" val="3701458913"/>
+                    </a:ext>
+                  </a:extLst>
+                </a:gridCol>
+                <a:gridCol w="1302716">
+                  <a:extLst>
+                    <a:ext uri="{9D8B030D-6E8A-4147-A177-3AD203B41FA5}">
+                      <a16:colId xmlns:a16="http://schemas.microsoft.com/office/drawing/2014/main" val="498058359"/>
+                    </a:ext>
+                  </a:extLst>
+                </a:gridCol>
+              </a:tblGrid>
+              <a:tr h="502115">
+                <a:tc>
+                  <a:txBody>
+                    <a:bodyPr/>
+                    <a:lstStyle/>
+                    <a:p>
+                      <a:pPr algn="ctr" latinLnBrk="1"/>
+                      <a:r>
+                        <a:rPr lang="en-US" altLang="ko-KR" dirty="0"/>
+                        <a:t>1</a:t>
+                      </a:r>
+                      <a:r>
+                        <a:rPr lang="ko-KR" altLang="en-US" dirty="0"/>
+                        <a:t>주차</a:t>
+                      </a:r>
+                      <a:endParaRPr lang="ko-KR" altLang="en-US" b="1" dirty="0">
+                        <a:latin typeface="HY견고딕" panose="02000600000101010101" pitchFamily="2" charset="-127"/>
+                        <a:ea typeface="HY견고딕" panose="02000600000101010101" pitchFamily="2" charset="-127"/>
+                      </a:endParaRPr>
+                    </a:p>
+                  </a:txBody>
+                  <a:tcPr/>
+                </a:tc>
+                <a:tc>
+                  <a:txBody>
+                    <a:bodyPr/>
+                    <a:lstStyle/>
+                    <a:p>
+                      <a:pPr algn="ctr" latinLnBrk="1"/>
+                      <a:r>
+                        <a:rPr lang="en-US" altLang="ko-KR" dirty="0"/>
+                        <a:t>2</a:t>
+                      </a:r>
+                      <a:r>
+                        <a:rPr lang="ko-KR" altLang="en-US" dirty="0"/>
+                        <a:t>주차</a:t>
+                      </a:r>
+                      <a:endParaRPr lang="ko-KR" altLang="en-US" b="1" dirty="0">
+                        <a:latin typeface="HY견고딕" panose="02000600000101010101" pitchFamily="2" charset="-127"/>
+                        <a:ea typeface="HY견고딕" panose="02000600000101010101" pitchFamily="2" charset="-127"/>
+                      </a:endParaRPr>
+                    </a:p>
+                  </a:txBody>
+                  <a:tcPr/>
+                </a:tc>
+                <a:tc>
+                  <a:txBody>
+                    <a:bodyPr/>
+                    <a:lstStyle/>
+                    <a:p>
+                      <a:pPr algn="ctr" latinLnBrk="1"/>
+                      <a:r>
+                        <a:rPr lang="en-US" altLang="ko-KR" dirty="0"/>
+                        <a:t>3</a:t>
+                      </a:r>
+                      <a:r>
+                        <a:rPr lang="ko-KR" altLang="en-US" dirty="0"/>
+                        <a:t>주차</a:t>
+                      </a:r>
+                      <a:endParaRPr lang="ko-KR" altLang="en-US" b="1" dirty="0">
+                        <a:latin typeface="HY견고딕" panose="02000600000101010101" pitchFamily="2" charset="-127"/>
+                        <a:ea typeface="HY견고딕" panose="02000600000101010101" pitchFamily="2" charset="-127"/>
+                      </a:endParaRPr>
+                    </a:p>
+                  </a:txBody>
+                  <a:tcPr/>
+                </a:tc>
+                <a:extLst>
+                  <a:ext uri="{0D108BD9-81ED-4DB2-BD59-A6C34878D82A}">
+                    <a16:rowId xmlns:a16="http://schemas.microsoft.com/office/drawing/2014/main" val="2209092653"/>
+                  </a:ext>
+                </a:extLst>
+              </a:tr>
+              <a:tr h="666911">
+                <a:tc>
+                  <a:txBody>
+                    <a:bodyPr/>
+                    <a:lstStyle/>
+                    <a:p>
+                      <a:pPr algn="ctr" latinLnBrk="1"/>
+                      <a:r>
+                        <a:rPr lang="ko-KR" altLang="en-US" dirty="0"/>
+                        <a:t>게임 컨셉</a:t>
+                      </a:r>
+                      <a:endParaRPr lang="en-US" altLang="ko-KR" dirty="0"/>
+                    </a:p>
+                    <a:p>
+                      <a:pPr algn="ctr" latinLnBrk="1"/>
+                      <a:r>
+                        <a:rPr lang="ko-KR" altLang="en-US" dirty="0"/>
+                        <a:t> 잡기</a:t>
+                      </a:r>
+                      <a:endParaRPr lang="en-US" altLang="ko-KR" b="1" dirty="0">
+                        <a:latin typeface="HY견고딕" panose="02000600000101010101" pitchFamily="2" charset="-127"/>
+                        <a:ea typeface="HY견고딕" panose="02000600000101010101" pitchFamily="2" charset="-127"/>
+                      </a:endParaRPr>
+                    </a:p>
+                  </a:txBody>
+                  <a:tcPr/>
+                </a:tc>
+                <a:tc>
+                  <a:txBody>
+                    <a:bodyPr/>
+                    <a:lstStyle/>
+                    <a:p>
+                      <a:pPr algn="ctr" latinLnBrk="1"/>
+                      <a:r>
+                        <a:rPr lang="ko-KR" altLang="en-US" dirty="0"/>
+                        <a:t>메뉴 만들기</a:t>
+                      </a:r>
+                      <a:endParaRPr lang="ko-KR" altLang="en-US" b="1" dirty="0">
+                        <a:latin typeface="HY견고딕" panose="02000600000101010101" pitchFamily="2" charset="-127"/>
+                        <a:ea typeface="HY견고딕" panose="02000600000101010101" pitchFamily="2" charset="-127"/>
+                      </a:endParaRPr>
+                    </a:p>
+                  </a:txBody>
+                  <a:tcPr/>
+                </a:tc>
+                <a:tc>
+                  <a:txBody>
+                    <a:bodyPr/>
+                    <a:lstStyle/>
+                    <a:p>
+                      <a:pPr algn="ctr" latinLnBrk="1"/>
+                      <a:r>
+                        <a:rPr lang="ko-KR" altLang="en-US" dirty="0"/>
+                        <a:t>이펙트 추가</a:t>
+                      </a:r>
+                      <a:endParaRPr lang="ko-KR" altLang="en-US" b="1" dirty="0">
+                        <a:latin typeface="HY견고딕" panose="02000600000101010101" pitchFamily="2" charset="-127"/>
+                        <a:ea typeface="HY견고딕" panose="02000600000101010101" pitchFamily="2" charset="-127"/>
+                      </a:endParaRPr>
+                    </a:p>
+                  </a:txBody>
+                  <a:tcPr/>
+                </a:tc>
+                <a:extLst>
+                  <a:ext uri="{0D108BD9-81ED-4DB2-BD59-A6C34878D82A}">
+                    <a16:rowId xmlns:a16="http://schemas.microsoft.com/office/drawing/2014/main" val="2978689036"/>
+                  </a:ext>
+                </a:extLst>
+              </a:tr>
+              <a:tr h="666911">
+                <a:tc>
+                  <a:txBody>
+                    <a:bodyPr/>
+                    <a:lstStyle/>
+                    <a:p>
+                      <a:pPr algn="ctr" latinLnBrk="1"/>
+                      <a:r>
+                        <a:rPr lang="ko-KR" altLang="en-US" dirty="0"/>
+                        <a:t>구현하려는 기능 정하기</a:t>
+                      </a:r>
+                      <a:endParaRPr lang="ko-KR" altLang="en-US" b="1" dirty="0">
+                        <a:latin typeface="HY견고딕" panose="02000600000101010101" pitchFamily="2" charset="-127"/>
+                        <a:ea typeface="HY견고딕" panose="02000600000101010101" pitchFamily="2" charset="-127"/>
+                      </a:endParaRPr>
+                    </a:p>
+                  </a:txBody>
+                  <a:tcPr/>
+                </a:tc>
+                <a:tc>
+                  <a:txBody>
+                    <a:bodyPr/>
+                    <a:lstStyle/>
+                    <a:p>
+                      <a:pPr algn="ctr" latinLnBrk="1"/>
+                      <a:r>
+                        <a:rPr lang="ko-KR" altLang="en-US" dirty="0"/>
+                        <a:t>맵 이동 구현</a:t>
+                      </a:r>
+                      <a:endParaRPr lang="ko-KR" altLang="en-US" b="1" dirty="0">
+                        <a:latin typeface="HY견고딕" panose="02000600000101010101" pitchFamily="2" charset="-127"/>
+                        <a:ea typeface="HY견고딕" panose="02000600000101010101" pitchFamily="2" charset="-127"/>
+                      </a:endParaRPr>
+                    </a:p>
+                  </a:txBody>
+                  <a:tcPr/>
+                </a:tc>
+                <a:tc>
+                  <a:txBody>
+                    <a:bodyPr/>
+                    <a:lstStyle/>
+                    <a:p>
+                      <a:pPr algn="ctr" latinLnBrk="1"/>
+                      <a:r>
+                        <a:rPr lang="ko-KR" altLang="en-US" dirty="0"/>
+                        <a:t>몬스터 생성</a:t>
+                      </a:r>
+                      <a:endParaRPr lang="ko-KR" altLang="en-US" b="1" dirty="0">
+                        <a:latin typeface="HY견고딕" panose="02000600000101010101" pitchFamily="2" charset="-127"/>
+                        <a:ea typeface="HY견고딕" panose="02000600000101010101" pitchFamily="2" charset="-127"/>
+                      </a:endParaRPr>
+                    </a:p>
+                  </a:txBody>
+                  <a:tcPr/>
+                </a:tc>
+                <a:extLst>
+                  <a:ext uri="{0D108BD9-81ED-4DB2-BD59-A6C34878D82A}">
+                    <a16:rowId xmlns:a16="http://schemas.microsoft.com/office/drawing/2014/main" val="3260269595"/>
+                  </a:ext>
+                </a:extLst>
+              </a:tr>
+              <a:tr h="666911">
+                <a:tc>
+                  <a:txBody>
+                    <a:bodyPr/>
+                    <a:lstStyle/>
+                    <a:p>
+                      <a:pPr algn="ctr" latinLnBrk="1"/>
+                      <a:r>
+                        <a:rPr lang="ko-KR" altLang="en-US" dirty="0"/>
+                        <a:t>맵 생성</a:t>
+                      </a:r>
+                      <a:endParaRPr lang="en-US" altLang="ko-KR" b="1" dirty="0">
+                        <a:latin typeface="HY견고딕" panose="02000600000101010101" pitchFamily="2" charset="-127"/>
+                        <a:ea typeface="HY견고딕" panose="02000600000101010101" pitchFamily="2" charset="-127"/>
+                      </a:endParaRPr>
+                    </a:p>
+                  </a:txBody>
+                  <a:tcPr/>
+                </a:tc>
+                <a:tc>
+                  <a:txBody>
+                    <a:bodyPr/>
+                    <a:lstStyle/>
+                    <a:p>
+                      <a:pPr algn="ctr" latinLnBrk="1"/>
+                      <a:r>
+                        <a:rPr lang="ko-KR" altLang="en-US" dirty="0" err="1"/>
+                        <a:t>체력바</a:t>
+                      </a:r>
+                      <a:r>
+                        <a:rPr lang="ko-KR" altLang="en-US" dirty="0"/>
+                        <a:t> 시스템 및  </a:t>
+                      </a:r>
+                      <a:r>
+                        <a:rPr lang="en-US" altLang="ko-KR" dirty="0"/>
+                        <a:t>UI</a:t>
+                      </a:r>
+                      <a:r>
+                        <a:rPr lang="ko-KR" altLang="en-US" dirty="0"/>
+                        <a:t> 생성</a:t>
+                      </a:r>
+                      <a:endParaRPr lang="ko-KR" altLang="en-US" b="1" dirty="0">
+                        <a:latin typeface="HY견고딕" panose="02000600000101010101" pitchFamily="2" charset="-127"/>
+                        <a:ea typeface="HY견고딕" panose="02000600000101010101" pitchFamily="2" charset="-127"/>
+                      </a:endParaRPr>
+                    </a:p>
+                  </a:txBody>
+                  <a:tcPr/>
+                </a:tc>
+                <a:tc>
+                  <a:txBody>
+                    <a:bodyPr/>
+                    <a:lstStyle/>
+                    <a:p>
+                      <a:pPr algn="ctr" latinLnBrk="1"/>
+                      <a:r>
+                        <a:rPr lang="ko-KR" altLang="en-US" dirty="0"/>
+                        <a:t>몬스터 랜덤 이동</a:t>
+                      </a:r>
+                      <a:endParaRPr lang="ko-KR" altLang="en-US" b="1" dirty="0">
+                        <a:latin typeface="HY견고딕" panose="02000600000101010101" pitchFamily="2" charset="-127"/>
+                        <a:ea typeface="HY견고딕" panose="02000600000101010101" pitchFamily="2" charset="-127"/>
+                      </a:endParaRPr>
+                    </a:p>
+                  </a:txBody>
+                  <a:tcPr/>
+                </a:tc>
+                <a:extLst>
+                  <a:ext uri="{0D108BD9-81ED-4DB2-BD59-A6C34878D82A}">
+                    <a16:rowId xmlns:a16="http://schemas.microsoft.com/office/drawing/2014/main" val="645930790"/>
+                  </a:ext>
+                </a:extLst>
+              </a:tr>
+              <a:tr h="666911">
+                <a:tc>
+                  <a:txBody>
+                    <a:bodyPr/>
+                    <a:lstStyle/>
+                    <a:p>
+                      <a:pPr algn="ctr" latinLnBrk="1"/>
+                      <a:r>
+                        <a:rPr lang="ko-KR" altLang="en-US" dirty="0"/>
+                        <a:t>제목 정하기</a:t>
+                      </a:r>
+                      <a:endParaRPr lang="ko-KR" altLang="en-US" b="1" dirty="0">
+                        <a:latin typeface="HY견고딕" panose="02000600000101010101" pitchFamily="2" charset="-127"/>
+                        <a:ea typeface="HY견고딕" panose="02000600000101010101" pitchFamily="2" charset="-127"/>
+                      </a:endParaRPr>
+                    </a:p>
+                  </a:txBody>
+                  <a:tcPr/>
+                </a:tc>
+                <a:tc>
+                  <a:txBody>
+                    <a:bodyPr/>
+                    <a:lstStyle/>
+                    <a:p>
+                      <a:pPr algn="ctr" latinLnBrk="1"/>
+                      <a:r>
+                        <a:rPr lang="ko-KR" altLang="en-US" dirty="0" err="1"/>
+                        <a:t>미니맵</a:t>
+                      </a:r>
+                      <a:r>
+                        <a:rPr lang="ko-KR" altLang="en-US" dirty="0"/>
+                        <a:t> 생성</a:t>
+                      </a:r>
+                      <a:endParaRPr lang="ko-KR" altLang="en-US" b="1" dirty="0">
+                        <a:latin typeface="HY견고딕" panose="02000600000101010101" pitchFamily="2" charset="-127"/>
+                        <a:ea typeface="HY견고딕" panose="02000600000101010101" pitchFamily="2" charset="-127"/>
+                      </a:endParaRPr>
+                    </a:p>
+                  </a:txBody>
+                  <a:tcPr/>
+                </a:tc>
+                <a:tc>
+                  <a:txBody>
+                    <a:bodyPr/>
+                    <a:lstStyle/>
+                    <a:p>
+                      <a:pPr algn="ctr" latinLnBrk="1"/>
+                      <a:r>
+                        <a:rPr lang="ko-KR" altLang="en-US" dirty="0"/>
+                        <a:t>발표자료 준비</a:t>
+                      </a:r>
+                      <a:endParaRPr lang="ko-KR" altLang="en-US" b="1" dirty="0">
+                        <a:latin typeface="HY견고딕" panose="02000600000101010101" pitchFamily="2" charset="-127"/>
+                        <a:ea typeface="HY견고딕" panose="02000600000101010101" pitchFamily="2" charset="-127"/>
+                      </a:endParaRPr>
+                    </a:p>
+                  </a:txBody>
+                  <a:tcPr/>
+                </a:tc>
+                <a:extLst>
+                  <a:ext uri="{0D108BD9-81ED-4DB2-BD59-A6C34878D82A}">
+                    <a16:rowId xmlns:a16="http://schemas.microsoft.com/office/drawing/2014/main" val="3868414996"/>
+                  </a:ext>
+                </a:extLst>
+              </a:tr>
+              <a:tr h="666911">
+                <a:tc>
+                  <a:txBody>
+                    <a:bodyPr/>
+                    <a:lstStyle/>
+                    <a:p>
+                      <a:pPr algn="ctr" latinLnBrk="1"/>
+                      <a:r>
+                        <a:rPr lang="ko-KR" altLang="en-US" dirty="0"/>
+                        <a:t>오브젝트</a:t>
+                      </a:r>
+                      <a:endParaRPr lang="en-US" altLang="ko-KR" dirty="0"/>
+                    </a:p>
+                    <a:p>
+                      <a:pPr algn="ctr" latinLnBrk="1"/>
+                      <a:r>
+                        <a:rPr lang="ko-KR" altLang="en-US" dirty="0"/>
+                        <a:t>랜덤 생성</a:t>
+                      </a:r>
+                      <a:endParaRPr lang="ko-KR" altLang="en-US" b="1" dirty="0">
+                        <a:latin typeface="HY견고딕" panose="02000600000101010101" pitchFamily="2" charset="-127"/>
+                        <a:ea typeface="HY견고딕" panose="02000600000101010101" pitchFamily="2" charset="-127"/>
+                      </a:endParaRPr>
+                    </a:p>
+                  </a:txBody>
+                  <a:tcPr/>
+                </a:tc>
+                <a:tc>
+                  <a:txBody>
+                    <a:bodyPr/>
+                    <a:lstStyle/>
+                    <a:p>
+                      <a:pPr algn="ctr" latinLnBrk="1"/>
+                      <a:endParaRPr lang="ko-KR" altLang="en-US" b="1" dirty="0">
+                        <a:latin typeface="HY견고딕" panose="02000600000101010101" pitchFamily="2" charset="-127"/>
+                        <a:ea typeface="HY견고딕" panose="02000600000101010101" pitchFamily="2" charset="-127"/>
+                      </a:endParaRPr>
+                    </a:p>
+                  </a:txBody>
+                  <a:tcPr/>
+                </a:tc>
+                <a:tc>
+                  <a:txBody>
+                    <a:bodyPr/>
+                    <a:lstStyle/>
+                    <a:p>
+                      <a:pPr algn="ctr" latinLnBrk="1"/>
+                      <a:endParaRPr lang="ko-KR" altLang="en-US" b="1" dirty="0">
+                        <a:latin typeface="HY견고딕" panose="02000600000101010101" pitchFamily="2" charset="-127"/>
+                        <a:ea typeface="HY견고딕" panose="02000600000101010101" pitchFamily="2" charset="-127"/>
+                      </a:endParaRPr>
+                    </a:p>
+                  </a:txBody>
+                  <a:tcPr/>
+                </a:tc>
+                <a:extLst>
+                  <a:ext uri="{0D108BD9-81ED-4DB2-BD59-A6C34878D82A}">
+                    <a16:rowId xmlns:a16="http://schemas.microsoft.com/office/drawing/2014/main" val="1203217800"/>
+                  </a:ext>
+                </a:extLst>
+              </a:tr>
+            </a:tbl>
+          </a:graphicData>
+        </a:graphic>
+      </p:graphicFrame>
+      <p:sp>
+        <p:nvSpPr>
+          <p:cNvPr id="12" name="TextBox 11">
+            <a:extLst>
+              <a:ext uri="{FF2B5EF4-FFF2-40B4-BE49-F238E27FC236}">
+                <a16:creationId xmlns:a16="http://schemas.microsoft.com/office/drawing/2014/main" id="{8432C2CE-1A39-438B-B2B4-DCC41322C464}"/>
+              </a:ext>
+            </a:extLst>
+          </p:cNvPr>
+          <p:cNvSpPr txBox="1"/>
+          <p:nvPr/>
+        </p:nvSpPr>
+        <p:spPr>
+          <a:xfrm>
+            <a:off x="6928434" y="1359242"/>
+            <a:ext cx="5844746" cy="646331"/>
+          </a:xfrm>
+          <a:prstGeom prst="rect">
+            <a:avLst/>
+          </a:prstGeom>
+          <a:noFill/>
+        </p:spPr>
+        <p:txBody>
+          <a:bodyPr wrap="square" rtlCol="0">
+            <a:spAutoFit/>
+          </a:bodyPr>
+          <a:lstStyle/>
+          <a:p>
+            <a:r>
+              <a:rPr lang="en-US" altLang="ko-KR" b="1" dirty="0"/>
+              <a:t>&lt;</a:t>
+            </a:r>
+            <a:r>
+              <a:rPr lang="ko-KR" altLang="en-US" b="1" dirty="0"/>
+              <a:t>프로젝트 일정</a:t>
+            </a:r>
+            <a:r>
+              <a:rPr lang="en-US" altLang="ko-KR" b="1" dirty="0"/>
+              <a:t>&gt;</a:t>
+            </a:r>
+          </a:p>
+          <a:p>
+            <a:r>
+              <a:rPr lang="en-US" altLang="ko-KR" b="1" dirty="0"/>
+              <a:t> </a:t>
+            </a:r>
           </a:p>
         </p:txBody>
       </p:sp>
@@ -7170,7 +10882,7 @@
           <a:lstStyle/>
           <a:p>
             <a:r>
-              <a:rPr lang="en-US" altLang="ko-KR" dirty="0" smtClean="0"/>
+              <a:rPr lang="en-US" altLang="ko-KR" dirty="0"/>
               <a:t>02</a:t>
             </a:r>
             <a:endParaRPr lang="ko-KR" altLang="en-US" dirty="0"/>
@@ -7206,10 +10918,9 @@
           <a:lstStyle/>
           <a:p>
             <a:r>
-              <a:rPr lang="ko-KR" altLang="en-US" dirty="0" smtClean="0"/>
+              <a:rPr lang="ko-KR" altLang="en-US" dirty="0"/>
               <a:t>구현 방법</a:t>
             </a:r>
-            <a:endParaRPr lang="ko-KR" altLang="en-US" dirty="0"/>
           </a:p>
         </p:txBody>
       </p:sp>
@@ -7262,7 +10973,7 @@
           </a:lstStyle>
           <a:p>
             <a:r>
-              <a:rPr lang="ko-KR" altLang="en-US" sz="1500" dirty="0" err="1" smtClean="0">
+              <a:rPr lang="ko-KR" altLang="en-US" sz="1500" dirty="0" err="1">
                 <a:solidFill>
                   <a:schemeClr val="tx1"/>
                 </a:solidFill>
@@ -7311,6 +11022,855 @@
           </a:p>
         </p:txBody>
       </p:sp>
+      <p:sp>
+        <p:nvSpPr>
+          <p:cNvPr id="2" name="사각형: 둥근 모서리 1">
+            <a:extLst>
+              <a:ext uri="{FF2B5EF4-FFF2-40B4-BE49-F238E27FC236}">
+                <a16:creationId xmlns:a16="http://schemas.microsoft.com/office/drawing/2014/main" id="{04DCE3CB-858E-490E-8F6D-97C15F44DC2E}"/>
+              </a:ext>
+            </a:extLst>
+          </p:cNvPr>
+          <p:cNvSpPr/>
+          <p:nvPr/>
+        </p:nvSpPr>
+        <p:spPr>
+          <a:xfrm>
+            <a:off x="1010483" y="1832163"/>
+            <a:ext cx="1405924" cy="951471"/>
+          </a:xfrm>
+          <a:prstGeom prst="roundRect">
+            <a:avLst/>
+          </a:prstGeom>
+        </p:spPr>
+        <p:style>
+          <a:lnRef idx="2">
+            <a:schemeClr val="accent1">
+              <a:shade val="50000"/>
+            </a:schemeClr>
+          </a:lnRef>
+          <a:fillRef idx="1">
+            <a:schemeClr val="accent1"/>
+          </a:fillRef>
+          <a:effectRef idx="0">
+            <a:schemeClr val="accent1"/>
+          </a:effectRef>
+          <a:fontRef idx="minor">
+            <a:schemeClr val="lt1"/>
+          </a:fontRef>
+        </p:style>
+        <p:txBody>
+          <a:bodyPr rtlCol="0" anchor="ctr"/>
+          <a:lstStyle/>
+          <a:p>
+            <a:pPr algn="ctr"/>
+            <a:r>
+              <a:rPr lang="ko-KR" altLang="en-US" b="1" dirty="0">
+                <a:solidFill>
+                  <a:srgbClr val="FFFFFF"/>
+                </a:solidFill>
+              </a:rPr>
+              <a:t>맵 생성</a:t>
+            </a:r>
+          </a:p>
+        </p:txBody>
+      </p:sp>
+      <p:sp>
+        <p:nvSpPr>
+          <p:cNvPr id="7" name="사각형: 둥근 모서리 6">
+            <a:extLst>
+              <a:ext uri="{FF2B5EF4-FFF2-40B4-BE49-F238E27FC236}">
+                <a16:creationId xmlns:a16="http://schemas.microsoft.com/office/drawing/2014/main" id="{3B34F057-7217-4D68-B021-B3D1BD9BFE03}"/>
+              </a:ext>
+            </a:extLst>
+          </p:cNvPr>
+          <p:cNvSpPr/>
+          <p:nvPr/>
+        </p:nvSpPr>
+        <p:spPr>
+          <a:xfrm>
+            <a:off x="3177007" y="1832164"/>
+            <a:ext cx="1405924" cy="951471"/>
+          </a:xfrm>
+          <a:prstGeom prst="roundRect">
+            <a:avLst/>
+          </a:prstGeom>
+        </p:spPr>
+        <p:style>
+          <a:lnRef idx="2">
+            <a:schemeClr val="accent1">
+              <a:shade val="50000"/>
+            </a:schemeClr>
+          </a:lnRef>
+          <a:fillRef idx="1">
+            <a:schemeClr val="accent1"/>
+          </a:fillRef>
+          <a:effectRef idx="0">
+            <a:schemeClr val="accent1"/>
+          </a:effectRef>
+          <a:fontRef idx="minor">
+            <a:schemeClr val="lt1"/>
+          </a:fontRef>
+        </p:style>
+        <p:txBody>
+          <a:bodyPr rtlCol="0" anchor="ctr"/>
+          <a:lstStyle/>
+          <a:p>
+            <a:pPr algn="ctr"/>
+            <a:r>
+              <a:rPr lang="ko-KR" altLang="en-US" b="1" dirty="0" err="1">
+                <a:solidFill>
+                  <a:srgbClr val="FFFFFF"/>
+                </a:solidFill>
+              </a:rPr>
+              <a:t>미니맵</a:t>
+            </a:r>
+            <a:r>
+              <a:rPr lang="ko-KR" altLang="en-US" b="1" dirty="0">
+                <a:solidFill>
+                  <a:srgbClr val="FFFFFF"/>
+                </a:solidFill>
+              </a:rPr>
+              <a:t> </a:t>
+            </a:r>
+            <a:endParaRPr lang="en-US" altLang="ko-KR" b="1" dirty="0">
+              <a:solidFill>
+                <a:srgbClr val="FFFFFF"/>
+              </a:solidFill>
+            </a:endParaRPr>
+          </a:p>
+          <a:p>
+            <a:pPr algn="ctr"/>
+            <a:r>
+              <a:rPr lang="ko-KR" altLang="en-US" b="1" dirty="0">
+                <a:solidFill>
+                  <a:srgbClr val="FFFFFF"/>
+                </a:solidFill>
+              </a:rPr>
+              <a:t>생성</a:t>
+            </a:r>
+          </a:p>
+        </p:txBody>
+      </p:sp>
+      <p:sp>
+        <p:nvSpPr>
+          <p:cNvPr id="8" name="사각형: 둥근 모서리 7">
+            <a:extLst>
+              <a:ext uri="{FF2B5EF4-FFF2-40B4-BE49-F238E27FC236}">
+                <a16:creationId xmlns:a16="http://schemas.microsoft.com/office/drawing/2014/main" id="{86E0D4A6-FD44-4547-89F0-A8126628FE14}"/>
+              </a:ext>
+            </a:extLst>
+          </p:cNvPr>
+          <p:cNvSpPr/>
+          <p:nvPr/>
+        </p:nvSpPr>
+        <p:spPr>
+          <a:xfrm>
+            <a:off x="1010483" y="3247770"/>
+            <a:ext cx="1405924" cy="951471"/>
+          </a:xfrm>
+          <a:prstGeom prst="roundRect">
+            <a:avLst/>
+          </a:prstGeom>
+        </p:spPr>
+        <p:style>
+          <a:lnRef idx="2">
+            <a:schemeClr val="accent1">
+              <a:shade val="50000"/>
+            </a:schemeClr>
+          </a:lnRef>
+          <a:fillRef idx="1">
+            <a:schemeClr val="accent1"/>
+          </a:fillRef>
+          <a:effectRef idx="0">
+            <a:schemeClr val="accent1"/>
+          </a:effectRef>
+          <a:fontRef idx="minor">
+            <a:schemeClr val="lt1"/>
+          </a:fontRef>
+        </p:style>
+        <p:txBody>
+          <a:bodyPr rtlCol="0" anchor="ctr"/>
+          <a:lstStyle/>
+          <a:p>
+            <a:pPr algn="ctr"/>
+            <a:r>
+              <a:rPr lang="en-US" altLang="ko-KR" b="1" dirty="0">
+                <a:solidFill>
+                  <a:srgbClr val="FFFFFF"/>
+                </a:solidFill>
+              </a:rPr>
+              <a:t>UI </a:t>
+            </a:r>
+            <a:r>
+              <a:rPr lang="ko-KR" altLang="en-US" b="1" dirty="0">
+                <a:solidFill>
+                  <a:srgbClr val="FFFFFF"/>
+                </a:solidFill>
+              </a:rPr>
+              <a:t>배치</a:t>
+            </a:r>
+          </a:p>
+        </p:txBody>
+      </p:sp>
+      <p:sp>
+        <p:nvSpPr>
+          <p:cNvPr id="9" name="사각형: 둥근 모서리 8">
+            <a:extLst>
+              <a:ext uri="{FF2B5EF4-FFF2-40B4-BE49-F238E27FC236}">
+                <a16:creationId xmlns:a16="http://schemas.microsoft.com/office/drawing/2014/main" id="{7215652B-27DA-4218-A666-42408AC9A246}"/>
+              </a:ext>
+            </a:extLst>
+          </p:cNvPr>
+          <p:cNvSpPr/>
+          <p:nvPr/>
+        </p:nvSpPr>
+        <p:spPr>
+          <a:xfrm>
+            <a:off x="3167422" y="3247770"/>
+            <a:ext cx="1405924" cy="951471"/>
+          </a:xfrm>
+          <a:prstGeom prst="roundRect">
+            <a:avLst/>
+          </a:prstGeom>
+        </p:spPr>
+        <p:style>
+          <a:lnRef idx="2">
+            <a:schemeClr val="accent1">
+              <a:shade val="50000"/>
+            </a:schemeClr>
+          </a:lnRef>
+          <a:fillRef idx="1">
+            <a:schemeClr val="accent1"/>
+          </a:fillRef>
+          <a:effectRef idx="0">
+            <a:schemeClr val="accent1"/>
+          </a:effectRef>
+          <a:fontRef idx="minor">
+            <a:schemeClr val="lt1"/>
+          </a:fontRef>
+        </p:style>
+        <p:txBody>
+          <a:bodyPr rtlCol="0" anchor="ctr"/>
+          <a:lstStyle/>
+          <a:p>
+            <a:pPr algn="ctr"/>
+            <a:r>
+              <a:rPr lang="ko-KR" altLang="en-US" b="1" dirty="0">
+                <a:solidFill>
+                  <a:srgbClr val="FFFFFF"/>
+                </a:solidFill>
+              </a:rPr>
+              <a:t>이펙트</a:t>
+            </a:r>
+            <a:endParaRPr lang="en-US" altLang="ko-KR" b="1" dirty="0">
+              <a:solidFill>
+                <a:srgbClr val="FFFFFF"/>
+              </a:solidFill>
+            </a:endParaRPr>
+          </a:p>
+          <a:p>
+            <a:pPr algn="ctr"/>
+            <a:r>
+              <a:rPr lang="ko-KR" altLang="en-US" b="1" dirty="0">
+                <a:solidFill>
+                  <a:srgbClr val="FFFFFF"/>
+                </a:solidFill>
+              </a:rPr>
+              <a:t>추가</a:t>
+            </a:r>
+          </a:p>
+        </p:txBody>
+      </p:sp>
+      <p:sp>
+        <p:nvSpPr>
+          <p:cNvPr id="10" name="사각형: 둥근 모서리 9">
+            <a:extLst>
+              <a:ext uri="{FF2B5EF4-FFF2-40B4-BE49-F238E27FC236}">
+                <a16:creationId xmlns:a16="http://schemas.microsoft.com/office/drawing/2014/main" id="{EB71225B-DC0E-4A1E-BCE1-64AA1C00765F}"/>
+              </a:ext>
+            </a:extLst>
+          </p:cNvPr>
+          <p:cNvSpPr/>
+          <p:nvPr/>
+        </p:nvSpPr>
+        <p:spPr>
+          <a:xfrm>
+            <a:off x="7618655" y="3247770"/>
+            <a:ext cx="1405924" cy="951471"/>
+          </a:xfrm>
+          <a:prstGeom prst="roundRect">
+            <a:avLst/>
+          </a:prstGeom>
+        </p:spPr>
+        <p:style>
+          <a:lnRef idx="2">
+            <a:schemeClr val="accent1">
+              <a:shade val="50000"/>
+            </a:schemeClr>
+          </a:lnRef>
+          <a:fillRef idx="1">
+            <a:schemeClr val="accent1"/>
+          </a:fillRef>
+          <a:effectRef idx="0">
+            <a:schemeClr val="accent1"/>
+          </a:effectRef>
+          <a:fontRef idx="minor">
+            <a:schemeClr val="lt1"/>
+          </a:fontRef>
+        </p:style>
+        <p:txBody>
+          <a:bodyPr rtlCol="0" anchor="ctr"/>
+          <a:lstStyle/>
+          <a:p>
+            <a:pPr algn="ctr"/>
+            <a:r>
+              <a:rPr lang="ko-KR" altLang="en-US" b="1" dirty="0">
+                <a:solidFill>
+                  <a:srgbClr val="FFFFFF"/>
+                </a:solidFill>
+              </a:rPr>
+              <a:t>게임</a:t>
+            </a:r>
+          </a:p>
+        </p:txBody>
+      </p:sp>
+      <p:sp>
+        <p:nvSpPr>
+          <p:cNvPr id="11" name="사각형: 둥근 모서리 10">
+            <a:extLst>
+              <a:ext uri="{FF2B5EF4-FFF2-40B4-BE49-F238E27FC236}">
+                <a16:creationId xmlns:a16="http://schemas.microsoft.com/office/drawing/2014/main" id="{2FF80A08-A5D6-4A8E-8B13-E352C73E371A}"/>
+              </a:ext>
+            </a:extLst>
+          </p:cNvPr>
+          <p:cNvSpPr/>
+          <p:nvPr/>
+        </p:nvSpPr>
+        <p:spPr>
+          <a:xfrm>
+            <a:off x="5299676" y="3247770"/>
+            <a:ext cx="1405924" cy="951471"/>
+          </a:xfrm>
+          <a:prstGeom prst="roundRect">
+            <a:avLst/>
+          </a:prstGeom>
+        </p:spPr>
+        <p:style>
+          <a:lnRef idx="2">
+            <a:schemeClr val="accent1">
+              <a:shade val="50000"/>
+            </a:schemeClr>
+          </a:lnRef>
+          <a:fillRef idx="1">
+            <a:schemeClr val="accent1"/>
+          </a:fillRef>
+          <a:effectRef idx="0">
+            <a:schemeClr val="accent1"/>
+          </a:effectRef>
+          <a:fontRef idx="minor">
+            <a:schemeClr val="lt1"/>
+          </a:fontRef>
+        </p:style>
+        <p:txBody>
+          <a:bodyPr rtlCol="0" anchor="ctr"/>
+          <a:lstStyle/>
+          <a:p>
+            <a:pPr algn="ctr"/>
+            <a:r>
+              <a:rPr lang="ko-KR" altLang="en-US" b="1" dirty="0">
+                <a:solidFill>
+                  <a:srgbClr val="FFFFFF"/>
+                </a:solidFill>
+              </a:rPr>
+              <a:t>메뉴 </a:t>
+            </a:r>
+            <a:endParaRPr lang="en-US" altLang="ko-KR" b="1" dirty="0">
+              <a:solidFill>
+                <a:srgbClr val="FFFFFF"/>
+              </a:solidFill>
+            </a:endParaRPr>
+          </a:p>
+          <a:p>
+            <a:pPr algn="ctr"/>
+            <a:r>
+              <a:rPr lang="ko-KR" altLang="en-US" b="1" dirty="0">
+                <a:solidFill>
+                  <a:srgbClr val="FFFFFF"/>
+                </a:solidFill>
+              </a:rPr>
+              <a:t>생성</a:t>
+            </a:r>
+          </a:p>
+        </p:txBody>
+      </p:sp>
+      <p:sp>
+        <p:nvSpPr>
+          <p:cNvPr id="12" name="사각형: 둥근 모서리 11">
+            <a:extLst>
+              <a:ext uri="{FF2B5EF4-FFF2-40B4-BE49-F238E27FC236}">
+                <a16:creationId xmlns:a16="http://schemas.microsoft.com/office/drawing/2014/main" id="{986708FE-E815-443C-8483-74D9EE861A75}"/>
+              </a:ext>
+            </a:extLst>
+          </p:cNvPr>
+          <p:cNvSpPr/>
+          <p:nvPr/>
+        </p:nvSpPr>
+        <p:spPr>
+          <a:xfrm>
+            <a:off x="5299676" y="1801269"/>
+            <a:ext cx="1405924" cy="951471"/>
+          </a:xfrm>
+          <a:prstGeom prst="roundRect">
+            <a:avLst/>
+          </a:prstGeom>
+        </p:spPr>
+        <p:style>
+          <a:lnRef idx="2">
+            <a:schemeClr val="accent1">
+              <a:shade val="50000"/>
+            </a:schemeClr>
+          </a:lnRef>
+          <a:fillRef idx="1">
+            <a:schemeClr val="accent1"/>
+          </a:fillRef>
+          <a:effectRef idx="0">
+            <a:schemeClr val="accent1"/>
+          </a:effectRef>
+          <a:fontRef idx="minor">
+            <a:schemeClr val="lt1"/>
+          </a:fontRef>
+        </p:style>
+        <p:txBody>
+          <a:bodyPr rtlCol="0" anchor="ctr"/>
+          <a:lstStyle/>
+          <a:p>
+            <a:pPr algn="ctr"/>
+            <a:r>
+              <a:rPr lang="ko-KR" altLang="en-US" b="1" dirty="0">
+                <a:solidFill>
+                  <a:srgbClr val="FFFFFF"/>
+                </a:solidFill>
+              </a:rPr>
+              <a:t>오브젝트</a:t>
+            </a:r>
+            <a:endParaRPr lang="en-US" altLang="ko-KR" b="1" dirty="0">
+              <a:solidFill>
+                <a:srgbClr val="FFFFFF"/>
+              </a:solidFill>
+            </a:endParaRPr>
+          </a:p>
+          <a:p>
+            <a:pPr algn="ctr"/>
+            <a:r>
+              <a:rPr lang="ko-KR" altLang="en-US" b="1" dirty="0">
+                <a:solidFill>
+                  <a:srgbClr val="FFFFFF"/>
+                </a:solidFill>
+              </a:rPr>
+              <a:t>배치</a:t>
+            </a:r>
+            <a:endParaRPr lang="en-US" altLang="ko-KR" b="1" dirty="0">
+              <a:solidFill>
+                <a:srgbClr val="FFFFFF"/>
+              </a:solidFill>
+            </a:endParaRPr>
+          </a:p>
+        </p:txBody>
+      </p:sp>
+      <p:sp>
+        <p:nvSpPr>
+          <p:cNvPr id="13" name="사각형: 둥근 모서리 12">
+            <a:extLst>
+              <a:ext uri="{FF2B5EF4-FFF2-40B4-BE49-F238E27FC236}">
+                <a16:creationId xmlns:a16="http://schemas.microsoft.com/office/drawing/2014/main" id="{99AEADB7-2E19-4E6E-AB09-90A5DF3F9A87}"/>
+              </a:ext>
+            </a:extLst>
+          </p:cNvPr>
+          <p:cNvSpPr/>
+          <p:nvPr/>
+        </p:nvSpPr>
+        <p:spPr>
+          <a:xfrm>
+            <a:off x="7618655" y="1816441"/>
+            <a:ext cx="1405924" cy="951471"/>
+          </a:xfrm>
+          <a:prstGeom prst="roundRect">
+            <a:avLst/>
+          </a:prstGeom>
+        </p:spPr>
+        <p:style>
+          <a:lnRef idx="2">
+            <a:schemeClr val="accent1">
+              <a:shade val="50000"/>
+            </a:schemeClr>
+          </a:lnRef>
+          <a:fillRef idx="1">
+            <a:schemeClr val="accent1"/>
+          </a:fillRef>
+          <a:effectRef idx="0">
+            <a:schemeClr val="accent1"/>
+          </a:effectRef>
+          <a:fontRef idx="minor">
+            <a:schemeClr val="lt1"/>
+          </a:fontRef>
+        </p:style>
+        <p:txBody>
+          <a:bodyPr rtlCol="0" anchor="ctr"/>
+          <a:lstStyle/>
+          <a:p>
+            <a:pPr algn="ctr"/>
+            <a:r>
+              <a:rPr lang="ko-KR" altLang="en-US" b="1" dirty="0">
+                <a:solidFill>
+                  <a:srgbClr val="FFFFFF"/>
+                </a:solidFill>
+              </a:rPr>
+              <a:t>몬스터 </a:t>
+            </a:r>
+            <a:endParaRPr lang="en-US" altLang="ko-KR" b="1" dirty="0">
+              <a:solidFill>
+                <a:srgbClr val="FFFFFF"/>
+              </a:solidFill>
+            </a:endParaRPr>
+          </a:p>
+          <a:p>
+            <a:pPr algn="ctr"/>
+            <a:r>
+              <a:rPr lang="ko-KR" altLang="en-US" b="1" dirty="0">
+                <a:solidFill>
+                  <a:srgbClr val="FFFFFF"/>
+                </a:solidFill>
+              </a:rPr>
+              <a:t>생성</a:t>
+            </a:r>
+          </a:p>
+        </p:txBody>
+      </p:sp>
+      <p:cxnSp>
+        <p:nvCxnSpPr>
+          <p:cNvPr id="15" name="직선 화살표 연결선 14">
+            <a:extLst>
+              <a:ext uri="{FF2B5EF4-FFF2-40B4-BE49-F238E27FC236}">
+                <a16:creationId xmlns:a16="http://schemas.microsoft.com/office/drawing/2014/main" id="{D5DC99BD-7E19-4462-A546-ECCB555E69DE}"/>
+              </a:ext>
+            </a:extLst>
+          </p:cNvPr>
+          <p:cNvCxnSpPr>
+            <a:cxnSpLocks/>
+            <a:stCxn id="2" idx="3"/>
+            <a:endCxn id="7" idx="1"/>
+          </p:cNvCxnSpPr>
+          <p:nvPr/>
+        </p:nvCxnSpPr>
+        <p:spPr>
+          <a:xfrm>
+            <a:off x="2416407" y="2307899"/>
+            <a:ext cx="760600" cy="1"/>
+          </a:xfrm>
+          <a:prstGeom prst="straightConnector1">
+            <a:avLst/>
+          </a:prstGeom>
+          <a:ln>
+            <a:tailEnd type="triangle"/>
+          </a:ln>
+        </p:spPr>
+        <p:style>
+          <a:lnRef idx="2">
+            <a:schemeClr val="dk1"/>
+          </a:lnRef>
+          <a:fillRef idx="0">
+            <a:schemeClr val="dk1"/>
+          </a:fillRef>
+          <a:effectRef idx="1">
+            <a:schemeClr val="dk1"/>
+          </a:effectRef>
+          <a:fontRef idx="minor">
+            <a:schemeClr val="tx1"/>
+          </a:fontRef>
+        </p:style>
+      </p:cxnSp>
+      <p:cxnSp>
+        <p:nvCxnSpPr>
+          <p:cNvPr id="16" name="직선 화살표 연결선 15">
+            <a:extLst>
+              <a:ext uri="{FF2B5EF4-FFF2-40B4-BE49-F238E27FC236}">
+                <a16:creationId xmlns:a16="http://schemas.microsoft.com/office/drawing/2014/main" id="{C9DAA96A-7EFB-4F0F-81BD-7DF4B0029310}"/>
+              </a:ext>
+            </a:extLst>
+          </p:cNvPr>
+          <p:cNvCxnSpPr>
+            <a:cxnSpLocks/>
+            <a:endCxn id="12" idx="1"/>
+          </p:cNvCxnSpPr>
+          <p:nvPr/>
+        </p:nvCxnSpPr>
+        <p:spPr>
+          <a:xfrm flipV="1">
+            <a:off x="4573346" y="2277005"/>
+            <a:ext cx="726330" cy="18538"/>
+          </a:xfrm>
+          <a:prstGeom prst="straightConnector1">
+            <a:avLst/>
+          </a:prstGeom>
+          <a:ln>
+            <a:tailEnd type="triangle"/>
+          </a:ln>
+        </p:spPr>
+        <p:style>
+          <a:lnRef idx="2">
+            <a:schemeClr val="dk1"/>
+          </a:lnRef>
+          <a:fillRef idx="0">
+            <a:schemeClr val="dk1"/>
+          </a:fillRef>
+          <a:effectRef idx="1">
+            <a:schemeClr val="dk1"/>
+          </a:effectRef>
+          <a:fontRef idx="minor">
+            <a:schemeClr val="tx1"/>
+          </a:fontRef>
+        </p:style>
+      </p:cxnSp>
+      <p:cxnSp>
+        <p:nvCxnSpPr>
+          <p:cNvPr id="21" name="직선 화살표 연결선 20">
+            <a:extLst>
+              <a:ext uri="{FF2B5EF4-FFF2-40B4-BE49-F238E27FC236}">
+                <a16:creationId xmlns:a16="http://schemas.microsoft.com/office/drawing/2014/main" id="{D2750C19-AA3E-4DBC-A0EB-0B2CD5CC1829}"/>
+              </a:ext>
+            </a:extLst>
+          </p:cNvPr>
+          <p:cNvCxnSpPr>
+            <a:cxnSpLocks/>
+            <a:endCxn id="13" idx="1"/>
+          </p:cNvCxnSpPr>
+          <p:nvPr/>
+        </p:nvCxnSpPr>
+        <p:spPr>
+          <a:xfrm>
+            <a:off x="6711117" y="2292177"/>
+            <a:ext cx="907538" cy="0"/>
+          </a:xfrm>
+          <a:prstGeom prst="straightConnector1">
+            <a:avLst/>
+          </a:prstGeom>
+          <a:ln>
+            <a:tailEnd type="triangle"/>
+          </a:ln>
+        </p:spPr>
+        <p:style>
+          <a:lnRef idx="2">
+            <a:schemeClr val="dk1"/>
+          </a:lnRef>
+          <a:fillRef idx="0">
+            <a:schemeClr val="dk1"/>
+          </a:fillRef>
+          <a:effectRef idx="1">
+            <a:schemeClr val="dk1"/>
+          </a:effectRef>
+          <a:fontRef idx="minor">
+            <a:schemeClr val="tx1"/>
+          </a:fontRef>
+        </p:style>
+      </p:cxnSp>
+      <p:cxnSp>
+        <p:nvCxnSpPr>
+          <p:cNvPr id="23" name="직선 화살표 연결선 22">
+            <a:extLst>
+              <a:ext uri="{FF2B5EF4-FFF2-40B4-BE49-F238E27FC236}">
+                <a16:creationId xmlns:a16="http://schemas.microsoft.com/office/drawing/2014/main" id="{C7863D34-045B-421B-9781-DC42F224AA2B}"/>
+              </a:ext>
+            </a:extLst>
+          </p:cNvPr>
+          <p:cNvCxnSpPr/>
+          <p:nvPr/>
+        </p:nvCxnSpPr>
+        <p:spPr>
+          <a:xfrm>
+            <a:off x="2421924" y="2292179"/>
+            <a:ext cx="745499" cy="15721"/>
+          </a:xfrm>
+          <a:prstGeom prst="straightConnector1">
+            <a:avLst/>
+          </a:prstGeom>
+          <a:ln>
+            <a:tailEnd type="triangle"/>
+          </a:ln>
+        </p:spPr>
+        <p:style>
+          <a:lnRef idx="2">
+            <a:schemeClr val="dk1"/>
+          </a:lnRef>
+          <a:fillRef idx="0">
+            <a:schemeClr val="dk1"/>
+          </a:fillRef>
+          <a:effectRef idx="1">
+            <a:schemeClr val="dk1"/>
+          </a:effectRef>
+          <a:fontRef idx="minor">
+            <a:schemeClr val="tx1"/>
+          </a:fontRef>
+        </p:style>
+      </p:cxnSp>
+      <p:cxnSp>
+        <p:nvCxnSpPr>
+          <p:cNvPr id="24" name="직선 화살표 연결선 23">
+            <a:extLst>
+              <a:ext uri="{FF2B5EF4-FFF2-40B4-BE49-F238E27FC236}">
+                <a16:creationId xmlns:a16="http://schemas.microsoft.com/office/drawing/2014/main" id="{4F0AA4A5-BC4D-4324-B49D-E52931CE7303}"/>
+              </a:ext>
+            </a:extLst>
+          </p:cNvPr>
+          <p:cNvCxnSpPr>
+            <a:cxnSpLocks/>
+          </p:cNvCxnSpPr>
+          <p:nvPr/>
+        </p:nvCxnSpPr>
+        <p:spPr>
+          <a:xfrm>
+            <a:off x="6758473" y="3715440"/>
+            <a:ext cx="860182" cy="39507"/>
+          </a:xfrm>
+          <a:prstGeom prst="straightConnector1">
+            <a:avLst/>
+          </a:prstGeom>
+          <a:ln>
+            <a:tailEnd type="triangle"/>
+          </a:ln>
+        </p:spPr>
+        <p:style>
+          <a:lnRef idx="2">
+            <a:schemeClr val="dk1"/>
+          </a:lnRef>
+          <a:fillRef idx="0">
+            <a:schemeClr val="dk1"/>
+          </a:fillRef>
+          <a:effectRef idx="1">
+            <a:schemeClr val="dk1"/>
+          </a:effectRef>
+          <a:fontRef idx="minor">
+            <a:schemeClr val="tx1"/>
+          </a:fontRef>
+        </p:style>
+      </p:cxnSp>
+      <p:cxnSp>
+        <p:nvCxnSpPr>
+          <p:cNvPr id="25" name="직선 화살표 연결선 24">
+            <a:extLst>
+              <a:ext uri="{FF2B5EF4-FFF2-40B4-BE49-F238E27FC236}">
+                <a16:creationId xmlns:a16="http://schemas.microsoft.com/office/drawing/2014/main" id="{AA2F9E92-44FD-41DA-94ED-71F23E76178B}"/>
+              </a:ext>
+            </a:extLst>
+          </p:cNvPr>
+          <p:cNvCxnSpPr/>
+          <p:nvPr/>
+        </p:nvCxnSpPr>
+        <p:spPr>
+          <a:xfrm>
+            <a:off x="4578862" y="3719937"/>
+            <a:ext cx="745499" cy="15721"/>
+          </a:xfrm>
+          <a:prstGeom prst="straightConnector1">
+            <a:avLst/>
+          </a:prstGeom>
+          <a:ln>
+            <a:tailEnd type="triangle"/>
+          </a:ln>
+        </p:spPr>
+        <p:style>
+          <a:lnRef idx="2">
+            <a:schemeClr val="dk1"/>
+          </a:lnRef>
+          <a:fillRef idx="0">
+            <a:schemeClr val="dk1"/>
+          </a:fillRef>
+          <a:effectRef idx="1">
+            <a:schemeClr val="dk1"/>
+          </a:effectRef>
+          <a:fontRef idx="minor">
+            <a:schemeClr val="tx1"/>
+          </a:fontRef>
+        </p:style>
+      </p:cxnSp>
+      <p:cxnSp>
+        <p:nvCxnSpPr>
+          <p:cNvPr id="26" name="직선 화살표 연결선 25">
+            <a:extLst>
+              <a:ext uri="{FF2B5EF4-FFF2-40B4-BE49-F238E27FC236}">
+                <a16:creationId xmlns:a16="http://schemas.microsoft.com/office/drawing/2014/main" id="{C98949A3-64FA-4C2A-8B6B-A66D1F20F0EF}"/>
+              </a:ext>
+            </a:extLst>
+          </p:cNvPr>
+          <p:cNvCxnSpPr/>
+          <p:nvPr/>
+        </p:nvCxnSpPr>
+        <p:spPr>
+          <a:xfrm>
+            <a:off x="2431508" y="3739226"/>
+            <a:ext cx="745499" cy="15721"/>
+          </a:xfrm>
+          <a:prstGeom prst="straightConnector1">
+            <a:avLst/>
+          </a:prstGeom>
+          <a:ln>
+            <a:tailEnd type="triangle"/>
+          </a:ln>
+        </p:spPr>
+        <p:style>
+          <a:lnRef idx="2">
+            <a:schemeClr val="dk1"/>
+          </a:lnRef>
+          <a:fillRef idx="0">
+            <a:schemeClr val="dk1"/>
+          </a:fillRef>
+          <a:effectRef idx="1">
+            <a:schemeClr val="dk1"/>
+          </a:effectRef>
+          <a:fontRef idx="minor">
+            <a:schemeClr val="tx1"/>
+          </a:fontRef>
+        </p:style>
+      </p:cxnSp>
+      <p:cxnSp>
+        <p:nvCxnSpPr>
+          <p:cNvPr id="27" name="직선 화살표 연결선 26">
+            <a:extLst>
+              <a:ext uri="{FF2B5EF4-FFF2-40B4-BE49-F238E27FC236}">
+                <a16:creationId xmlns:a16="http://schemas.microsoft.com/office/drawing/2014/main" id="{EB2D6D5A-4E1F-490D-8829-9CACB339CE0E}"/>
+              </a:ext>
+            </a:extLst>
+          </p:cNvPr>
+          <p:cNvCxnSpPr/>
+          <p:nvPr/>
+        </p:nvCxnSpPr>
+        <p:spPr>
+          <a:xfrm>
+            <a:off x="264984" y="3723505"/>
+            <a:ext cx="745499" cy="15721"/>
+          </a:xfrm>
+          <a:prstGeom prst="straightConnector1">
+            <a:avLst/>
+          </a:prstGeom>
+          <a:ln>
+            <a:tailEnd type="triangle"/>
+          </a:ln>
+        </p:spPr>
+        <p:style>
+          <a:lnRef idx="2">
+            <a:schemeClr val="dk1"/>
+          </a:lnRef>
+          <a:fillRef idx="0">
+            <a:schemeClr val="dk1"/>
+          </a:fillRef>
+          <a:effectRef idx="1">
+            <a:schemeClr val="dk1"/>
+          </a:effectRef>
+          <a:fontRef idx="minor">
+            <a:schemeClr val="tx1"/>
+          </a:fontRef>
+        </p:style>
+      </p:cxnSp>
     </p:spTree>
     <p:extLst>
       <p:ext uri="{BB962C8B-B14F-4D97-AF65-F5344CB8AC3E}">
@@ -7372,130 +11932,6 @@
       </p:sp>
       <p:sp>
         <p:nvSpPr>
-          <p:cNvPr id="5" name="슬라이드 번호 개체 틀 4">
-            <a:extLst>
-              <a:ext uri="{FF2B5EF4-FFF2-40B4-BE49-F238E27FC236}">
-                <a16:creationId xmlns:a16="http://schemas.microsoft.com/office/drawing/2014/main" id="{5B7FEC6C-4B6D-4CA4-A11B-BFB37449A6BC}"/>
-              </a:ext>
-            </a:extLst>
-          </p:cNvPr>
-          <p:cNvSpPr>
-            <a:spLocks noGrp="1"/>
-          </p:cNvSpPr>
-          <p:nvPr>
-            <p:ph type="sldNum" sz="quarter" idx="12"/>
-          </p:nvPr>
-        </p:nvSpPr>
-        <p:spPr/>
-        <p:txBody>
-          <a:bodyPr/>
-          <a:lstStyle/>
-          <a:p>
-            <a:r>
-              <a:rPr lang="en-US" altLang="ko-KR" dirty="0"/>
-              <a:t>7</a:t>
-            </a:r>
-            <a:endParaRPr lang="ko-KR" altLang="en-US" dirty="0"/>
-          </a:p>
-        </p:txBody>
-      </p:sp>
-      <p:sp>
-        <p:nvSpPr>
-          <p:cNvPr id="91" name="제목 5">
-            <a:extLst>
-              <a:ext uri="{FF2B5EF4-FFF2-40B4-BE49-F238E27FC236}">
-                <a16:creationId xmlns:a16="http://schemas.microsoft.com/office/drawing/2014/main" id="{428F3563-8186-46AC-AC73-D50A96369D9F}"/>
-              </a:ext>
-            </a:extLst>
-          </p:cNvPr>
-          <p:cNvSpPr>
-            <a:spLocks noGrp="1"/>
-          </p:cNvSpPr>
-          <p:nvPr>
-            <p:ph type="title"/>
-          </p:nvPr>
-        </p:nvSpPr>
-        <p:spPr>
-          <a:xfrm>
-            <a:off x="1773856" y="515179"/>
-            <a:ext cx="4931744" cy="616017"/>
-          </a:xfrm>
-        </p:spPr>
-        <p:txBody>
-          <a:bodyPr>
-            <a:normAutofit/>
-          </a:bodyPr>
-          <a:lstStyle/>
-          <a:p>
-            <a:r>
-              <a:rPr lang="ko-KR" altLang="en-US" dirty="0" smtClean="0"/>
-              <a:t>플레이 영상</a:t>
-            </a:r>
-            <a:endParaRPr lang="ko-KR" altLang="en-US" dirty="0"/>
-          </a:p>
-        </p:txBody>
-      </p:sp>
-    </p:spTree>
-    <p:extLst>
-      <p:ext uri="{BB962C8B-B14F-4D97-AF65-F5344CB8AC3E}">
-        <p14:creationId xmlns:p14="http://schemas.microsoft.com/office/powerpoint/2010/main" val="1971467522"/>
-      </p:ext>
-    </p:extLst>
-  </p:cSld>
-  <p:clrMapOvr>
-    <a:masterClrMapping/>
-  </p:clrMapOvr>
-</p:sld>
-</file>
-
-<file path=ppt/slides/slide9.xml><?xml version="1.0" encoding="utf-8"?>
-<p:sld xmlns:a="http://schemas.openxmlformats.org/drawingml/2006/main" xmlns:r="http://schemas.openxmlformats.org/officeDocument/2006/relationships" xmlns:p="http://schemas.openxmlformats.org/presentationml/2006/main">
-  <p:cSld>
-    <p:spTree>
-      <p:nvGrpSpPr>
-        <p:cNvPr id="1" name=""/>
-        <p:cNvGrpSpPr/>
-        <p:nvPr/>
-      </p:nvGrpSpPr>
-      <p:grpSpPr>
-        <a:xfrm>
-          <a:off x="0" y="0"/>
-          <a:ext cx="0" cy="0"/>
-          <a:chOff x="0" y="0"/>
-          <a:chExt cx="0" cy="0"/>
-        </a:xfrm>
-      </p:grpSpPr>
-      <p:sp>
-        <p:nvSpPr>
-          <p:cNvPr id="8" name="텍스트 개체 틀 7">
-            <a:extLst>
-              <a:ext uri="{FF2B5EF4-FFF2-40B4-BE49-F238E27FC236}">
-                <a16:creationId xmlns:a16="http://schemas.microsoft.com/office/drawing/2014/main" id="{A156EF84-BF1B-4F31-8A96-6CF6DB71506B}"/>
-              </a:ext>
-            </a:extLst>
-          </p:cNvPr>
-          <p:cNvSpPr>
-            <a:spLocks noGrp="1"/>
-          </p:cNvSpPr>
-          <p:nvPr>
-            <p:ph type="body" sz="quarter" idx="13"/>
-          </p:nvPr>
-        </p:nvSpPr>
-        <p:spPr/>
-        <p:txBody>
-          <a:bodyPr/>
-          <a:lstStyle/>
-          <a:p>
-            <a:r>
-              <a:rPr lang="en-US" altLang="ko-KR" dirty="0" smtClean="0"/>
-              <a:t>04</a:t>
-            </a:r>
-            <a:endParaRPr lang="ko-KR" altLang="en-US" dirty="0"/>
-          </a:p>
-        </p:txBody>
-      </p:sp>
-      <p:sp>
-        <p:nvSpPr>
           <p:cNvPr id="41" name="제목 5">
             <a:extLst>
               <a:ext uri="{FF2B5EF4-FFF2-40B4-BE49-F238E27FC236}">
@@ -7523,10 +11959,12 @@
           <a:lstStyle/>
           <a:p>
             <a:r>
-              <a:rPr lang="ko-KR" altLang="en-US" dirty="0" smtClean="0"/>
+              <a:rPr lang="ko-KR" altLang="en-US" dirty="0">
+                <a:latin typeface="돋움" panose="020B0600000101010101" pitchFamily="50" charset="-127"/>
+                <a:ea typeface="돋움" panose="020B0600000101010101" pitchFamily="50" charset="-127"/>
+              </a:rPr>
               <a:t>느낀 점</a:t>
             </a:r>
-            <a:endParaRPr lang="ko-KR" altLang="en-US" dirty="0"/>
           </a:p>
         </p:txBody>
       </p:sp>
@@ -7562,6 +12000,58 @@
               <a:t>8</a:t>
             </a:fld>
             <a:endParaRPr lang="ko-KR" altLang="en-US" dirty="0"/>
+          </a:p>
+        </p:txBody>
+      </p:sp>
+      <p:sp>
+        <p:nvSpPr>
+          <p:cNvPr id="2" name="TextBox 1">
+            <a:extLst>
+              <a:ext uri="{FF2B5EF4-FFF2-40B4-BE49-F238E27FC236}">
+                <a16:creationId xmlns:a16="http://schemas.microsoft.com/office/drawing/2014/main" id="{5E661AF9-AD8B-44ED-993A-740AB5C9E113}"/>
+              </a:ext>
+            </a:extLst>
+          </p:cNvPr>
+          <p:cNvSpPr txBox="1"/>
+          <p:nvPr/>
+        </p:nvSpPr>
+        <p:spPr>
+          <a:xfrm>
+            <a:off x="1383957" y="1569308"/>
+            <a:ext cx="9971902" cy="1938992"/>
+          </a:xfrm>
+          <a:prstGeom prst="rect">
+            <a:avLst/>
+          </a:prstGeom>
+          <a:noFill/>
+        </p:spPr>
+        <p:txBody>
+          <a:bodyPr wrap="square" rtlCol="0">
+            <a:spAutoFit/>
+          </a:bodyPr>
+          <a:lstStyle/>
+          <a:p>
+            <a:r>
+              <a:rPr lang="ko-KR" altLang="en-US" sz="3000" b="1" dirty="0">
+                <a:latin typeface="돋움" panose="020B0600000101010101" pitchFamily="50" charset="-127"/>
+                <a:ea typeface="돋움" panose="020B0600000101010101" pitchFamily="50" charset="-127"/>
+              </a:rPr>
+              <a:t>이번 프로젝트를 통해서 콘솔게임을 처음으로 만들게 되었고 평소에 다들 게임을 즐겨해서 그런지 개발과정에서 힘들다는 생각이 덜 들었고 재밌게 마무리 할 수 있었던 것 같다</a:t>
+            </a:r>
+            <a:r>
+              <a:rPr lang="en-US" altLang="ko-KR" sz="3000" b="1" dirty="0">
+                <a:latin typeface="돋움" panose="020B0600000101010101" pitchFamily="50" charset="-127"/>
+                <a:ea typeface="돋움" panose="020B0600000101010101" pitchFamily="50" charset="-127"/>
+              </a:rPr>
+              <a:t>. </a:t>
+            </a:r>
+            <a:r>
+              <a:rPr lang="ko-KR" altLang="en-US" sz="3000" b="1" dirty="0">
+                <a:latin typeface="돋움" panose="020B0600000101010101" pitchFamily="50" charset="-127"/>
+                <a:ea typeface="돋움" panose="020B0600000101010101" pitchFamily="50" charset="-127"/>
+              </a:rPr>
+              <a:t> </a:t>
+            </a:r>
           </a:p>
         </p:txBody>
       </p:sp>
